--- a/BionPres2.pptx
+++ b/BionPres2.pptx
@@ -7480,7 +7480,7 @@
             <a:fld id="{73C3BD54-29B9-3D42-B178-776ED395AA85}" type="datetimeFigureOut">
               <a:rPr lang="en-US" smtClean="0"/>
               <a:pPr/>
-              <a:t>12/16/2021</a:t>
+              <a:t>1/4/2022</a:t>
             </a:fld>
             <a:endParaRPr lang="en-US" sz="1400"/>
           </a:p>
@@ -7730,7 +7730,7 @@
           <a:p>
             <a:fld id="{73C3BD54-29B9-3D42-B178-776ED395AA85}" type="datetimeFigureOut">
               <a:rPr lang="en-US" smtClean="0"/>
-              <a:t>12/16/2021</a:t>
+              <a:t>1/4/2022</a:t>
             </a:fld>
             <a:endParaRPr lang="en-US"/>
           </a:p>
@@ -8044,7 +8044,7 @@
           <a:p>
             <a:fld id="{73C3BD54-29B9-3D42-B178-776ED395AA85}" type="datetimeFigureOut">
               <a:rPr lang="en-US" smtClean="0"/>
-              <a:t>12/16/2021</a:t>
+              <a:t>1/4/2022</a:t>
             </a:fld>
             <a:endParaRPr lang="en-US"/>
           </a:p>
@@ -8558,7 +8558,7 @@
           <a:p>
             <a:fld id="{73C3BD54-29B9-3D42-B178-776ED395AA85}" type="datetimeFigureOut">
               <a:rPr lang="en-US" smtClean="0"/>
-              <a:t>12/16/2021</a:t>
+              <a:t>1/4/2022</a:t>
             </a:fld>
             <a:endParaRPr lang="en-US"/>
           </a:p>
@@ -8989,7 +8989,7 @@
           <a:p>
             <a:fld id="{73C3BD54-29B9-3D42-B178-776ED395AA85}" type="datetimeFigureOut">
               <a:rPr lang="en-US" smtClean="0"/>
-              <a:t>12/16/2021</a:t>
+              <a:t>1/4/2022</a:t>
             </a:fld>
             <a:endParaRPr lang="en-US"/>
           </a:p>
@@ -9254,7 +9254,7 @@
           <a:p>
             <a:fld id="{73C3BD54-29B9-3D42-B178-776ED395AA85}" type="datetimeFigureOut">
               <a:rPr lang="en-US" smtClean="0"/>
-              <a:t>12/16/2021</a:t>
+              <a:t>1/4/2022</a:t>
             </a:fld>
             <a:endParaRPr lang="en-US"/>
           </a:p>
@@ -9828,7 +9828,7 @@
           <a:p>
             <a:fld id="{73C3BD54-29B9-3D42-B178-776ED395AA85}" type="datetimeFigureOut">
               <a:rPr lang="en-US" smtClean="0"/>
-              <a:t>12/16/2021</a:t>
+              <a:t>1/4/2022</a:t>
             </a:fld>
             <a:endParaRPr lang="en-US"/>
           </a:p>
@@ -10131,7 +10131,7 @@
           <a:p>
             <a:fld id="{73C3BD54-29B9-3D42-B178-776ED395AA85}" type="datetimeFigureOut">
               <a:rPr lang="en-US" smtClean="0"/>
-              <a:t>12/16/2021</a:t>
+              <a:t>1/4/2022</a:t>
             </a:fld>
             <a:endParaRPr lang="en-US"/>
           </a:p>
@@ -10406,7 +10406,7 @@
           <a:p>
             <a:fld id="{73C3BD54-29B9-3D42-B178-776ED395AA85}" type="datetimeFigureOut">
               <a:rPr lang="en-US" smtClean="0"/>
-              <a:t>12/16/2021</a:t>
+              <a:t>1/4/2022</a:t>
             </a:fld>
             <a:endParaRPr lang="en-US"/>
           </a:p>
@@ -10877,7 +10877,7 @@
           <a:p>
             <a:fld id="{73C3BD54-29B9-3D42-B178-776ED395AA85}" type="datetimeFigureOut">
               <a:rPr lang="en-US" smtClean="0"/>
-              <a:t>12/16/2021</a:t>
+              <a:t>1/4/2022</a:t>
             </a:fld>
             <a:endParaRPr lang="en-US"/>
           </a:p>
@@ -11328,7 +11328,7 @@
           <a:p>
             <a:fld id="{73C3BD54-29B9-3D42-B178-776ED395AA85}" type="datetimeFigureOut">
               <a:rPr lang="en-US" smtClean="0"/>
-              <a:t>12/16/2021</a:t>
+              <a:t>1/4/2022</a:t>
             </a:fld>
             <a:endParaRPr lang="en-US"/>
           </a:p>
@@ -11724,7 +11724,7 @@
             <a:fld id="{73C3BD54-29B9-3D42-B178-776ED395AA85}" type="datetimeFigureOut">
               <a:rPr lang="en-US" smtClean="0"/>
               <a:pPr/>
-              <a:t>12/16/2021</a:t>
+              <a:t>1/4/2022</a:t>
             </a:fld>
             <a:endParaRPr lang="en-US" dirty="0"/>
           </a:p>
@@ -19960,7 +19960,11 @@
           <a:bodyPr/>
           <a:lstStyle/>
           <a:p>
-            <a:endParaRPr lang="fr-FR"/>
+            <a:r>
+              <a:rPr lang="fr-FR" dirty="0" err="1"/>
+              <a:t>Hypotheses</a:t>
+            </a:r>
+            <a:endParaRPr lang="fr-FR" dirty="0"/>
           </a:p>
         </p:txBody>
       </p:sp>
@@ -19977,84 +19981,75 @@
             <a:spLocks noGrp="1"/>
           </p:cNvSpPr>
           <p:nvPr>
-            <p:ph sz="half" idx="1"/>
+            <p:ph idx="1"/>
           </p:nvPr>
         </p:nvSpPr>
         <p:spPr/>
         <p:txBody>
-          <a:bodyPr/>
+          <a:bodyPr>
+            <a:normAutofit fontScale="77500" lnSpcReduction="20000"/>
+          </a:bodyPr>
           <a:lstStyle/>
           <a:p>
             <a:r>
-              <a:rPr lang="fr-FR" dirty="0" err="1"/>
-              <a:t>Semantic</a:t>
-            </a:r>
-            <a:r>
-              <a:rPr lang="fr-FR" dirty="0"/>
-              <a:t> facilitation </a:t>
-            </a:r>
-            <a:r>
-              <a:rPr lang="fr-FR" dirty="0" err="1"/>
-              <a:t>happens</a:t>
-            </a:r>
-            <a:r>
-              <a:rPr lang="fr-FR" dirty="0"/>
-              <a:t> </a:t>
-            </a:r>
-            <a:r>
-              <a:rPr lang="fr-FR" dirty="0" err="1"/>
-              <a:t>because</a:t>
-            </a:r>
-            <a:r>
-              <a:rPr lang="fr-FR" dirty="0"/>
-              <a:t> </a:t>
-            </a:r>
-            <a:r>
-              <a:rPr lang="fr-FR" dirty="0" err="1"/>
-              <a:t>less</a:t>
-            </a:r>
-            <a:r>
-              <a:rPr lang="fr-FR" dirty="0"/>
-              <a:t> OFC-hippo </a:t>
-            </a:r>
-            <a:r>
-              <a:rPr lang="fr-FR" dirty="0" err="1"/>
-              <a:t>involvement</a:t>
-            </a:r>
-            <a:r>
-              <a:rPr lang="fr-FR" dirty="0"/>
-              <a:t> </a:t>
-            </a:r>
-            <a:r>
-              <a:rPr lang="fr-FR" dirty="0" err="1"/>
-              <a:t>necessary</a:t>
+              <a:rPr lang="en-US" dirty="0"/>
+              <a:t>Reactivation of the associated stim earlier </a:t>
+            </a:r>
+          </a:p>
+          <a:p>
+            <a:r>
+              <a:rPr lang="en-US" dirty="0"/>
+              <a:t>Reduced </a:t>
+            </a:r>
+            <a:r>
+              <a:rPr lang="en-US" dirty="0" err="1"/>
+              <a:t>functionnal</a:t>
+            </a:r>
+            <a:r>
+              <a:rPr lang="en-US" dirty="0"/>
+              <a:t> connectivity hippo-striatum and hippo-OFC (because hippo not necessary anymore to recover associated stimulus state) </a:t>
+            </a:r>
+          </a:p>
+          <a:p>
+            <a:r>
+              <a:rPr lang="en-US" dirty="0"/>
+              <a:t>Bold (a) hippo during </a:t>
+            </a:r>
+            <a:r>
+              <a:rPr lang="en-US" dirty="0" err="1"/>
+              <a:t>Conditionning</a:t>
+            </a:r>
+            <a:r>
+              <a:rPr lang="en-US" dirty="0"/>
+              <a:t> Phase doesn't predict performance, but another (semantic) region might </a:t>
+            </a:r>
+          </a:p>
+          <a:p>
+            <a:r>
+              <a:rPr lang="en-US" dirty="0"/>
+              <a:t>Representational similarity might predict performance in hippo/OFC? (state encoding – not in temporal cx otherwise </a:t>
+            </a:r>
+            <a:r>
+              <a:rPr lang="en-US" dirty="0" err="1"/>
+              <a:t>douple</a:t>
+            </a:r>
+            <a:r>
+              <a:rPr lang="en-US" dirty="0"/>
+              <a:t> dipping)</a:t>
+            </a:r>
+          </a:p>
+          <a:p>
+            <a:r>
+              <a:rPr lang="en-US" dirty="0"/>
+              <a:t>Decoding of state and stim - to think about more </a:t>
+            </a:r>
+          </a:p>
+          <a:p>
+            <a:r>
+              <a:rPr lang="en-US" dirty="0"/>
+              <a:t>Interaction with reward - to think about more - hippo-striatum connectivity, strengthen effect</a:t>
             </a:r>
             <a:endParaRPr lang="fr-FR" dirty="0"/>
-          </a:p>
-        </p:txBody>
-      </p:sp>
-      <p:sp>
-        <p:nvSpPr>
-          <p:cNvPr id="4" name="Espace réservé du contenu 3">
-            <a:extLst>
-              <a:ext uri="{FF2B5EF4-FFF2-40B4-BE49-F238E27FC236}">
-                <a16:creationId xmlns:a16="http://schemas.microsoft.com/office/drawing/2014/main" id="{B614AAA8-F273-4C91-B45E-6E306E6B9A98}"/>
-              </a:ext>
-            </a:extLst>
-          </p:cNvPr>
-          <p:cNvSpPr>
-            <a:spLocks noGrp="1"/>
-          </p:cNvSpPr>
-          <p:nvPr>
-            <p:ph sz="half" idx="2"/>
-          </p:nvPr>
-        </p:nvSpPr>
-        <p:spPr/>
-        <p:txBody>
-          <a:bodyPr/>
-          <a:lstStyle/>
-          <a:p>
-            <a:endParaRPr lang="fr-FR"/>
           </a:p>
         </p:txBody>
       </p:sp>

--- a/BionPres2.pptx
+++ b/BionPres2.pptx
@@ -7480,7 +7480,7 @@
             <a:fld id="{73C3BD54-29B9-3D42-B178-776ED395AA85}" type="datetimeFigureOut">
               <a:rPr lang="en-US" smtClean="0"/>
               <a:pPr/>
-              <a:t>1/4/2022</a:t>
+              <a:t>1/5/2022</a:t>
             </a:fld>
             <a:endParaRPr lang="en-US" sz="1400"/>
           </a:p>
@@ -7730,7 +7730,7 @@
           <a:p>
             <a:fld id="{73C3BD54-29B9-3D42-B178-776ED395AA85}" type="datetimeFigureOut">
               <a:rPr lang="en-US" smtClean="0"/>
-              <a:t>1/4/2022</a:t>
+              <a:t>1/5/2022</a:t>
             </a:fld>
             <a:endParaRPr lang="en-US"/>
           </a:p>
@@ -8044,7 +8044,7 @@
           <a:p>
             <a:fld id="{73C3BD54-29B9-3D42-B178-776ED395AA85}" type="datetimeFigureOut">
               <a:rPr lang="en-US" smtClean="0"/>
-              <a:t>1/4/2022</a:t>
+              <a:t>1/5/2022</a:t>
             </a:fld>
             <a:endParaRPr lang="en-US"/>
           </a:p>
@@ -8558,7 +8558,7 @@
           <a:p>
             <a:fld id="{73C3BD54-29B9-3D42-B178-776ED395AA85}" type="datetimeFigureOut">
               <a:rPr lang="en-US" smtClean="0"/>
-              <a:t>1/4/2022</a:t>
+              <a:t>1/5/2022</a:t>
             </a:fld>
             <a:endParaRPr lang="en-US"/>
           </a:p>
@@ -8989,7 +8989,7 @@
           <a:p>
             <a:fld id="{73C3BD54-29B9-3D42-B178-776ED395AA85}" type="datetimeFigureOut">
               <a:rPr lang="en-US" smtClean="0"/>
-              <a:t>1/4/2022</a:t>
+              <a:t>1/5/2022</a:t>
             </a:fld>
             <a:endParaRPr lang="en-US"/>
           </a:p>
@@ -9254,7 +9254,7 @@
           <a:p>
             <a:fld id="{73C3BD54-29B9-3D42-B178-776ED395AA85}" type="datetimeFigureOut">
               <a:rPr lang="en-US" smtClean="0"/>
-              <a:t>1/4/2022</a:t>
+              <a:t>1/5/2022</a:t>
             </a:fld>
             <a:endParaRPr lang="en-US"/>
           </a:p>
@@ -9828,7 +9828,7 @@
           <a:p>
             <a:fld id="{73C3BD54-29B9-3D42-B178-776ED395AA85}" type="datetimeFigureOut">
               <a:rPr lang="en-US" smtClean="0"/>
-              <a:t>1/4/2022</a:t>
+              <a:t>1/5/2022</a:t>
             </a:fld>
             <a:endParaRPr lang="en-US"/>
           </a:p>
@@ -10131,7 +10131,7 @@
           <a:p>
             <a:fld id="{73C3BD54-29B9-3D42-B178-776ED395AA85}" type="datetimeFigureOut">
               <a:rPr lang="en-US" smtClean="0"/>
-              <a:t>1/4/2022</a:t>
+              <a:t>1/5/2022</a:t>
             </a:fld>
             <a:endParaRPr lang="en-US"/>
           </a:p>
@@ -10406,7 +10406,7 @@
           <a:p>
             <a:fld id="{73C3BD54-29B9-3D42-B178-776ED395AA85}" type="datetimeFigureOut">
               <a:rPr lang="en-US" smtClean="0"/>
-              <a:t>1/4/2022</a:t>
+              <a:t>1/5/2022</a:t>
             </a:fld>
             <a:endParaRPr lang="en-US"/>
           </a:p>
@@ -10877,7 +10877,7 @@
           <a:p>
             <a:fld id="{73C3BD54-29B9-3D42-B178-776ED395AA85}" type="datetimeFigureOut">
               <a:rPr lang="en-US" smtClean="0"/>
-              <a:t>1/4/2022</a:t>
+              <a:t>1/5/2022</a:t>
             </a:fld>
             <a:endParaRPr lang="en-US"/>
           </a:p>
@@ -11328,7 +11328,7 @@
           <a:p>
             <a:fld id="{73C3BD54-29B9-3D42-B178-776ED395AA85}" type="datetimeFigureOut">
               <a:rPr lang="en-US" smtClean="0"/>
-              <a:t>1/4/2022</a:t>
+              <a:t>1/5/2022</a:t>
             </a:fld>
             <a:endParaRPr lang="en-US"/>
           </a:p>
@@ -11724,7 +11724,7 @@
             <a:fld id="{73C3BD54-29B9-3D42-B178-776ED395AA85}" type="datetimeFigureOut">
               <a:rPr lang="en-US" smtClean="0"/>
               <a:pPr/>
-              <a:t>1/4/2022</a:t>
+              <a:t>1/5/2022</a:t>
             </a:fld>
             <a:endParaRPr lang="en-US" dirty="0"/>
           </a:p>
@@ -12647,12 +12647,21 @@
             <p:ph type="title"/>
           </p:nvPr>
         </p:nvSpPr>
-        <p:spPr/>
+        <p:spPr>
+          <a:xfrm>
+            <a:off x="565149" y="1204721"/>
+            <a:ext cx="8267296" cy="762975"/>
+          </a:xfrm>
+        </p:spPr>
         <p:txBody>
           <a:bodyPr/>
           <a:lstStyle/>
           <a:p>
-            <a:endParaRPr lang="fr-FR"/>
+            <a:r>
+              <a:rPr lang="fr-FR" dirty="0" err="1"/>
+              <a:t>Summary</a:t>
+            </a:r>
+            <a:endParaRPr lang="fr-FR" dirty="0"/>
           </a:p>
         </p:txBody>
       </p:sp>
@@ -12677,7 +12686,38 @@
           <a:bodyPr/>
           <a:lstStyle/>
           <a:p>
-            <a:endParaRPr lang="fr-FR"/>
+            <a:r>
+              <a:rPr lang="fr-FR" dirty="0"/>
+              <a:t>Association (</a:t>
+            </a:r>
+            <a:r>
+              <a:rPr lang="fr-FR" dirty="0" err="1"/>
+              <a:t>preconditioning</a:t>
+            </a:r>
+            <a:r>
+              <a:rPr lang="fr-FR" dirty="0"/>
+              <a:t>)</a:t>
+            </a:r>
+          </a:p>
+          <a:p>
+            <a:pPr lvl="1"/>
+            <a:r>
+              <a:rPr lang="fr-FR" dirty="0"/>
+              <a:t>16 pairs, </a:t>
+            </a:r>
+            <a:r>
+              <a:rPr lang="fr-FR" dirty="0" err="1"/>
+              <a:t>each</a:t>
+            </a:r>
+            <a:r>
+              <a:rPr lang="fr-FR" dirty="0"/>
+              <a:t> </a:t>
+            </a:r>
+            <a:r>
+              <a:rPr lang="fr-FR" dirty="0" err="1"/>
+              <a:t>repeated</a:t>
+            </a:r>
+            <a:endParaRPr lang="fr-FR" dirty="0"/>
           </a:p>
         </p:txBody>
       </p:sp>

--- a/BionPres2.pptx
+++ b/BionPres2.pptx
@@ -7480,7 +7480,7 @@
             <a:fld id="{73C3BD54-29B9-3D42-B178-776ED395AA85}" type="datetimeFigureOut">
               <a:rPr lang="en-US" smtClean="0"/>
               <a:pPr/>
-              <a:t>1/5/2022</a:t>
+              <a:t>1/6/2022</a:t>
             </a:fld>
             <a:endParaRPr lang="en-US" sz="1400"/>
           </a:p>
@@ -7730,7 +7730,7 @@
           <a:p>
             <a:fld id="{73C3BD54-29B9-3D42-B178-776ED395AA85}" type="datetimeFigureOut">
               <a:rPr lang="en-US" smtClean="0"/>
-              <a:t>1/5/2022</a:t>
+              <a:t>1/6/2022</a:t>
             </a:fld>
             <a:endParaRPr lang="en-US"/>
           </a:p>
@@ -8044,7 +8044,7 @@
           <a:p>
             <a:fld id="{73C3BD54-29B9-3D42-B178-776ED395AA85}" type="datetimeFigureOut">
               <a:rPr lang="en-US" smtClean="0"/>
-              <a:t>1/5/2022</a:t>
+              <a:t>1/6/2022</a:t>
             </a:fld>
             <a:endParaRPr lang="en-US"/>
           </a:p>
@@ -8558,7 +8558,7 @@
           <a:p>
             <a:fld id="{73C3BD54-29B9-3D42-B178-776ED395AA85}" type="datetimeFigureOut">
               <a:rPr lang="en-US" smtClean="0"/>
-              <a:t>1/5/2022</a:t>
+              <a:t>1/6/2022</a:t>
             </a:fld>
             <a:endParaRPr lang="en-US"/>
           </a:p>
@@ -8989,7 +8989,7 @@
           <a:p>
             <a:fld id="{73C3BD54-29B9-3D42-B178-776ED395AA85}" type="datetimeFigureOut">
               <a:rPr lang="en-US" smtClean="0"/>
-              <a:t>1/5/2022</a:t>
+              <a:t>1/6/2022</a:t>
             </a:fld>
             <a:endParaRPr lang="en-US"/>
           </a:p>
@@ -9254,7 +9254,7 @@
           <a:p>
             <a:fld id="{73C3BD54-29B9-3D42-B178-776ED395AA85}" type="datetimeFigureOut">
               <a:rPr lang="en-US" smtClean="0"/>
-              <a:t>1/5/2022</a:t>
+              <a:t>1/6/2022</a:t>
             </a:fld>
             <a:endParaRPr lang="en-US"/>
           </a:p>
@@ -9828,7 +9828,7 @@
           <a:p>
             <a:fld id="{73C3BD54-29B9-3D42-B178-776ED395AA85}" type="datetimeFigureOut">
               <a:rPr lang="en-US" smtClean="0"/>
-              <a:t>1/5/2022</a:t>
+              <a:t>1/6/2022</a:t>
             </a:fld>
             <a:endParaRPr lang="en-US"/>
           </a:p>
@@ -10131,7 +10131,7 @@
           <a:p>
             <a:fld id="{73C3BD54-29B9-3D42-B178-776ED395AA85}" type="datetimeFigureOut">
               <a:rPr lang="en-US" smtClean="0"/>
-              <a:t>1/5/2022</a:t>
+              <a:t>1/6/2022</a:t>
             </a:fld>
             <a:endParaRPr lang="en-US"/>
           </a:p>
@@ -10406,7 +10406,7 @@
           <a:p>
             <a:fld id="{73C3BD54-29B9-3D42-B178-776ED395AA85}" type="datetimeFigureOut">
               <a:rPr lang="en-US" smtClean="0"/>
-              <a:t>1/5/2022</a:t>
+              <a:t>1/6/2022</a:t>
             </a:fld>
             <a:endParaRPr lang="en-US"/>
           </a:p>
@@ -10877,7 +10877,7 @@
           <a:p>
             <a:fld id="{73C3BD54-29B9-3D42-B178-776ED395AA85}" type="datetimeFigureOut">
               <a:rPr lang="en-US" smtClean="0"/>
-              <a:t>1/5/2022</a:t>
+              <a:t>1/6/2022</a:t>
             </a:fld>
             <a:endParaRPr lang="en-US"/>
           </a:p>
@@ -11328,7 +11328,7 @@
           <a:p>
             <a:fld id="{73C3BD54-29B9-3D42-B178-776ED395AA85}" type="datetimeFigureOut">
               <a:rPr lang="en-US" smtClean="0"/>
-              <a:t>1/5/2022</a:t>
+              <a:t>1/6/2022</a:t>
             </a:fld>
             <a:endParaRPr lang="en-US"/>
           </a:p>
@@ -11724,7 +11724,7 @@
             <a:fld id="{73C3BD54-29B9-3D42-B178-776ED395AA85}" type="datetimeFigureOut">
               <a:rPr lang="en-US" smtClean="0"/>
               <a:pPr/>
-              <a:t>1/5/2022</a:t>
+              <a:t>1/6/2022</a:t>
             </a:fld>
             <a:endParaRPr lang="en-US" dirty="0"/>
           </a:p>
@@ -19038,7 +19038,7 @@
               <a:t> in </a:t>
             </a:r>
             <a:r>
-              <a:rPr lang="fr-FR" dirty="0" err="1"/>
+              <a:rPr lang="fr-FR" b="1" dirty="0" err="1"/>
               <a:t>Reward</a:t>
             </a:r>
             <a:r>
@@ -19076,7 +19076,7 @@
               <a:t> </a:t>
             </a:r>
             <a:r>
-              <a:rPr lang="fr-FR" dirty="0" err="1"/>
+              <a:rPr lang="fr-FR" b="1" dirty="0" err="1"/>
               <a:t>Reward</a:t>
             </a:r>
             <a:r>
@@ -19100,7 +19100,7 @@
               <a:t> performance in </a:t>
             </a:r>
             <a:r>
-              <a:rPr lang="fr-FR" dirty="0" err="1"/>
+              <a:rPr lang="fr-FR" b="1" dirty="0" err="1"/>
               <a:t>Decision</a:t>
             </a:r>
             <a:r>
@@ -19367,7 +19367,7 @@
               <a:t> </a:t>
             </a:r>
             <a:r>
-              <a:rPr lang="fr-FR" dirty="0" err="1"/>
+              <a:rPr lang="fr-FR" b="1" dirty="0" err="1"/>
               <a:t>Reward</a:t>
             </a:r>
             <a:r>
@@ -19437,7 +19437,7 @@
               <a:t> </a:t>
             </a:r>
             <a:r>
-              <a:rPr lang="fr-FR" dirty="0" err="1"/>
+              <a:rPr lang="fr-FR" b="1" dirty="0" err="1"/>
               <a:t>Decision</a:t>
             </a:r>
             <a:r>
@@ -20024,7 +20024,12 @@
             <p:ph idx="1"/>
           </p:nvPr>
         </p:nvSpPr>
-        <p:spPr/>
+        <p:spPr>
+          <a:xfrm>
+            <a:off x="565150" y="2083443"/>
+            <a:ext cx="8267296" cy="4514127"/>
+          </a:xfrm>
+        </p:spPr>
         <p:txBody>
           <a:bodyPr>
             <a:normAutofit fontScale="77500" lnSpcReduction="20000"/>
@@ -20037,6 +20042,24 @@
             </a:r>
           </a:p>
           <a:p>
+            <a:pPr lvl="1"/>
+            <a:r>
+              <a:rPr lang="en-US" dirty="0" err="1"/>
+              <a:t>asso</a:t>
+            </a:r>
+            <a:r>
+              <a:rPr lang="en-US" dirty="0"/>
+              <a:t> phase</a:t>
+            </a:r>
+          </a:p>
+          <a:p>
+            <a:pPr lvl="1"/>
+            <a:r>
+              <a:rPr lang="en-US" dirty="0"/>
+              <a:t>I only need scenes for that so ok?</a:t>
+            </a:r>
+          </a:p>
+          <a:p>
             <a:r>
               <a:rPr lang="en-US" dirty="0"/>
               <a:t>Reduced </a:t>
@@ -20047,7 +20070,14 @@
             </a:r>
             <a:r>
               <a:rPr lang="en-US" dirty="0"/>
-              <a:t> connectivity hippo-striatum and hippo-OFC (because hippo not necessary anymore to recover associated stimulus state) </a:t>
+              <a:t> connectivity hippo-striatum and hippo-OFC (because hippo not necessary anymore to recover associated stimulus state)</a:t>
+            </a:r>
+          </a:p>
+          <a:p>
+            <a:pPr lvl="1"/>
+            <a:r>
+              <a:rPr lang="en-US" dirty="0"/>
+              <a:t>Mostly reward phase and decision phase?</a:t>
             </a:r>
           </a:p>
           <a:p>
@@ -20065,6 +20095,13 @@
             </a:r>
           </a:p>
           <a:p>
+            <a:pPr lvl="1"/>
+            <a:r>
+              <a:rPr lang="en-US" dirty="0"/>
+              <a:t>Reward phase</a:t>
+            </a:r>
+          </a:p>
+          <a:p>
             <a:r>
               <a:rPr lang="en-US" dirty="0"/>
               <a:t>Representational similarity might predict performance in hippo/OFC? (state encoding – not in temporal cx otherwise </a:t>
@@ -20076,6 +20113,25 @@
             <a:r>
               <a:rPr lang="en-US" dirty="0"/>
               <a:t> dipping)</a:t>
+            </a:r>
+          </a:p>
+          <a:p>
+            <a:pPr lvl="1"/>
+            <a:r>
+              <a:rPr lang="en-US" dirty="0" err="1"/>
+              <a:t>Asso</a:t>
+            </a:r>
+            <a:r>
+              <a:rPr lang="en-US" dirty="0"/>
+              <a:t> phase </a:t>
+            </a:r>
+            <a:r>
+              <a:rPr lang="en-US" dirty="0" err="1"/>
+              <a:t>nec</a:t>
+            </a:r>
+            <a:r>
+              <a:rPr lang="en-US" dirty="0"/>
+              <a:t> for RSA???</a:t>
             </a:r>
           </a:p>
           <a:p>

--- a/BionPres2.pptx
+++ b/BionPres2.pptx
@@ -4,6 +4,9 @@
   <p:sldMasterIdLst>
     <p:sldMasterId id="2147483686" r:id="rId1"/>
   </p:sldMasterIdLst>
+  <p:notesMasterIdLst>
+    <p:notesMasterId r:id="rId21"/>
+  </p:notesMasterIdLst>
   <p:sldIdLst>
     <p:sldId id="256" r:id="rId2"/>
     <p:sldId id="257" r:id="rId3"/>
@@ -11,18 +14,19 @@
     <p:sldId id="267" r:id="rId5"/>
     <p:sldId id="266" r:id="rId6"/>
     <p:sldId id="259" r:id="rId7"/>
-    <p:sldId id="265" r:id="rId8"/>
-    <p:sldId id="274" r:id="rId9"/>
-    <p:sldId id="264" r:id="rId10"/>
-    <p:sldId id="275" r:id="rId11"/>
-    <p:sldId id="260" r:id="rId12"/>
-    <p:sldId id="272" r:id="rId13"/>
-    <p:sldId id="268" r:id="rId14"/>
-    <p:sldId id="269" r:id="rId15"/>
-    <p:sldId id="270" r:id="rId16"/>
-    <p:sldId id="263" r:id="rId17"/>
-    <p:sldId id="261" r:id="rId18"/>
-    <p:sldId id="273" r:id="rId19"/>
+    <p:sldId id="276" r:id="rId8"/>
+    <p:sldId id="265" r:id="rId9"/>
+    <p:sldId id="274" r:id="rId10"/>
+    <p:sldId id="264" r:id="rId11"/>
+    <p:sldId id="275" r:id="rId12"/>
+    <p:sldId id="260" r:id="rId13"/>
+    <p:sldId id="272" r:id="rId14"/>
+    <p:sldId id="268" r:id="rId15"/>
+    <p:sldId id="269" r:id="rId16"/>
+    <p:sldId id="270" r:id="rId17"/>
+    <p:sldId id="263" r:id="rId18"/>
+    <p:sldId id="261" r:id="rId19"/>
+    <p:sldId id="273" r:id="rId20"/>
   </p:sldIdLst>
   <p:sldSz cx="12192000" cy="6858000"/>
   <p:notesSz cx="6858000" cy="9144000"/>
@@ -2619,7 +2623,7 @@
   <dgm:whole/>
   <dgm:extLst>
     <a:ext uri="http://schemas.microsoft.com/office/drawing/2008/diagram">
-      <dsp:dataModelExt xmlns:dsp="http://schemas.microsoft.com/office/drawing/2008/diagram" relId="rId6" minVer="http://schemas.openxmlformats.org/drawingml/2006/diagram"/>
+      <dsp:dataModelExt xmlns:dsp="http://schemas.microsoft.com/office/drawing/2008/diagram" relId="rId7" minVer="http://schemas.openxmlformats.org/drawingml/2006/diagram"/>
     </a:ext>
   </dgm:extLst>
 </dgm:dataModel>
@@ -2776,7 +2780,7 @@
   <dgm:whole/>
   <dgm:extLst>
     <a:ext uri="http://schemas.microsoft.com/office/drawing/2008/diagram">
-      <dsp:dataModelExt xmlns:dsp="http://schemas.microsoft.com/office/drawing/2008/diagram" relId="rId11" minVer="http://schemas.openxmlformats.org/drawingml/2006/diagram"/>
+      <dsp:dataModelExt xmlns:dsp="http://schemas.microsoft.com/office/drawing/2008/diagram" relId="rId12" minVer="http://schemas.openxmlformats.org/drawingml/2006/diagram"/>
     </a:ext>
   </dgm:extLst>
 </dgm:dataModel>
@@ -2933,7 +2937,7 @@
   <dgm:whole/>
   <dgm:extLst>
     <a:ext uri="http://schemas.microsoft.com/office/drawing/2008/diagram">
-      <dsp:dataModelExt xmlns:dsp="http://schemas.microsoft.com/office/drawing/2008/diagram" relId="rId16" minVer="http://schemas.openxmlformats.org/drawingml/2006/diagram"/>
+      <dsp:dataModelExt xmlns:dsp="http://schemas.microsoft.com/office/drawing/2008/diagram" relId="rId17" minVer="http://schemas.openxmlformats.org/drawingml/2006/diagram"/>
     </a:ext>
   </dgm:extLst>
 </dgm:dataModel>
@@ -7165,6 +7169,666 @@
 </dgm:styleDef>
 </file>
 
+<file path=ppt/notesMasters/notesMaster1.xml><?xml version="1.0" encoding="utf-8"?>
+<p:notesMaster xmlns:a="http://schemas.openxmlformats.org/drawingml/2006/main" xmlns:r="http://schemas.openxmlformats.org/officeDocument/2006/relationships" xmlns:p="http://schemas.openxmlformats.org/presentationml/2006/main">
+  <p:cSld>
+    <p:bg>
+      <p:bgRef idx="1001">
+        <a:schemeClr val="bg1"/>
+      </p:bgRef>
+    </p:bg>
+    <p:spTree>
+      <p:nvGrpSpPr>
+        <p:cNvPr id="1" name=""/>
+        <p:cNvGrpSpPr/>
+        <p:nvPr/>
+      </p:nvGrpSpPr>
+      <p:grpSpPr>
+        <a:xfrm>
+          <a:off x="0" y="0"/>
+          <a:ext cx="0" cy="0"/>
+          <a:chOff x="0" y="0"/>
+          <a:chExt cx="0" cy="0"/>
+        </a:xfrm>
+      </p:grpSpPr>
+      <p:sp>
+        <p:nvSpPr>
+          <p:cNvPr id="2" name="Espace réservé de l'en-tête 1"/>
+          <p:cNvSpPr>
+            <a:spLocks noGrp="1"/>
+          </p:cNvSpPr>
+          <p:nvPr>
+            <p:ph type="hdr" sz="quarter"/>
+          </p:nvPr>
+        </p:nvSpPr>
+        <p:spPr>
+          <a:xfrm>
+            <a:off x="0" y="0"/>
+            <a:ext cx="2971800" cy="458788"/>
+          </a:xfrm>
+          <a:prstGeom prst="rect">
+            <a:avLst/>
+          </a:prstGeom>
+        </p:spPr>
+        <p:txBody>
+          <a:bodyPr vert="horz" lIns="91440" tIns="45720" rIns="91440" bIns="45720" rtlCol="0"/>
+          <a:lstStyle>
+            <a:lvl1pPr algn="l">
+              <a:defRPr sz="1200"/>
+            </a:lvl1pPr>
+          </a:lstStyle>
+          <a:p>
+            <a:endParaRPr lang="fr-FR"/>
+          </a:p>
+        </p:txBody>
+      </p:sp>
+      <p:sp>
+        <p:nvSpPr>
+          <p:cNvPr id="3" name="Espace réservé de la date 2"/>
+          <p:cNvSpPr>
+            <a:spLocks noGrp="1"/>
+          </p:cNvSpPr>
+          <p:nvPr>
+            <p:ph type="dt" idx="1"/>
+          </p:nvPr>
+        </p:nvSpPr>
+        <p:spPr>
+          <a:xfrm>
+            <a:off x="3884613" y="0"/>
+            <a:ext cx="2971800" cy="458788"/>
+          </a:xfrm>
+          <a:prstGeom prst="rect">
+            <a:avLst/>
+          </a:prstGeom>
+        </p:spPr>
+        <p:txBody>
+          <a:bodyPr vert="horz" lIns="91440" tIns="45720" rIns="91440" bIns="45720" rtlCol="0"/>
+          <a:lstStyle>
+            <a:lvl1pPr algn="r">
+              <a:defRPr sz="1200"/>
+            </a:lvl1pPr>
+          </a:lstStyle>
+          <a:p>
+            <a:fld id="{F0C3E07D-13BC-4AC6-A5BF-D0A1C3C81759}" type="datetimeFigureOut">
+              <a:rPr lang="fr-FR" smtClean="0"/>
+              <a:t>07/01/2022</a:t>
+            </a:fld>
+            <a:endParaRPr lang="fr-FR"/>
+          </a:p>
+        </p:txBody>
+      </p:sp>
+      <p:sp>
+        <p:nvSpPr>
+          <p:cNvPr id="4" name="Espace réservé de l'image des diapositives 3"/>
+          <p:cNvSpPr>
+            <a:spLocks noGrp="1" noRot="1" noChangeAspect="1"/>
+          </p:cNvSpPr>
+          <p:nvPr>
+            <p:ph type="sldImg" idx="2"/>
+          </p:nvPr>
+        </p:nvSpPr>
+        <p:spPr>
+          <a:xfrm>
+            <a:off x="685800" y="1143000"/>
+            <a:ext cx="5486400" cy="3086100"/>
+          </a:xfrm>
+          <a:prstGeom prst="rect">
+            <a:avLst/>
+          </a:prstGeom>
+          <a:noFill/>
+          <a:ln w="12700">
+            <a:solidFill>
+              <a:prstClr val="black"/>
+            </a:solidFill>
+          </a:ln>
+        </p:spPr>
+        <p:txBody>
+          <a:bodyPr vert="horz" lIns="91440" tIns="45720" rIns="91440" bIns="45720" rtlCol="0" anchor="ctr"/>
+          <a:lstStyle/>
+          <a:p>
+            <a:endParaRPr lang="fr-FR"/>
+          </a:p>
+        </p:txBody>
+      </p:sp>
+      <p:sp>
+        <p:nvSpPr>
+          <p:cNvPr id="5" name="Espace réservé des notes 4"/>
+          <p:cNvSpPr>
+            <a:spLocks noGrp="1"/>
+          </p:cNvSpPr>
+          <p:nvPr>
+            <p:ph type="body" sz="quarter" idx="3"/>
+          </p:nvPr>
+        </p:nvSpPr>
+        <p:spPr>
+          <a:xfrm>
+            <a:off x="685800" y="4400550"/>
+            <a:ext cx="5486400" cy="3600450"/>
+          </a:xfrm>
+          <a:prstGeom prst="rect">
+            <a:avLst/>
+          </a:prstGeom>
+        </p:spPr>
+        <p:txBody>
+          <a:bodyPr vert="horz" lIns="91440" tIns="45720" rIns="91440" bIns="45720" rtlCol="0"/>
+          <a:lstStyle/>
+          <a:p>
+            <a:pPr lvl="0"/>
+            <a:r>
+              <a:rPr lang="fr-FR"/>
+              <a:t>Cliquez pour modifier les styles du texte du masque</a:t>
+            </a:r>
+          </a:p>
+          <a:p>
+            <a:pPr lvl="1"/>
+            <a:r>
+              <a:rPr lang="fr-FR"/>
+              <a:t>Deuxième niveau</a:t>
+            </a:r>
+          </a:p>
+          <a:p>
+            <a:pPr lvl="2"/>
+            <a:r>
+              <a:rPr lang="fr-FR"/>
+              <a:t>Troisième niveau</a:t>
+            </a:r>
+          </a:p>
+          <a:p>
+            <a:pPr lvl="3"/>
+            <a:r>
+              <a:rPr lang="fr-FR"/>
+              <a:t>Quatrième niveau</a:t>
+            </a:r>
+          </a:p>
+          <a:p>
+            <a:pPr lvl="4"/>
+            <a:r>
+              <a:rPr lang="fr-FR"/>
+              <a:t>Cinquième niveau</a:t>
+            </a:r>
+          </a:p>
+        </p:txBody>
+      </p:sp>
+      <p:sp>
+        <p:nvSpPr>
+          <p:cNvPr id="6" name="Espace réservé du pied de page 5"/>
+          <p:cNvSpPr>
+            <a:spLocks noGrp="1"/>
+          </p:cNvSpPr>
+          <p:nvPr>
+            <p:ph type="ftr" sz="quarter" idx="4"/>
+          </p:nvPr>
+        </p:nvSpPr>
+        <p:spPr>
+          <a:xfrm>
+            <a:off x="0" y="8685213"/>
+            <a:ext cx="2971800" cy="458787"/>
+          </a:xfrm>
+          <a:prstGeom prst="rect">
+            <a:avLst/>
+          </a:prstGeom>
+        </p:spPr>
+        <p:txBody>
+          <a:bodyPr vert="horz" lIns="91440" tIns="45720" rIns="91440" bIns="45720" rtlCol="0" anchor="b"/>
+          <a:lstStyle>
+            <a:lvl1pPr algn="l">
+              <a:defRPr sz="1200"/>
+            </a:lvl1pPr>
+          </a:lstStyle>
+          <a:p>
+            <a:endParaRPr lang="fr-FR"/>
+          </a:p>
+        </p:txBody>
+      </p:sp>
+      <p:sp>
+        <p:nvSpPr>
+          <p:cNvPr id="7" name="Espace réservé du numéro de diapositive 6"/>
+          <p:cNvSpPr>
+            <a:spLocks noGrp="1"/>
+          </p:cNvSpPr>
+          <p:nvPr>
+            <p:ph type="sldNum" sz="quarter" idx="5"/>
+          </p:nvPr>
+        </p:nvSpPr>
+        <p:spPr>
+          <a:xfrm>
+            <a:off x="3884613" y="8685213"/>
+            <a:ext cx="2971800" cy="458787"/>
+          </a:xfrm>
+          <a:prstGeom prst="rect">
+            <a:avLst/>
+          </a:prstGeom>
+        </p:spPr>
+        <p:txBody>
+          <a:bodyPr vert="horz" lIns="91440" tIns="45720" rIns="91440" bIns="45720" rtlCol="0" anchor="b"/>
+          <a:lstStyle>
+            <a:lvl1pPr algn="r">
+              <a:defRPr sz="1200"/>
+            </a:lvl1pPr>
+          </a:lstStyle>
+          <a:p>
+            <a:fld id="{1A33DB5D-EAB6-444E-AD22-FC4D6BC4A919}" type="slidenum">
+              <a:rPr lang="fr-FR" smtClean="0"/>
+              <a:t>‹N°›</a:t>
+            </a:fld>
+            <a:endParaRPr lang="fr-FR"/>
+          </a:p>
+        </p:txBody>
+      </p:sp>
+    </p:spTree>
+    <p:extLst>
+      <p:ext uri="{BB962C8B-B14F-4D97-AF65-F5344CB8AC3E}">
+        <p14:creationId xmlns:p14="http://schemas.microsoft.com/office/powerpoint/2010/main" val="1579173351"/>
+      </p:ext>
+    </p:extLst>
+  </p:cSld>
+  <p:clrMap bg1="lt1" tx1="dk1" bg2="lt2" tx2="dk2" accent1="accent1" accent2="accent2" accent3="accent3" accent4="accent4" accent5="accent5" accent6="accent6" hlink="hlink" folHlink="folHlink"/>
+  <p:notesStyle>
+    <a:lvl1pPr marL="0" algn="l" defTabSz="914400" rtl="0" eaLnBrk="1" latinLnBrk="0" hangingPunct="1">
+      <a:defRPr sz="1200" kern="1200">
+        <a:solidFill>
+          <a:schemeClr val="tx1"/>
+        </a:solidFill>
+        <a:latin typeface="+mn-lt"/>
+        <a:ea typeface="+mn-ea"/>
+        <a:cs typeface="+mn-cs"/>
+      </a:defRPr>
+    </a:lvl1pPr>
+    <a:lvl2pPr marL="457200" algn="l" defTabSz="914400" rtl="0" eaLnBrk="1" latinLnBrk="0" hangingPunct="1">
+      <a:defRPr sz="1200" kern="1200">
+        <a:solidFill>
+          <a:schemeClr val="tx1"/>
+        </a:solidFill>
+        <a:latin typeface="+mn-lt"/>
+        <a:ea typeface="+mn-ea"/>
+        <a:cs typeface="+mn-cs"/>
+      </a:defRPr>
+    </a:lvl2pPr>
+    <a:lvl3pPr marL="914400" algn="l" defTabSz="914400" rtl="0" eaLnBrk="1" latinLnBrk="0" hangingPunct="1">
+      <a:defRPr sz="1200" kern="1200">
+        <a:solidFill>
+          <a:schemeClr val="tx1"/>
+        </a:solidFill>
+        <a:latin typeface="+mn-lt"/>
+        <a:ea typeface="+mn-ea"/>
+        <a:cs typeface="+mn-cs"/>
+      </a:defRPr>
+    </a:lvl3pPr>
+    <a:lvl4pPr marL="1371600" algn="l" defTabSz="914400" rtl="0" eaLnBrk="1" latinLnBrk="0" hangingPunct="1">
+      <a:defRPr sz="1200" kern="1200">
+        <a:solidFill>
+          <a:schemeClr val="tx1"/>
+        </a:solidFill>
+        <a:latin typeface="+mn-lt"/>
+        <a:ea typeface="+mn-ea"/>
+        <a:cs typeface="+mn-cs"/>
+      </a:defRPr>
+    </a:lvl4pPr>
+    <a:lvl5pPr marL="1828800" algn="l" defTabSz="914400" rtl="0" eaLnBrk="1" latinLnBrk="0" hangingPunct="1">
+      <a:defRPr sz="1200" kern="1200">
+        <a:solidFill>
+          <a:schemeClr val="tx1"/>
+        </a:solidFill>
+        <a:latin typeface="+mn-lt"/>
+        <a:ea typeface="+mn-ea"/>
+        <a:cs typeface="+mn-cs"/>
+      </a:defRPr>
+    </a:lvl5pPr>
+    <a:lvl6pPr marL="2286000" algn="l" defTabSz="914400" rtl="0" eaLnBrk="1" latinLnBrk="0" hangingPunct="1">
+      <a:defRPr sz="1200" kern="1200">
+        <a:solidFill>
+          <a:schemeClr val="tx1"/>
+        </a:solidFill>
+        <a:latin typeface="+mn-lt"/>
+        <a:ea typeface="+mn-ea"/>
+        <a:cs typeface="+mn-cs"/>
+      </a:defRPr>
+    </a:lvl6pPr>
+    <a:lvl7pPr marL="2743200" algn="l" defTabSz="914400" rtl="0" eaLnBrk="1" latinLnBrk="0" hangingPunct="1">
+      <a:defRPr sz="1200" kern="1200">
+        <a:solidFill>
+          <a:schemeClr val="tx1"/>
+        </a:solidFill>
+        <a:latin typeface="+mn-lt"/>
+        <a:ea typeface="+mn-ea"/>
+        <a:cs typeface="+mn-cs"/>
+      </a:defRPr>
+    </a:lvl7pPr>
+    <a:lvl8pPr marL="3200400" algn="l" defTabSz="914400" rtl="0" eaLnBrk="1" latinLnBrk="0" hangingPunct="1">
+      <a:defRPr sz="1200" kern="1200">
+        <a:solidFill>
+          <a:schemeClr val="tx1"/>
+        </a:solidFill>
+        <a:latin typeface="+mn-lt"/>
+        <a:ea typeface="+mn-ea"/>
+        <a:cs typeface="+mn-cs"/>
+      </a:defRPr>
+    </a:lvl8pPr>
+    <a:lvl9pPr marL="3657600" algn="l" defTabSz="914400" rtl="0" eaLnBrk="1" latinLnBrk="0" hangingPunct="1">
+      <a:defRPr sz="1200" kern="1200">
+        <a:solidFill>
+          <a:schemeClr val="tx1"/>
+        </a:solidFill>
+        <a:latin typeface="+mn-lt"/>
+        <a:ea typeface="+mn-ea"/>
+        <a:cs typeface="+mn-cs"/>
+      </a:defRPr>
+    </a:lvl9pPr>
+  </p:notesStyle>
+</p:notesMaster>
+</file>
+
+<file path=ppt/notesSlides/notesSlide1.xml><?xml version="1.0" encoding="utf-8"?>
+<p:notes xmlns:a="http://schemas.openxmlformats.org/drawingml/2006/main" xmlns:r="http://schemas.openxmlformats.org/officeDocument/2006/relationships" xmlns:p="http://schemas.openxmlformats.org/presentationml/2006/main">
+  <p:cSld>
+    <p:spTree>
+      <p:nvGrpSpPr>
+        <p:cNvPr id="1" name=""/>
+        <p:cNvGrpSpPr/>
+        <p:nvPr/>
+      </p:nvGrpSpPr>
+      <p:grpSpPr>
+        <a:xfrm>
+          <a:off x="0" y="0"/>
+          <a:ext cx="0" cy="0"/>
+          <a:chOff x="0" y="0"/>
+          <a:chExt cx="0" cy="0"/>
+        </a:xfrm>
+      </p:grpSpPr>
+      <p:sp>
+        <p:nvSpPr>
+          <p:cNvPr id="2" name="Espace réservé de l'image des diapositives 1"/>
+          <p:cNvSpPr>
+            <a:spLocks noGrp="1" noRot="1" noChangeAspect="1"/>
+          </p:cNvSpPr>
+          <p:nvPr>
+            <p:ph type="sldImg"/>
+          </p:nvPr>
+        </p:nvSpPr>
+        <p:spPr/>
+      </p:sp>
+      <p:sp>
+        <p:nvSpPr>
+          <p:cNvPr id="3" name="Espace réservé des notes 2"/>
+          <p:cNvSpPr>
+            <a:spLocks noGrp="1"/>
+          </p:cNvSpPr>
+          <p:nvPr>
+            <p:ph type="body" idx="1"/>
+          </p:nvPr>
+        </p:nvSpPr>
+        <p:spPr/>
+        <p:txBody>
+          <a:bodyPr/>
+          <a:lstStyle/>
+          <a:p>
+            <a:r>
+              <a:rPr lang="fr-FR" dirty="0" err="1"/>
+              <a:t>What</a:t>
+            </a:r>
+            <a:r>
+              <a:rPr lang="fr-FR" dirty="0"/>
+              <a:t> </a:t>
+            </a:r>
+            <a:r>
+              <a:rPr lang="fr-FR" dirty="0" err="1"/>
+              <a:t>is</a:t>
+            </a:r>
+            <a:r>
+              <a:rPr lang="fr-FR" dirty="0"/>
+              <a:t> AI</a:t>
+            </a:r>
+          </a:p>
+        </p:txBody>
+      </p:sp>
+      <p:sp>
+        <p:nvSpPr>
+          <p:cNvPr id="4" name="Espace réservé du numéro de diapositive 3"/>
+          <p:cNvSpPr>
+            <a:spLocks noGrp="1"/>
+          </p:cNvSpPr>
+          <p:nvPr>
+            <p:ph type="sldNum" sz="quarter" idx="5"/>
+          </p:nvPr>
+        </p:nvSpPr>
+        <p:spPr/>
+        <p:txBody>
+          <a:bodyPr/>
+          <a:lstStyle/>
+          <a:p>
+            <a:fld id="{1A33DB5D-EAB6-444E-AD22-FC4D6BC4A919}" type="slidenum">
+              <a:rPr lang="fr-FR" smtClean="0"/>
+              <a:t>3</a:t>
+            </a:fld>
+            <a:endParaRPr lang="fr-FR"/>
+          </a:p>
+        </p:txBody>
+      </p:sp>
+    </p:spTree>
+    <p:extLst>
+      <p:ext uri="{BB962C8B-B14F-4D97-AF65-F5344CB8AC3E}">
+        <p14:creationId xmlns:p14="http://schemas.microsoft.com/office/powerpoint/2010/main" val="3684215486"/>
+      </p:ext>
+    </p:extLst>
+  </p:cSld>
+  <p:clrMapOvr>
+    <a:masterClrMapping/>
+  </p:clrMapOvr>
+</p:notes>
+</file>
+
+<file path=ppt/notesSlides/notesSlide2.xml><?xml version="1.0" encoding="utf-8"?>
+<p:notes xmlns:a="http://schemas.openxmlformats.org/drawingml/2006/main" xmlns:r="http://schemas.openxmlformats.org/officeDocument/2006/relationships" xmlns:p="http://schemas.openxmlformats.org/presentationml/2006/main">
+  <p:cSld>
+    <p:spTree>
+      <p:nvGrpSpPr>
+        <p:cNvPr id="1" name=""/>
+        <p:cNvGrpSpPr/>
+        <p:nvPr/>
+      </p:nvGrpSpPr>
+      <p:grpSpPr>
+        <a:xfrm>
+          <a:off x="0" y="0"/>
+          <a:ext cx="0" cy="0"/>
+          <a:chOff x="0" y="0"/>
+          <a:chExt cx="0" cy="0"/>
+        </a:xfrm>
+      </p:grpSpPr>
+      <p:sp>
+        <p:nvSpPr>
+          <p:cNvPr id="2" name="Espace réservé de l'image des diapositives 1"/>
+          <p:cNvSpPr>
+            <a:spLocks noGrp="1" noRot="1" noChangeAspect="1"/>
+          </p:cNvSpPr>
+          <p:nvPr>
+            <p:ph type="sldImg"/>
+          </p:nvPr>
+        </p:nvSpPr>
+        <p:spPr/>
+      </p:sp>
+      <p:sp>
+        <p:nvSpPr>
+          <p:cNvPr id="3" name="Espace réservé des notes 2"/>
+          <p:cNvSpPr>
+            <a:spLocks noGrp="1"/>
+          </p:cNvSpPr>
+          <p:nvPr>
+            <p:ph type="body" idx="1"/>
+          </p:nvPr>
+        </p:nvSpPr>
+        <p:spPr/>
+        <p:txBody>
+          <a:bodyPr/>
+          <a:lstStyle/>
+          <a:p>
+            <a:r>
+              <a:rPr lang="fr-FR" dirty="0" err="1"/>
+              <a:t>what</a:t>
+            </a:r>
+            <a:r>
+              <a:rPr lang="fr-FR" dirty="0"/>
+              <a:t> </a:t>
+            </a:r>
+            <a:r>
+              <a:rPr lang="fr-FR" dirty="0" err="1"/>
+              <a:t>processes</a:t>
+            </a:r>
+            <a:r>
+              <a:rPr lang="fr-FR" dirty="0"/>
+              <a:t>/areas </a:t>
+            </a:r>
+            <a:r>
+              <a:rPr lang="fr-FR" dirty="0" err="1"/>
+              <a:t>involved</a:t>
+            </a:r>
+            <a:endParaRPr lang="fr-FR" dirty="0"/>
+          </a:p>
+        </p:txBody>
+      </p:sp>
+      <p:sp>
+        <p:nvSpPr>
+          <p:cNvPr id="4" name="Espace réservé du numéro de diapositive 3"/>
+          <p:cNvSpPr>
+            <a:spLocks noGrp="1"/>
+          </p:cNvSpPr>
+          <p:nvPr>
+            <p:ph type="sldNum" sz="quarter" idx="5"/>
+          </p:nvPr>
+        </p:nvSpPr>
+        <p:spPr/>
+        <p:txBody>
+          <a:bodyPr/>
+          <a:lstStyle/>
+          <a:p>
+            <a:fld id="{1A33DB5D-EAB6-444E-AD22-FC4D6BC4A919}" type="slidenum">
+              <a:rPr lang="fr-FR" smtClean="0"/>
+              <a:t>4</a:t>
+            </a:fld>
+            <a:endParaRPr lang="fr-FR"/>
+          </a:p>
+        </p:txBody>
+      </p:sp>
+    </p:spTree>
+    <p:extLst>
+      <p:ext uri="{BB962C8B-B14F-4D97-AF65-F5344CB8AC3E}">
+        <p14:creationId xmlns:p14="http://schemas.microsoft.com/office/powerpoint/2010/main" val="1964365872"/>
+      </p:ext>
+    </p:extLst>
+  </p:cSld>
+  <p:clrMapOvr>
+    <a:masterClrMapping/>
+  </p:clrMapOvr>
+</p:notes>
+</file>
+
+<file path=ppt/notesSlides/notesSlide3.xml><?xml version="1.0" encoding="utf-8"?>
+<p:notes xmlns:a="http://schemas.openxmlformats.org/drawingml/2006/main" xmlns:r="http://schemas.openxmlformats.org/officeDocument/2006/relationships" xmlns:p="http://schemas.openxmlformats.org/presentationml/2006/main">
+  <p:cSld>
+    <p:spTree>
+      <p:nvGrpSpPr>
+        <p:cNvPr id="1" name=""/>
+        <p:cNvGrpSpPr/>
+        <p:nvPr/>
+      </p:nvGrpSpPr>
+      <p:grpSpPr>
+        <a:xfrm>
+          <a:off x="0" y="0"/>
+          <a:ext cx="0" cy="0"/>
+          <a:chOff x="0" y="0"/>
+          <a:chExt cx="0" cy="0"/>
+        </a:xfrm>
+      </p:grpSpPr>
+      <p:sp>
+        <p:nvSpPr>
+          <p:cNvPr id="2" name="Espace réservé de l'image des diapositives 1"/>
+          <p:cNvSpPr>
+            <a:spLocks noGrp="1" noRot="1" noChangeAspect="1"/>
+          </p:cNvSpPr>
+          <p:nvPr>
+            <p:ph type="sldImg"/>
+          </p:nvPr>
+        </p:nvSpPr>
+        <p:spPr/>
+      </p:sp>
+      <p:sp>
+        <p:nvSpPr>
+          <p:cNvPr id="3" name="Espace réservé des notes 2"/>
+          <p:cNvSpPr>
+            <a:spLocks noGrp="1"/>
+          </p:cNvSpPr>
+          <p:nvPr>
+            <p:ph type="body" idx="1"/>
+          </p:nvPr>
+        </p:nvSpPr>
+        <p:spPr/>
+        <p:txBody>
+          <a:bodyPr/>
+          <a:lstStyle/>
+          <a:p>
+            <a:r>
+              <a:rPr lang="fr-FR" dirty="0"/>
+              <a:t>Example of </a:t>
+            </a:r>
+            <a:r>
+              <a:rPr lang="fr-FR" dirty="0" err="1"/>
+              <a:t>xp</a:t>
+            </a:r>
+            <a:r>
+              <a:rPr lang="fr-FR" dirty="0"/>
+              <a:t> </a:t>
+            </a:r>
+            <a:r>
+              <a:rPr lang="fr-FR" dirty="0" err="1"/>
+              <a:t>based</a:t>
+            </a:r>
+            <a:r>
+              <a:rPr lang="fr-FR" dirty="0"/>
+              <a:t> on </a:t>
+            </a:r>
+            <a:r>
+              <a:rPr lang="fr-FR" dirty="0" err="1"/>
+              <a:t>this</a:t>
+            </a:r>
+            <a:endParaRPr lang="fr-FR" dirty="0"/>
+          </a:p>
+        </p:txBody>
+      </p:sp>
+      <p:sp>
+        <p:nvSpPr>
+          <p:cNvPr id="4" name="Espace réservé du numéro de diapositive 3"/>
+          <p:cNvSpPr>
+            <a:spLocks noGrp="1"/>
+          </p:cNvSpPr>
+          <p:nvPr>
+            <p:ph type="sldNum" sz="quarter" idx="5"/>
+          </p:nvPr>
+        </p:nvSpPr>
+        <p:spPr/>
+        <p:txBody>
+          <a:bodyPr/>
+          <a:lstStyle/>
+          <a:p>
+            <a:fld id="{1A33DB5D-EAB6-444E-AD22-FC4D6BC4A919}" type="slidenum">
+              <a:rPr lang="fr-FR" smtClean="0"/>
+              <a:t>5</a:t>
+            </a:fld>
+            <a:endParaRPr lang="fr-FR"/>
+          </a:p>
+        </p:txBody>
+      </p:sp>
+    </p:spTree>
+    <p:extLst>
+      <p:ext uri="{BB962C8B-B14F-4D97-AF65-F5344CB8AC3E}">
+        <p14:creationId xmlns:p14="http://schemas.microsoft.com/office/powerpoint/2010/main" val="3422595278"/>
+      </p:ext>
+    </p:extLst>
+  </p:cSld>
+  <p:clrMapOvr>
+    <a:masterClrMapping/>
+  </p:clrMapOvr>
+</p:notes>
+</file>
+
 <file path=ppt/slideLayouts/slideLayout1.xml><?xml version="1.0" encoding="utf-8"?>
 <p:sldLayout xmlns:a="http://schemas.openxmlformats.org/drawingml/2006/main" xmlns:r="http://schemas.openxmlformats.org/officeDocument/2006/relationships" xmlns:p="http://schemas.openxmlformats.org/presentationml/2006/main" type="title" preserve="1">
   <p:cSld name="Title Slide">
@@ -7480,7 +8144,7 @@
             <a:fld id="{73C3BD54-29B9-3D42-B178-776ED395AA85}" type="datetimeFigureOut">
               <a:rPr lang="en-US" smtClean="0"/>
               <a:pPr/>
-              <a:t>1/6/2022</a:t>
+              <a:t>1/7/2022</a:t>
             </a:fld>
             <a:endParaRPr lang="en-US" sz="1400"/>
           </a:p>
@@ -7730,7 +8394,7 @@
           <a:p>
             <a:fld id="{73C3BD54-29B9-3D42-B178-776ED395AA85}" type="datetimeFigureOut">
               <a:rPr lang="en-US" smtClean="0"/>
-              <a:t>1/6/2022</a:t>
+              <a:t>1/7/2022</a:t>
             </a:fld>
             <a:endParaRPr lang="en-US"/>
           </a:p>
@@ -8044,7 +8708,7 @@
           <a:p>
             <a:fld id="{73C3BD54-29B9-3D42-B178-776ED395AA85}" type="datetimeFigureOut">
               <a:rPr lang="en-US" smtClean="0"/>
-              <a:t>1/6/2022</a:t>
+              <a:t>1/7/2022</a:t>
             </a:fld>
             <a:endParaRPr lang="en-US"/>
           </a:p>
@@ -8558,7 +9222,7 @@
           <a:p>
             <a:fld id="{73C3BD54-29B9-3D42-B178-776ED395AA85}" type="datetimeFigureOut">
               <a:rPr lang="en-US" smtClean="0"/>
-              <a:t>1/6/2022</a:t>
+              <a:t>1/7/2022</a:t>
             </a:fld>
             <a:endParaRPr lang="en-US"/>
           </a:p>
@@ -8989,7 +9653,7 @@
           <a:p>
             <a:fld id="{73C3BD54-29B9-3D42-B178-776ED395AA85}" type="datetimeFigureOut">
               <a:rPr lang="en-US" smtClean="0"/>
-              <a:t>1/6/2022</a:t>
+              <a:t>1/7/2022</a:t>
             </a:fld>
             <a:endParaRPr lang="en-US"/>
           </a:p>
@@ -9254,7 +9918,7 @@
           <a:p>
             <a:fld id="{73C3BD54-29B9-3D42-B178-776ED395AA85}" type="datetimeFigureOut">
               <a:rPr lang="en-US" smtClean="0"/>
-              <a:t>1/6/2022</a:t>
+              <a:t>1/7/2022</a:t>
             </a:fld>
             <a:endParaRPr lang="en-US"/>
           </a:p>
@@ -9828,7 +10492,7 @@
           <a:p>
             <a:fld id="{73C3BD54-29B9-3D42-B178-776ED395AA85}" type="datetimeFigureOut">
               <a:rPr lang="en-US" smtClean="0"/>
-              <a:t>1/6/2022</a:t>
+              <a:t>1/7/2022</a:t>
             </a:fld>
             <a:endParaRPr lang="en-US"/>
           </a:p>
@@ -10131,7 +10795,7 @@
           <a:p>
             <a:fld id="{73C3BD54-29B9-3D42-B178-776ED395AA85}" type="datetimeFigureOut">
               <a:rPr lang="en-US" smtClean="0"/>
-              <a:t>1/6/2022</a:t>
+              <a:t>1/7/2022</a:t>
             </a:fld>
             <a:endParaRPr lang="en-US"/>
           </a:p>
@@ -10406,7 +11070,7 @@
           <a:p>
             <a:fld id="{73C3BD54-29B9-3D42-B178-776ED395AA85}" type="datetimeFigureOut">
               <a:rPr lang="en-US" smtClean="0"/>
-              <a:t>1/6/2022</a:t>
+              <a:t>1/7/2022</a:t>
             </a:fld>
             <a:endParaRPr lang="en-US"/>
           </a:p>
@@ -10877,7 +11541,7 @@
           <a:p>
             <a:fld id="{73C3BD54-29B9-3D42-B178-776ED395AA85}" type="datetimeFigureOut">
               <a:rPr lang="en-US" smtClean="0"/>
-              <a:t>1/6/2022</a:t>
+              <a:t>1/7/2022</a:t>
             </a:fld>
             <a:endParaRPr lang="en-US"/>
           </a:p>
@@ -11328,7 +11992,7 @@
           <a:p>
             <a:fld id="{73C3BD54-29B9-3D42-B178-776ED395AA85}" type="datetimeFigureOut">
               <a:rPr lang="en-US" smtClean="0"/>
-              <a:t>1/6/2022</a:t>
+              <a:t>1/7/2022</a:t>
             </a:fld>
             <a:endParaRPr lang="en-US"/>
           </a:p>
@@ -11724,7 +12388,7 @@
             <a:fld id="{73C3BD54-29B9-3D42-B178-776ED395AA85}" type="datetimeFigureOut">
               <a:rPr lang="en-US" smtClean="0"/>
               <a:pPr/>
-              <a:t>1/6/2022</a:t>
+              <a:t>1/7/2022</a:t>
             </a:fld>
             <a:endParaRPr lang="en-US" dirty="0"/>
           </a:p>
@@ -12631,12 +13295,772 @@
           <a:chExt cx="0" cy="0"/>
         </a:xfrm>
       </p:grpSpPr>
+      <p:pic>
+        <p:nvPicPr>
+          <p:cNvPr id="6" name="Image 5">
+            <a:extLst>
+              <a:ext uri="{FF2B5EF4-FFF2-40B4-BE49-F238E27FC236}">
+                <a16:creationId xmlns:a16="http://schemas.microsoft.com/office/drawing/2014/main" id="{976286B6-9704-435D-918A-9C4B54BCF413}"/>
+              </a:ext>
+            </a:extLst>
+          </p:cNvPr>
+          <p:cNvPicPr>
+            <a:picLocks noChangeAspect="1"/>
+          </p:cNvPicPr>
+          <p:nvPr/>
+        </p:nvPicPr>
+        <p:blipFill rotWithShape="1">
+          <a:blip r:embed="rId2"/>
+          <a:srcRect l="25658" t="8130" r="6486" b="72806"/>
+          <a:stretch/>
+        </p:blipFill>
+        <p:spPr>
+          <a:xfrm>
+            <a:off x="4422202" y="1653988"/>
+            <a:ext cx="7290184" cy="1770035"/>
+          </a:xfrm>
+          <a:prstGeom prst="rect">
+            <a:avLst/>
+          </a:prstGeom>
+        </p:spPr>
+      </p:pic>
       <p:sp>
         <p:nvSpPr>
-          <p:cNvPr id="2" name="Titre 1">
+          <p:cNvPr id="9" name="Rectangle 8">
             <a:extLst>
               <a:ext uri="{FF2B5EF4-FFF2-40B4-BE49-F238E27FC236}">
-                <a16:creationId xmlns:a16="http://schemas.microsoft.com/office/drawing/2014/main" id="{562327B4-72D4-4FE0-A265-0FCD3876B3E5}"/>
+                <a16:creationId xmlns:a16="http://schemas.microsoft.com/office/drawing/2014/main" id="{AA82BA66-F154-4D87-898E-0B57BF73B31E}"/>
+              </a:ext>
+            </a:extLst>
+          </p:cNvPr>
+          <p:cNvSpPr/>
+          <p:nvPr/>
+        </p:nvSpPr>
+        <p:spPr>
+          <a:xfrm>
+            <a:off x="7180014" y="4557994"/>
+            <a:ext cx="3172107" cy="278786"/>
+          </a:xfrm>
+          <a:prstGeom prst="rect">
+            <a:avLst/>
+          </a:prstGeom>
+          <a:solidFill>
+            <a:schemeClr val="bg1"/>
+          </a:solidFill>
+          <a:ln>
+            <a:solidFill>
+              <a:schemeClr val="bg1"/>
+            </a:solidFill>
+          </a:ln>
+        </p:spPr>
+        <p:style>
+          <a:lnRef idx="2">
+            <a:schemeClr val="accent1">
+              <a:shade val="50000"/>
+            </a:schemeClr>
+          </a:lnRef>
+          <a:fillRef idx="1">
+            <a:schemeClr val="accent1"/>
+          </a:fillRef>
+          <a:effectRef idx="0">
+            <a:schemeClr val="accent1"/>
+          </a:effectRef>
+          <a:fontRef idx="minor">
+            <a:schemeClr val="lt1"/>
+          </a:fontRef>
+        </p:style>
+        <p:txBody>
+          <a:bodyPr rtlCol="0" anchor="ctr"/>
+          <a:lstStyle/>
+          <a:p>
+            <a:pPr algn="ctr"/>
+            <a:endParaRPr lang="fr-FR"/>
+          </a:p>
+        </p:txBody>
+      </p:sp>
+      <p:sp>
+        <p:nvSpPr>
+          <p:cNvPr id="10" name="Rectangle 9">
+            <a:extLst>
+              <a:ext uri="{FF2B5EF4-FFF2-40B4-BE49-F238E27FC236}">
+                <a16:creationId xmlns:a16="http://schemas.microsoft.com/office/drawing/2014/main" id="{A67F8941-04A6-4D24-984E-C182727EB4C1}"/>
+              </a:ext>
+            </a:extLst>
+          </p:cNvPr>
+          <p:cNvSpPr/>
+          <p:nvPr/>
+        </p:nvSpPr>
+        <p:spPr>
+          <a:xfrm>
+            <a:off x="7757152" y="6148908"/>
+            <a:ext cx="3172107" cy="278786"/>
+          </a:xfrm>
+          <a:prstGeom prst="rect">
+            <a:avLst/>
+          </a:prstGeom>
+          <a:solidFill>
+            <a:schemeClr val="bg1"/>
+          </a:solidFill>
+          <a:ln>
+            <a:solidFill>
+              <a:schemeClr val="bg1"/>
+            </a:solidFill>
+          </a:ln>
+        </p:spPr>
+        <p:style>
+          <a:lnRef idx="2">
+            <a:schemeClr val="accent1">
+              <a:shade val="50000"/>
+            </a:schemeClr>
+          </a:lnRef>
+          <a:fillRef idx="1">
+            <a:schemeClr val="accent1"/>
+          </a:fillRef>
+          <a:effectRef idx="0">
+            <a:schemeClr val="accent1"/>
+          </a:effectRef>
+          <a:fontRef idx="minor">
+            <a:schemeClr val="lt1"/>
+          </a:fontRef>
+        </p:style>
+        <p:txBody>
+          <a:bodyPr rtlCol="0" anchor="ctr"/>
+          <a:lstStyle/>
+          <a:p>
+            <a:pPr algn="ctr"/>
+            <a:endParaRPr lang="fr-FR"/>
+          </a:p>
+        </p:txBody>
+      </p:sp>
+      <p:pic>
+        <p:nvPicPr>
+          <p:cNvPr id="15" name="Espace réservé du contenu 5">
+            <a:extLst>
+              <a:ext uri="{FF2B5EF4-FFF2-40B4-BE49-F238E27FC236}">
+                <a16:creationId xmlns:a16="http://schemas.microsoft.com/office/drawing/2014/main" id="{32755F0F-1693-43B0-A1CE-44C700A2AF30}"/>
+              </a:ext>
+            </a:extLst>
+          </p:cNvPr>
+          <p:cNvPicPr>
+            <a:picLocks noChangeAspect="1"/>
+          </p:cNvPicPr>
+          <p:nvPr/>
+        </p:nvPicPr>
+        <p:blipFill>
+          <a:blip r:embed="rId3">
+            <a:extLst>
+              <a:ext uri="{28A0092B-C50C-407E-A947-70E740481C1C}">
+                <a14:useLocalDpi xmlns:a14="http://schemas.microsoft.com/office/drawing/2010/main" val="0"/>
+              </a:ext>
+            </a:extLst>
+          </a:blip>
+          <a:stretch>
+            <a:fillRect/>
+          </a:stretch>
+        </p:blipFill>
+        <p:spPr>
+          <a:xfrm>
+            <a:off x="8393308" y="1734775"/>
+            <a:ext cx="1153357" cy="1153357"/>
+          </a:xfrm>
+          <a:prstGeom prst="rect">
+            <a:avLst/>
+          </a:prstGeom>
+        </p:spPr>
+      </p:pic>
+      <p:pic>
+        <p:nvPicPr>
+          <p:cNvPr id="16" name="Espace réservé du contenu 7" descr="Une image contenant neige, extérieur, ciel, nature&#10;&#10;Description générée automatiquement">
+            <a:extLst>
+              <a:ext uri="{FF2B5EF4-FFF2-40B4-BE49-F238E27FC236}">
+                <a16:creationId xmlns:a16="http://schemas.microsoft.com/office/drawing/2014/main" id="{68F611C8-FDA9-4A43-A799-2DF9D7558A52}"/>
+              </a:ext>
+            </a:extLst>
+          </p:cNvPr>
+          <p:cNvPicPr>
+            <a:picLocks noGrp="1" noChangeAspect="1"/>
+          </p:cNvPicPr>
+          <p:nvPr>
+            <p:ph sz="half" idx="2"/>
+          </p:nvPr>
+        </p:nvPicPr>
+        <p:blipFill>
+          <a:blip r:embed="rId4">
+            <a:extLst>
+              <a:ext uri="{28A0092B-C50C-407E-A947-70E740481C1C}">
+                <a14:useLocalDpi xmlns:a14="http://schemas.microsoft.com/office/drawing/2010/main" val="0"/>
+              </a:ext>
+            </a:extLst>
+          </a:blip>
+          <a:stretch>
+            <a:fillRect/>
+          </a:stretch>
+        </p:blipFill>
+        <p:spPr>
+          <a:xfrm>
+            <a:off x="4775254" y="1734022"/>
+            <a:ext cx="1153357" cy="1153357"/>
+          </a:xfrm>
+        </p:spPr>
+      </p:pic>
+      <p:sp>
+        <p:nvSpPr>
+          <p:cNvPr id="17" name="Titre 1">
+            <a:extLst>
+              <a:ext uri="{FF2B5EF4-FFF2-40B4-BE49-F238E27FC236}">
+                <a16:creationId xmlns:a16="http://schemas.microsoft.com/office/drawing/2014/main" id="{2CCE35E2-D4E1-49EF-9FEA-8F1EC40B37FD}"/>
+              </a:ext>
+            </a:extLst>
+          </p:cNvPr>
+          <p:cNvSpPr txBox="1">
+            <a:spLocks/>
+          </p:cNvSpPr>
+          <p:nvPr/>
+        </p:nvSpPr>
+        <p:spPr>
+          <a:xfrm>
+            <a:off x="565149" y="393479"/>
+            <a:ext cx="11626851" cy="827987"/>
+          </a:xfrm>
+          <a:prstGeom prst="rect">
+            <a:avLst/>
+          </a:prstGeom>
+          <a:solidFill>
+            <a:schemeClr val="bg2"/>
+          </a:solidFill>
+        </p:spPr>
+        <p:txBody>
+          <a:bodyPr vert="horz" lIns="91440" tIns="45720" rIns="91440" bIns="45720" rtlCol="0" anchor="t">
+            <a:normAutofit/>
+          </a:bodyPr>
+          <a:lstStyle>
+            <a:lvl1pPr algn="l" defTabSz="914400" rtl="0" eaLnBrk="1" latinLnBrk="0" hangingPunct="1">
+              <a:lnSpc>
+                <a:spcPct val="100000"/>
+              </a:lnSpc>
+              <a:spcBef>
+                <a:spcPct val="0"/>
+              </a:spcBef>
+              <a:buNone/>
+              <a:defRPr sz="4400" kern="1200">
+                <a:solidFill>
+                  <a:schemeClr val="tx1"/>
+                </a:solidFill>
+                <a:latin typeface="+mj-lt"/>
+                <a:ea typeface="+mj-ea"/>
+                <a:cs typeface="+mj-cs"/>
+              </a:defRPr>
+            </a:lvl1pPr>
+          </a:lstStyle>
+          <a:p>
+            <a:r>
+              <a:rPr lang="fr-FR" sz="4800" dirty="0">
+                <a:solidFill>
+                  <a:schemeClr val="bg2">
+                    <a:lumMod val="90000"/>
+                  </a:schemeClr>
+                </a:solidFill>
+              </a:rPr>
+              <a:t>2. </a:t>
+            </a:r>
+            <a:r>
+              <a:rPr lang="fr-FR" sz="4800" dirty="0" err="1">
+                <a:solidFill>
+                  <a:schemeClr val="bg2">
+                    <a:lumMod val="90000"/>
+                  </a:schemeClr>
+                </a:solidFill>
+              </a:rPr>
+              <a:t>Experiment</a:t>
+            </a:r>
+            <a:r>
+              <a:rPr lang="fr-FR" dirty="0">
+                <a:solidFill>
+                  <a:schemeClr val="bg2">
+                    <a:lumMod val="90000"/>
+                  </a:schemeClr>
+                </a:solidFill>
+              </a:rPr>
+              <a:t> </a:t>
+            </a:r>
+          </a:p>
+        </p:txBody>
+      </p:sp>
+      <p:pic>
+        <p:nvPicPr>
+          <p:cNvPr id="13" name="Image 12">
+            <a:extLst>
+              <a:ext uri="{FF2B5EF4-FFF2-40B4-BE49-F238E27FC236}">
+                <a16:creationId xmlns:a16="http://schemas.microsoft.com/office/drawing/2014/main" id="{32DCABFF-0459-453A-94EC-FCC32D049058}"/>
+              </a:ext>
+            </a:extLst>
+          </p:cNvPr>
+          <p:cNvPicPr>
+            <a:picLocks noChangeAspect="1"/>
+          </p:cNvPicPr>
+          <p:nvPr/>
+        </p:nvPicPr>
+        <p:blipFill rotWithShape="1">
+          <a:blip r:embed="rId2"/>
+          <a:srcRect l="25977" t="56355" r="22688" b="25281"/>
+          <a:stretch/>
+        </p:blipFill>
+        <p:spPr>
+          <a:xfrm>
+            <a:off x="4422200" y="5085659"/>
+            <a:ext cx="5515176" cy="1705106"/>
+          </a:xfrm>
+          <a:prstGeom prst="rect">
+            <a:avLst/>
+          </a:prstGeom>
+        </p:spPr>
+      </p:pic>
+      <p:pic>
+        <p:nvPicPr>
+          <p:cNvPr id="19" name="Espace réservé du contenu 7" descr="Une image contenant neige, extérieur, ciel, nature&#10;&#10;Description générée automatiquement">
+            <a:extLst>
+              <a:ext uri="{FF2B5EF4-FFF2-40B4-BE49-F238E27FC236}">
+                <a16:creationId xmlns:a16="http://schemas.microsoft.com/office/drawing/2014/main" id="{EEDD2214-FB1C-41AB-8ABC-D4545089EB52}"/>
+              </a:ext>
+            </a:extLst>
+          </p:cNvPr>
+          <p:cNvPicPr>
+            <a:picLocks noChangeAspect="1"/>
+          </p:cNvPicPr>
+          <p:nvPr/>
+        </p:nvPicPr>
+        <p:blipFill>
+          <a:blip r:embed="rId4">
+            <a:extLst>
+              <a:ext uri="{28A0092B-C50C-407E-A947-70E740481C1C}">
+                <a14:useLocalDpi xmlns:a14="http://schemas.microsoft.com/office/drawing/2010/main" val="0"/>
+              </a:ext>
+            </a:extLst>
+          </a:blip>
+          <a:stretch>
+            <a:fillRect/>
+          </a:stretch>
+        </p:blipFill>
+        <p:spPr>
+          <a:xfrm>
+            <a:off x="4796527" y="5242215"/>
+            <a:ext cx="1057301" cy="1057301"/>
+          </a:xfrm>
+          <a:prstGeom prst="rect">
+            <a:avLst/>
+          </a:prstGeom>
+        </p:spPr>
+      </p:pic>
+      <p:sp>
+        <p:nvSpPr>
+          <p:cNvPr id="20" name="Rectangle 19">
+            <a:extLst>
+              <a:ext uri="{FF2B5EF4-FFF2-40B4-BE49-F238E27FC236}">
+                <a16:creationId xmlns:a16="http://schemas.microsoft.com/office/drawing/2014/main" id="{26907984-5CC5-495C-BE47-086FDBE1AE6E}"/>
+              </a:ext>
+            </a:extLst>
+          </p:cNvPr>
+          <p:cNvSpPr/>
+          <p:nvPr/>
+        </p:nvSpPr>
+        <p:spPr>
+          <a:xfrm>
+            <a:off x="7107652" y="2943704"/>
+            <a:ext cx="674854" cy="243377"/>
+          </a:xfrm>
+          <a:prstGeom prst="rect">
+            <a:avLst/>
+          </a:prstGeom>
+          <a:solidFill>
+            <a:schemeClr val="bg1"/>
+          </a:solidFill>
+          <a:ln>
+            <a:solidFill>
+              <a:schemeClr val="bg1"/>
+            </a:solidFill>
+          </a:ln>
+        </p:spPr>
+        <p:style>
+          <a:lnRef idx="2">
+            <a:schemeClr val="accent1">
+              <a:shade val="50000"/>
+            </a:schemeClr>
+          </a:lnRef>
+          <a:fillRef idx="1">
+            <a:schemeClr val="accent1"/>
+          </a:fillRef>
+          <a:effectRef idx="0">
+            <a:schemeClr val="accent1"/>
+          </a:effectRef>
+          <a:fontRef idx="minor">
+            <a:schemeClr val="lt1"/>
+          </a:fontRef>
+        </p:style>
+        <p:txBody>
+          <a:bodyPr rtlCol="0" anchor="ctr"/>
+          <a:lstStyle/>
+          <a:p>
+            <a:pPr algn="ctr"/>
+            <a:endParaRPr lang="fr-FR"/>
+          </a:p>
+        </p:txBody>
+      </p:sp>
+      <p:pic>
+        <p:nvPicPr>
+          <p:cNvPr id="21" name="Image 20">
+            <a:extLst>
+              <a:ext uri="{FF2B5EF4-FFF2-40B4-BE49-F238E27FC236}">
+                <a16:creationId xmlns:a16="http://schemas.microsoft.com/office/drawing/2014/main" id="{DB74790F-60FD-4372-AB89-08C6934D43E7}"/>
+              </a:ext>
+            </a:extLst>
+          </p:cNvPr>
+          <p:cNvPicPr>
+            <a:picLocks noChangeAspect="1"/>
+          </p:cNvPicPr>
+          <p:nvPr/>
+        </p:nvPicPr>
+        <p:blipFill rotWithShape="1">
+          <a:blip r:embed="rId2"/>
+          <a:srcRect l="25658" t="8130" r="6486" b="72806"/>
+          <a:stretch/>
+        </p:blipFill>
+        <p:spPr>
+          <a:xfrm>
+            <a:off x="4422200" y="3385548"/>
+            <a:ext cx="7290184" cy="1770035"/>
+          </a:xfrm>
+          <a:prstGeom prst="rect">
+            <a:avLst/>
+          </a:prstGeom>
+        </p:spPr>
+      </p:pic>
+      <p:pic>
+        <p:nvPicPr>
+          <p:cNvPr id="18" name="Espace réservé du contenu 5">
+            <a:extLst>
+              <a:ext uri="{FF2B5EF4-FFF2-40B4-BE49-F238E27FC236}">
+                <a16:creationId xmlns:a16="http://schemas.microsoft.com/office/drawing/2014/main" id="{65CE61D0-1152-44D6-AD34-CE1B92FDCCF8}"/>
+              </a:ext>
+            </a:extLst>
+          </p:cNvPr>
+          <p:cNvPicPr>
+            <a:picLocks noChangeAspect="1"/>
+          </p:cNvPicPr>
+          <p:nvPr/>
+        </p:nvPicPr>
+        <p:blipFill>
+          <a:blip r:embed="rId3">
+            <a:extLst>
+              <a:ext uri="{28A0092B-C50C-407E-A947-70E740481C1C}">
+                <a14:useLocalDpi xmlns:a14="http://schemas.microsoft.com/office/drawing/2010/main" val="0"/>
+              </a:ext>
+            </a:extLst>
+          </a:blip>
+          <a:stretch>
+            <a:fillRect/>
+          </a:stretch>
+        </p:blipFill>
+        <p:spPr>
+          <a:xfrm>
+            <a:off x="4778564" y="3499384"/>
+            <a:ext cx="1075264" cy="1075264"/>
+          </a:xfrm>
+          <a:prstGeom prst="rect">
+            <a:avLst/>
+          </a:prstGeom>
+        </p:spPr>
+      </p:pic>
+      <p:pic>
+        <p:nvPicPr>
+          <p:cNvPr id="12" name="Image 11">
+            <a:extLst>
+              <a:ext uri="{FF2B5EF4-FFF2-40B4-BE49-F238E27FC236}">
+                <a16:creationId xmlns:a16="http://schemas.microsoft.com/office/drawing/2014/main" id="{203D4A66-4CB1-49A8-AC21-9B41CE03B9F9}"/>
+              </a:ext>
+            </a:extLst>
+          </p:cNvPr>
+          <p:cNvPicPr>
+            <a:picLocks noChangeAspect="1"/>
+          </p:cNvPicPr>
+          <p:nvPr/>
+        </p:nvPicPr>
+        <p:blipFill rotWithShape="1">
+          <a:blip r:embed="rId2"/>
+          <a:srcRect l="42570" t="45383" r="39157" b="50578"/>
+          <a:stretch/>
+        </p:blipFill>
+        <p:spPr>
+          <a:xfrm>
+            <a:off x="8014457" y="4676569"/>
+            <a:ext cx="1963271" cy="374839"/>
+          </a:xfrm>
+          <a:prstGeom prst="rect">
+            <a:avLst/>
+          </a:prstGeom>
+        </p:spPr>
+      </p:pic>
+      <p:pic>
+        <p:nvPicPr>
+          <p:cNvPr id="23" name="Image 22">
+            <a:extLst>
+              <a:ext uri="{FF2B5EF4-FFF2-40B4-BE49-F238E27FC236}">
+                <a16:creationId xmlns:a16="http://schemas.microsoft.com/office/drawing/2014/main" id="{21EB04EA-01E1-4381-AB7A-87756D135927}"/>
+              </a:ext>
+            </a:extLst>
+          </p:cNvPr>
+          <p:cNvPicPr>
+            <a:picLocks noChangeAspect="1"/>
+          </p:cNvPicPr>
+          <p:nvPr/>
+        </p:nvPicPr>
+        <p:blipFill rotWithShape="1">
+          <a:blip r:embed="rId2"/>
+          <a:srcRect l="25341" t="45521" r="60319" b="50362"/>
+          <a:stretch/>
+        </p:blipFill>
+        <p:spPr>
+          <a:xfrm>
+            <a:off x="4521068" y="4642220"/>
+            <a:ext cx="1540702" cy="382188"/>
+          </a:xfrm>
+          <a:prstGeom prst="rect">
+            <a:avLst/>
+          </a:prstGeom>
+        </p:spPr>
+      </p:pic>
+      <p:pic>
+        <p:nvPicPr>
+          <p:cNvPr id="24" name="Image 23" descr="Une image contenant pièce de monnaie&#10;&#10;Description générée automatiquement">
+            <a:extLst>
+              <a:ext uri="{FF2B5EF4-FFF2-40B4-BE49-F238E27FC236}">
+                <a16:creationId xmlns:a16="http://schemas.microsoft.com/office/drawing/2014/main" id="{9EDA45F4-D89D-45D6-9348-46B68CE1E99C}"/>
+              </a:ext>
+            </a:extLst>
+          </p:cNvPr>
+          <p:cNvPicPr>
+            <a:picLocks noChangeAspect="1"/>
+          </p:cNvPicPr>
+          <p:nvPr/>
+        </p:nvPicPr>
+        <p:blipFill>
+          <a:blip r:embed="rId5">
+            <a:extLst>
+              <a:ext uri="{28A0092B-C50C-407E-A947-70E740481C1C}">
+                <a14:useLocalDpi xmlns:a14="http://schemas.microsoft.com/office/drawing/2010/main" val="0"/>
+              </a:ext>
+            </a:extLst>
+          </a:blip>
+          <a:stretch>
+            <a:fillRect/>
+          </a:stretch>
+        </p:blipFill>
+        <p:spPr>
+          <a:xfrm>
+            <a:off x="8444059" y="3512831"/>
+            <a:ext cx="1075265" cy="1075265"/>
+          </a:xfrm>
+          <a:prstGeom prst="rect">
+            <a:avLst/>
+          </a:prstGeom>
+        </p:spPr>
+      </p:pic>
+      <p:pic>
+        <p:nvPicPr>
+          <p:cNvPr id="25" name="Image 24">
+            <a:extLst>
+              <a:ext uri="{FF2B5EF4-FFF2-40B4-BE49-F238E27FC236}">
+                <a16:creationId xmlns:a16="http://schemas.microsoft.com/office/drawing/2014/main" id="{BEB86812-D801-49D7-B88D-DB6C175A4F1C}"/>
+              </a:ext>
+            </a:extLst>
+          </p:cNvPr>
+          <p:cNvPicPr>
+            <a:picLocks noChangeAspect="1"/>
+          </p:cNvPicPr>
+          <p:nvPr/>
+        </p:nvPicPr>
+        <p:blipFill rotWithShape="1">
+          <a:blip r:embed="rId2"/>
+          <a:srcRect l="25341" t="45521" r="60319" b="50362"/>
+          <a:stretch/>
+        </p:blipFill>
+        <p:spPr>
+          <a:xfrm>
+            <a:off x="4503684" y="2951374"/>
+            <a:ext cx="1540702" cy="382188"/>
+          </a:xfrm>
+          <a:prstGeom prst="rect">
+            <a:avLst/>
+          </a:prstGeom>
+        </p:spPr>
+      </p:pic>
+      <p:pic>
+        <p:nvPicPr>
+          <p:cNvPr id="26" name="Image 25">
+            <a:extLst>
+              <a:ext uri="{FF2B5EF4-FFF2-40B4-BE49-F238E27FC236}">
+                <a16:creationId xmlns:a16="http://schemas.microsoft.com/office/drawing/2014/main" id="{E253EB10-5A25-4E33-BFDC-07F3EB97D9CD}"/>
+              </a:ext>
+            </a:extLst>
+          </p:cNvPr>
+          <p:cNvPicPr>
+            <a:picLocks noChangeAspect="1"/>
+          </p:cNvPicPr>
+          <p:nvPr/>
+        </p:nvPicPr>
+        <p:blipFill rotWithShape="1">
+          <a:blip r:embed="rId2"/>
+          <a:srcRect l="25341" t="45521" r="60319" b="50362"/>
+          <a:stretch/>
+        </p:blipFill>
+        <p:spPr>
+          <a:xfrm>
+            <a:off x="8108035" y="2938246"/>
+            <a:ext cx="1540702" cy="382188"/>
+          </a:xfrm>
+          <a:prstGeom prst="rect">
+            <a:avLst/>
+          </a:prstGeom>
+        </p:spPr>
+      </p:pic>
+      <p:sp>
+        <p:nvSpPr>
+          <p:cNvPr id="28" name="Espace réservé du contenu 27">
+            <a:extLst>
+              <a:ext uri="{FF2B5EF4-FFF2-40B4-BE49-F238E27FC236}">
+                <a16:creationId xmlns:a16="http://schemas.microsoft.com/office/drawing/2014/main" id="{7FD5BA5F-33FB-4660-B4DD-D883C6FB302C}"/>
+              </a:ext>
+            </a:extLst>
+          </p:cNvPr>
+          <p:cNvSpPr>
+            <a:spLocks noGrp="1"/>
+          </p:cNvSpPr>
+          <p:nvPr>
+            <p:ph sz="half" idx="1"/>
+          </p:nvPr>
+        </p:nvSpPr>
+        <p:spPr>
+          <a:xfrm>
+            <a:off x="2715047" y="2396142"/>
+            <a:ext cx="1760685" cy="4461858"/>
+          </a:xfrm>
+        </p:spPr>
+        <p:txBody>
+          <a:bodyPr>
+            <a:normAutofit/>
+          </a:bodyPr>
+          <a:lstStyle/>
+          <a:p>
+            <a:pPr marL="0" indent="0" algn="r">
+              <a:buNone/>
+            </a:pPr>
+            <a:r>
+              <a:rPr lang="fr-FR" b="1" dirty="0"/>
+              <a:t>Association </a:t>
+            </a:r>
+          </a:p>
+          <a:p>
+            <a:pPr algn="r"/>
+            <a:endParaRPr lang="fr-FR" b="1" dirty="0"/>
+          </a:p>
+          <a:p>
+            <a:pPr marL="0" indent="0" algn="r">
+              <a:buNone/>
+            </a:pPr>
+            <a:endParaRPr lang="fr-FR" sz="4400" b="1" dirty="0"/>
+          </a:p>
+          <a:p>
+            <a:pPr marL="0" indent="0" algn="r">
+              <a:buNone/>
+            </a:pPr>
+            <a:r>
+              <a:rPr lang="fr-FR" b="1" dirty="0" err="1"/>
+              <a:t>Reward</a:t>
+            </a:r>
+            <a:endParaRPr lang="fr-FR" b="1" dirty="0"/>
+          </a:p>
+          <a:p>
+            <a:pPr algn="r"/>
+            <a:endParaRPr lang="fr-FR" b="1" dirty="0"/>
+          </a:p>
+          <a:p>
+            <a:pPr algn="r"/>
+            <a:endParaRPr lang="fr-FR" sz="4000" b="1" dirty="0"/>
+          </a:p>
+          <a:p>
+            <a:pPr marL="0" indent="0" algn="r">
+              <a:buNone/>
+            </a:pPr>
+            <a:r>
+              <a:rPr lang="fr-FR" b="1" dirty="0" err="1"/>
+              <a:t>Decision</a:t>
+            </a:r>
+            <a:r>
+              <a:rPr lang="fr-FR" b="1" dirty="0"/>
+              <a:t> </a:t>
+            </a:r>
+          </a:p>
+        </p:txBody>
+      </p:sp>
+      <p:sp>
+        <p:nvSpPr>
+          <p:cNvPr id="29" name="Rectangle 28">
+            <a:extLst>
+              <a:ext uri="{FF2B5EF4-FFF2-40B4-BE49-F238E27FC236}">
+                <a16:creationId xmlns:a16="http://schemas.microsoft.com/office/drawing/2014/main" id="{0E51E5EB-0B26-405B-8FDB-EDAF44C86871}"/>
+              </a:ext>
+            </a:extLst>
+          </p:cNvPr>
+          <p:cNvSpPr/>
+          <p:nvPr/>
+        </p:nvSpPr>
+        <p:spPr>
+          <a:xfrm>
+            <a:off x="7107652" y="4653623"/>
+            <a:ext cx="674854" cy="310269"/>
+          </a:xfrm>
+          <a:prstGeom prst="rect">
+            <a:avLst/>
+          </a:prstGeom>
+          <a:solidFill>
+            <a:schemeClr val="bg1"/>
+          </a:solidFill>
+          <a:ln>
+            <a:solidFill>
+              <a:schemeClr val="bg1"/>
+            </a:solidFill>
+          </a:ln>
+        </p:spPr>
+        <p:style>
+          <a:lnRef idx="2">
+            <a:schemeClr val="accent1">
+              <a:shade val="50000"/>
+            </a:schemeClr>
+          </a:lnRef>
+          <a:fillRef idx="1">
+            <a:schemeClr val="accent1"/>
+          </a:fillRef>
+          <a:effectRef idx="0">
+            <a:schemeClr val="accent1"/>
+          </a:effectRef>
+          <a:fontRef idx="minor">
+            <a:schemeClr val="lt1"/>
+          </a:fontRef>
+        </p:style>
+        <p:txBody>
+          <a:bodyPr rtlCol="0" anchor="ctr"/>
+          <a:lstStyle/>
+          <a:p>
+            <a:pPr algn="ctr"/>
+            <a:endParaRPr lang="fr-FR"/>
+          </a:p>
+        </p:txBody>
+      </p:sp>
+      <p:sp>
+        <p:nvSpPr>
+          <p:cNvPr id="30" name="Titre 1">
+            <a:extLst>
+              <a:ext uri="{FF2B5EF4-FFF2-40B4-BE49-F238E27FC236}">
+                <a16:creationId xmlns:a16="http://schemas.microsoft.com/office/drawing/2014/main" id="{38BCCCBD-ED28-4795-BD51-25794A39C832}"/>
               </a:ext>
             </a:extLst>
           </p:cNvPr>
@@ -12649,107 +14073,415 @@
         </p:nvSpPr>
         <p:spPr>
           <a:xfrm>
-            <a:off x="565149" y="1204721"/>
-            <a:ext cx="8267296" cy="762975"/>
+            <a:off x="565150" y="1204913"/>
+            <a:ext cx="8267700" cy="758707"/>
           </a:xfrm>
         </p:spPr>
         <p:txBody>
-          <a:bodyPr/>
+          <a:bodyPr>
+            <a:normAutofit/>
+          </a:bodyPr>
           <a:lstStyle/>
           <a:p>
             <a:r>
-              <a:rPr lang="fr-FR" dirty="0" err="1"/>
-              <a:t>Summary</a:t>
-            </a:r>
-            <a:endParaRPr lang="fr-FR" dirty="0"/>
+              <a:rPr lang="fr-FR" sz="3600" dirty="0">
+                <a:solidFill>
+                  <a:schemeClr val="tx2">
+                    <a:lumMod val="75000"/>
+                    <a:lumOff val="25000"/>
+                  </a:schemeClr>
+                </a:solidFill>
+              </a:rPr>
+              <a:t>2.1 Design</a:t>
+            </a:r>
           </a:p>
         </p:txBody>
       </p:sp>
       <p:sp>
         <p:nvSpPr>
-          <p:cNvPr id="3" name="Espace réservé du contenu 2">
+          <p:cNvPr id="32" name="Espace réservé du contenu 2">
             <a:extLst>
               <a:ext uri="{FF2B5EF4-FFF2-40B4-BE49-F238E27FC236}">
-                <a16:creationId xmlns:a16="http://schemas.microsoft.com/office/drawing/2014/main" id="{D6B66FC4-8EFD-49B0-8256-47E40B37E770}"/>
+                <a16:creationId xmlns:a16="http://schemas.microsoft.com/office/drawing/2014/main" id="{143C07E0-BC57-4042-95B7-88575080E5C3}"/>
               </a:ext>
             </a:extLst>
           </p:cNvPr>
-          <p:cNvSpPr>
-            <a:spLocks noGrp="1"/>
+          <p:cNvSpPr txBox="1">
+            <a:spLocks/>
           </p:cNvSpPr>
-          <p:nvPr>
-            <p:ph sz="half" idx="1"/>
-          </p:nvPr>
+          <p:nvPr/>
         </p:nvSpPr>
-        <p:spPr/>
+        <p:spPr>
+          <a:xfrm>
+            <a:off x="540883" y="2707284"/>
+            <a:ext cx="2066781" cy="3189733"/>
+          </a:xfrm>
+          <a:prstGeom prst="rect">
+            <a:avLst/>
+          </a:prstGeom>
+        </p:spPr>
         <p:txBody>
-          <a:bodyPr/>
-          <a:lstStyle/>
-          <a:p>
-            <a:r>
-              <a:rPr lang="fr-FR" dirty="0"/>
-              <a:t>Association (</a:t>
-            </a:r>
+          <a:bodyPr vert="horz" lIns="91440" tIns="45720" rIns="91440" bIns="45720" rtlCol="0">
+            <a:normAutofit/>
+          </a:bodyPr>
+          <a:lstStyle>
+            <a:lvl1pPr marL="228600" indent="-228600" algn="l" defTabSz="914400" rtl="0" eaLnBrk="1" latinLnBrk="0" hangingPunct="1">
+              <a:lnSpc>
+                <a:spcPct val="100000"/>
+              </a:lnSpc>
+              <a:spcBef>
+                <a:spcPts val="1000"/>
+              </a:spcBef>
+              <a:buFont typeface="System Font Regular"/>
+              <a:buChar char="–"/>
+              <a:defRPr sz="2400" b="0" i="0" kern="1200">
+                <a:solidFill>
+                  <a:schemeClr val="tx1"/>
+                </a:solidFill>
+                <a:latin typeface="+mn-lt"/>
+                <a:ea typeface="+mn-ea"/>
+                <a:cs typeface="+mn-cs"/>
+              </a:defRPr>
+            </a:lvl1pPr>
+            <a:lvl2pPr marL="685800" indent="-228600" algn="l" defTabSz="914400" rtl="0" eaLnBrk="1" latinLnBrk="0" hangingPunct="1">
+              <a:lnSpc>
+                <a:spcPct val="100000"/>
+              </a:lnSpc>
+              <a:spcBef>
+                <a:spcPts val="500"/>
+              </a:spcBef>
+              <a:buFont typeface="System Font Regular"/>
+              <a:buChar char="–"/>
+              <a:defRPr sz="2000" b="0" i="0" kern="1200">
+                <a:solidFill>
+                  <a:schemeClr val="tx1"/>
+                </a:solidFill>
+                <a:latin typeface="+mn-lt"/>
+                <a:ea typeface="+mn-ea"/>
+                <a:cs typeface="+mn-cs"/>
+              </a:defRPr>
+            </a:lvl2pPr>
+            <a:lvl3pPr marL="1143000" indent="-228600" algn="l" defTabSz="914400" rtl="0" eaLnBrk="1" latinLnBrk="0" hangingPunct="1">
+              <a:lnSpc>
+                <a:spcPct val="100000"/>
+              </a:lnSpc>
+              <a:spcBef>
+                <a:spcPts val="500"/>
+              </a:spcBef>
+              <a:buFont typeface="System Font Regular"/>
+              <a:buChar char="–"/>
+              <a:defRPr sz="1800" b="0" i="0" kern="1200">
+                <a:solidFill>
+                  <a:schemeClr val="tx1"/>
+                </a:solidFill>
+                <a:latin typeface="+mn-lt"/>
+                <a:ea typeface="+mn-ea"/>
+                <a:cs typeface="+mn-cs"/>
+              </a:defRPr>
+            </a:lvl3pPr>
+            <a:lvl4pPr marL="1600200" indent="-228600" algn="l" defTabSz="914400" rtl="0" eaLnBrk="1" latinLnBrk="0" hangingPunct="1">
+              <a:lnSpc>
+                <a:spcPct val="100000"/>
+              </a:lnSpc>
+              <a:spcBef>
+                <a:spcPts val="500"/>
+              </a:spcBef>
+              <a:buFont typeface="System Font Regular"/>
+              <a:buChar char="–"/>
+              <a:defRPr sz="1600" b="0" i="0" kern="1200">
+                <a:solidFill>
+                  <a:schemeClr val="tx1"/>
+                </a:solidFill>
+                <a:latin typeface="+mn-lt"/>
+                <a:ea typeface="+mn-ea"/>
+                <a:cs typeface="+mn-cs"/>
+              </a:defRPr>
+            </a:lvl4pPr>
+            <a:lvl5pPr marL="2057400" indent="-228600" algn="l" defTabSz="914400" rtl="0" eaLnBrk="1" latinLnBrk="0" hangingPunct="1">
+              <a:lnSpc>
+                <a:spcPct val="100000"/>
+              </a:lnSpc>
+              <a:spcBef>
+                <a:spcPts val="500"/>
+              </a:spcBef>
+              <a:buFont typeface="System Font Regular"/>
+              <a:buChar char="–"/>
+              <a:defRPr sz="1600" b="0" i="0" kern="1200">
+                <a:solidFill>
+                  <a:schemeClr val="tx1"/>
+                </a:solidFill>
+                <a:latin typeface="+mn-lt"/>
+                <a:ea typeface="+mn-ea"/>
+                <a:cs typeface="+mn-cs"/>
+              </a:defRPr>
+            </a:lvl5pPr>
+            <a:lvl6pPr marL="2514600" indent="-228600" algn="l" defTabSz="914400" rtl="0" eaLnBrk="1" latinLnBrk="0" hangingPunct="1">
+              <a:lnSpc>
+                <a:spcPct val="90000"/>
+              </a:lnSpc>
+              <a:spcBef>
+                <a:spcPts val="500"/>
+              </a:spcBef>
+              <a:buFont typeface="Arial" panose="020B0604020202020204" pitchFamily="34" charset="0"/>
+              <a:buChar char="•"/>
+              <a:defRPr sz="1800" kern="1200">
+                <a:solidFill>
+                  <a:schemeClr val="tx1"/>
+                </a:solidFill>
+                <a:latin typeface="+mn-lt"/>
+                <a:ea typeface="+mn-ea"/>
+                <a:cs typeface="+mn-cs"/>
+              </a:defRPr>
+            </a:lvl6pPr>
+            <a:lvl7pPr marL="2971800" indent="-228600" algn="l" defTabSz="914400" rtl="0" eaLnBrk="1" latinLnBrk="0" hangingPunct="1">
+              <a:lnSpc>
+                <a:spcPct val="90000"/>
+              </a:lnSpc>
+              <a:spcBef>
+                <a:spcPts val="500"/>
+              </a:spcBef>
+              <a:buFont typeface="Arial" panose="020B0604020202020204" pitchFamily="34" charset="0"/>
+              <a:buChar char="•"/>
+              <a:defRPr sz="1800" kern="1200">
+                <a:solidFill>
+                  <a:schemeClr val="tx1"/>
+                </a:solidFill>
+                <a:latin typeface="+mn-lt"/>
+                <a:ea typeface="+mn-ea"/>
+                <a:cs typeface="+mn-cs"/>
+              </a:defRPr>
+            </a:lvl7pPr>
+            <a:lvl8pPr marL="3429000" indent="-228600" algn="l" defTabSz="914400" rtl="0" eaLnBrk="1" latinLnBrk="0" hangingPunct="1">
+              <a:lnSpc>
+                <a:spcPct val="90000"/>
+              </a:lnSpc>
+              <a:spcBef>
+                <a:spcPts val="500"/>
+              </a:spcBef>
+              <a:buFont typeface="Arial" panose="020B0604020202020204" pitchFamily="34" charset="0"/>
+              <a:buChar char="•"/>
+              <a:defRPr sz="1800" kern="1200">
+                <a:solidFill>
+                  <a:schemeClr val="tx1"/>
+                </a:solidFill>
+                <a:latin typeface="+mn-lt"/>
+                <a:ea typeface="+mn-ea"/>
+                <a:cs typeface="+mn-cs"/>
+              </a:defRPr>
+            </a:lvl8pPr>
+            <a:lvl9pPr marL="3886200" indent="-228600" algn="l" defTabSz="914400" rtl="0" eaLnBrk="1" latinLnBrk="0" hangingPunct="1">
+              <a:lnSpc>
+                <a:spcPct val="90000"/>
+              </a:lnSpc>
+              <a:spcBef>
+                <a:spcPts val="500"/>
+              </a:spcBef>
+              <a:buFont typeface="Arial" panose="020B0604020202020204" pitchFamily="34" charset="0"/>
+              <a:buChar char="•"/>
+              <a:defRPr sz="1800" kern="1200">
+                <a:solidFill>
+                  <a:schemeClr val="tx1"/>
+                </a:solidFill>
+                <a:latin typeface="+mn-lt"/>
+                <a:ea typeface="+mn-ea"/>
+                <a:cs typeface="+mn-cs"/>
+              </a:defRPr>
+            </a:lvl9pPr>
+          </a:lstStyle>
+          <a:p>
             <a:r>
               <a:rPr lang="fr-FR" dirty="0" err="1"/>
-              <a:t>preconditioning</a:t>
-            </a:r>
-            <a:r>
-              <a:rPr lang="fr-FR" dirty="0"/>
-              <a:t>)</a:t>
-            </a:r>
-          </a:p>
-          <a:p>
-            <a:pPr lvl="1"/>
-            <a:r>
-              <a:rPr lang="fr-FR" dirty="0"/>
-              <a:t>16 pairs, </a:t>
-            </a:r>
+              <a:t>Localizer</a:t>
+            </a:r>
+            <a:endParaRPr lang="fr-FR" dirty="0"/>
+          </a:p>
+          <a:p>
+            <a:endParaRPr lang="fr-FR" dirty="0"/>
+          </a:p>
+          <a:p>
             <a:r>
               <a:rPr lang="fr-FR" dirty="0" err="1"/>
-              <a:t>each</a:t>
+              <a:t>Distractor</a:t>
             </a:r>
             <a:r>
               <a:rPr lang="fr-FR" dirty="0"/>
               <a:t> </a:t>
             </a:r>
             <a:r>
-              <a:rPr lang="fr-FR" dirty="0" err="1"/>
-              <a:t>repeated</a:t>
-            </a:r>
+              <a:rPr lang="fr-FR" sz="1800" dirty="0"/>
+              <a:t>(</a:t>
+            </a:r>
+            <a:r>
+              <a:rPr lang="fr-FR" sz="1800" dirty="0" err="1"/>
+              <a:t>avoid</a:t>
+            </a:r>
+            <a:r>
+              <a:rPr lang="fr-FR" sz="1800" dirty="0"/>
+              <a:t> </a:t>
+            </a:r>
+            <a:r>
+              <a:rPr lang="fr-FR" sz="1800" dirty="0" err="1"/>
+              <a:t>recency</a:t>
+            </a:r>
+            <a:r>
+              <a:rPr lang="fr-FR" sz="1800" dirty="0"/>
+              <a:t> </a:t>
+            </a:r>
+            <a:r>
+              <a:rPr lang="fr-FR" sz="1800" dirty="0" err="1"/>
+              <a:t>effects</a:t>
+            </a:r>
+            <a:r>
+              <a:rPr lang="fr-FR" sz="1800" dirty="0"/>
+              <a:t>)</a:t>
+            </a:r>
+          </a:p>
+          <a:p>
+            <a:endParaRPr lang="fr-FR" dirty="0"/>
+          </a:p>
+          <a:p>
+            <a:r>
+              <a:rPr lang="fr-FR" dirty="0"/>
+              <a:t>Memory</a:t>
+            </a:r>
+          </a:p>
+          <a:p>
+            <a:endParaRPr lang="fr-FR" dirty="0"/>
+          </a:p>
+          <a:p>
             <a:endParaRPr lang="fr-FR" dirty="0"/>
           </a:p>
         </p:txBody>
       </p:sp>
-      <p:sp>
-        <p:nvSpPr>
-          <p:cNvPr id="4" name="Espace réservé du contenu 3">
+      <p:cxnSp>
+        <p:nvCxnSpPr>
+          <p:cNvPr id="34" name="Connecteur droit avec flèche 33">
             <a:extLst>
               <a:ext uri="{FF2B5EF4-FFF2-40B4-BE49-F238E27FC236}">
-                <a16:creationId xmlns:a16="http://schemas.microsoft.com/office/drawing/2014/main" id="{E1873115-3DA2-4AB7-8378-E026D68A2DD5}"/>
+                <a16:creationId xmlns:a16="http://schemas.microsoft.com/office/drawing/2014/main" id="{D14F94B0-9146-48DA-A9BA-F3CCB782FEC2}"/>
               </a:ext>
             </a:extLst>
           </p:cNvPr>
-          <p:cNvSpPr>
-            <a:spLocks noGrp="1"/>
-          </p:cNvSpPr>
-          <p:nvPr>
-            <p:ph sz="half" idx="2"/>
-          </p:nvPr>
-        </p:nvSpPr>
-        <p:spPr/>
-        <p:txBody>
-          <a:bodyPr/>
-          <a:lstStyle/>
-          <a:p>
-            <a:endParaRPr lang="fr-FR"/>
-          </a:p>
-        </p:txBody>
-      </p:sp>
+          <p:cNvCxnSpPr>
+            <a:cxnSpLocks/>
+            <a:stCxn id="32" idx="0"/>
+          </p:cNvCxnSpPr>
+          <p:nvPr/>
+        </p:nvCxnSpPr>
+        <p:spPr>
+          <a:xfrm flipV="1">
+            <a:off x="1574274" y="1382591"/>
+            <a:ext cx="2847926" cy="1324693"/>
+          </a:xfrm>
+          <a:prstGeom prst="straightConnector1">
+            <a:avLst/>
+          </a:prstGeom>
+          <a:ln w="57150">
+            <a:tailEnd type="triangle"/>
+          </a:ln>
+        </p:spPr>
+        <p:style>
+          <a:lnRef idx="1">
+            <a:schemeClr val="accent1"/>
+          </a:lnRef>
+          <a:fillRef idx="0">
+            <a:schemeClr val="accent1"/>
+          </a:fillRef>
+          <a:effectRef idx="0">
+            <a:schemeClr val="accent1"/>
+          </a:effectRef>
+          <a:fontRef idx="minor">
+            <a:schemeClr val="tx1"/>
+          </a:fontRef>
+        </p:style>
+      </p:cxnSp>
+      <p:cxnSp>
+        <p:nvCxnSpPr>
+          <p:cNvPr id="35" name="Connecteur droit avec flèche 34">
+            <a:extLst>
+              <a:ext uri="{FF2B5EF4-FFF2-40B4-BE49-F238E27FC236}">
+                <a16:creationId xmlns:a16="http://schemas.microsoft.com/office/drawing/2014/main" id="{BCB0C5F9-2E57-4537-BFBC-E478B9E62478}"/>
+              </a:ext>
+            </a:extLst>
+          </p:cNvPr>
+          <p:cNvCxnSpPr>
+            <a:cxnSpLocks/>
+          </p:cNvCxnSpPr>
+          <p:nvPr/>
+        </p:nvCxnSpPr>
+        <p:spPr>
+          <a:xfrm>
+            <a:off x="1654952" y="4486224"/>
+            <a:ext cx="2491723" cy="565184"/>
+          </a:xfrm>
+          <a:prstGeom prst="straightConnector1">
+            <a:avLst/>
+          </a:prstGeom>
+          <a:ln w="57150">
+            <a:tailEnd type="triangle"/>
+          </a:ln>
+        </p:spPr>
+        <p:style>
+          <a:lnRef idx="1">
+            <a:schemeClr val="accent1"/>
+          </a:lnRef>
+          <a:fillRef idx="0">
+            <a:schemeClr val="accent1"/>
+          </a:fillRef>
+          <a:effectRef idx="0">
+            <a:schemeClr val="accent1"/>
+          </a:effectRef>
+          <a:fontRef idx="minor">
+            <a:schemeClr val="tx1"/>
+          </a:fontRef>
+        </p:style>
+      </p:cxnSp>
+      <p:cxnSp>
+        <p:nvCxnSpPr>
+          <p:cNvPr id="38" name="Connecteur droit avec flèche 37">
+            <a:extLst>
+              <a:ext uri="{FF2B5EF4-FFF2-40B4-BE49-F238E27FC236}">
+                <a16:creationId xmlns:a16="http://schemas.microsoft.com/office/drawing/2014/main" id="{6B858130-94BE-4B48-A68F-5F6E5425BAE0}"/>
+              </a:ext>
+            </a:extLst>
+          </p:cNvPr>
+          <p:cNvCxnSpPr>
+            <a:cxnSpLocks/>
+            <a:stCxn id="32" idx="2"/>
+          </p:cNvCxnSpPr>
+          <p:nvPr/>
+        </p:nvCxnSpPr>
+        <p:spPr>
+          <a:xfrm>
+            <a:off x="1574274" y="5897017"/>
+            <a:ext cx="2394707" cy="743664"/>
+          </a:xfrm>
+          <a:prstGeom prst="straightConnector1">
+            <a:avLst/>
+          </a:prstGeom>
+          <a:ln w="57150">
+            <a:tailEnd type="triangle"/>
+          </a:ln>
+        </p:spPr>
+        <p:style>
+          <a:lnRef idx="1">
+            <a:schemeClr val="accent1"/>
+          </a:lnRef>
+          <a:fillRef idx="0">
+            <a:schemeClr val="accent1"/>
+          </a:fillRef>
+          <a:effectRef idx="0">
+            <a:schemeClr val="accent1"/>
+          </a:effectRef>
+          <a:fontRef idx="minor">
+            <a:schemeClr val="tx1"/>
+          </a:fontRef>
+        </p:style>
+      </p:cxnSp>
     </p:spTree>
     <p:extLst>
       <p:ext uri="{BB962C8B-B14F-4D97-AF65-F5344CB8AC3E}">
-        <p14:creationId xmlns:p14="http://schemas.microsoft.com/office/powerpoint/2010/main" val="2941726865"/>
+        <p14:creationId xmlns:p14="http://schemas.microsoft.com/office/powerpoint/2010/main" val="2463946576"/>
       </p:ext>
     </p:extLst>
   </p:cSld>
@@ -12781,6 +14513,151 @@
           <p:cNvPr id="2" name="Titre 1">
             <a:extLst>
               <a:ext uri="{FF2B5EF4-FFF2-40B4-BE49-F238E27FC236}">
+                <a16:creationId xmlns:a16="http://schemas.microsoft.com/office/drawing/2014/main" id="{562327B4-72D4-4FE0-A265-0FCD3876B3E5}"/>
+              </a:ext>
+            </a:extLst>
+          </p:cNvPr>
+          <p:cNvSpPr>
+            <a:spLocks noGrp="1"/>
+          </p:cNvSpPr>
+          <p:nvPr>
+            <p:ph type="title"/>
+          </p:nvPr>
+        </p:nvSpPr>
+        <p:spPr>
+          <a:xfrm>
+            <a:off x="565149" y="1204721"/>
+            <a:ext cx="8267296" cy="762975"/>
+          </a:xfrm>
+        </p:spPr>
+        <p:txBody>
+          <a:bodyPr/>
+          <a:lstStyle/>
+          <a:p>
+            <a:r>
+              <a:rPr lang="fr-FR" dirty="0" err="1"/>
+              <a:t>Summary</a:t>
+            </a:r>
+            <a:endParaRPr lang="fr-FR" dirty="0"/>
+          </a:p>
+        </p:txBody>
+      </p:sp>
+      <p:sp>
+        <p:nvSpPr>
+          <p:cNvPr id="3" name="Espace réservé du contenu 2">
+            <a:extLst>
+              <a:ext uri="{FF2B5EF4-FFF2-40B4-BE49-F238E27FC236}">
+                <a16:creationId xmlns:a16="http://schemas.microsoft.com/office/drawing/2014/main" id="{D6B66FC4-8EFD-49B0-8256-47E40B37E770}"/>
+              </a:ext>
+            </a:extLst>
+          </p:cNvPr>
+          <p:cNvSpPr>
+            <a:spLocks noGrp="1"/>
+          </p:cNvSpPr>
+          <p:nvPr>
+            <p:ph sz="half" idx="1"/>
+          </p:nvPr>
+        </p:nvSpPr>
+        <p:spPr/>
+        <p:txBody>
+          <a:bodyPr/>
+          <a:lstStyle/>
+          <a:p>
+            <a:r>
+              <a:rPr lang="fr-FR" dirty="0"/>
+              <a:t>Association (</a:t>
+            </a:r>
+            <a:r>
+              <a:rPr lang="fr-FR" dirty="0" err="1"/>
+              <a:t>preconditioning</a:t>
+            </a:r>
+            <a:r>
+              <a:rPr lang="fr-FR" dirty="0"/>
+              <a:t>)</a:t>
+            </a:r>
+          </a:p>
+          <a:p>
+            <a:pPr lvl="1"/>
+            <a:r>
+              <a:rPr lang="fr-FR" dirty="0"/>
+              <a:t>16 pairs, </a:t>
+            </a:r>
+            <a:r>
+              <a:rPr lang="fr-FR" dirty="0" err="1"/>
+              <a:t>each</a:t>
+            </a:r>
+            <a:r>
+              <a:rPr lang="fr-FR" dirty="0"/>
+              <a:t> </a:t>
+            </a:r>
+            <a:r>
+              <a:rPr lang="fr-FR" dirty="0" err="1"/>
+              <a:t>repeated</a:t>
+            </a:r>
+            <a:endParaRPr lang="fr-FR" dirty="0"/>
+          </a:p>
+        </p:txBody>
+      </p:sp>
+      <p:sp>
+        <p:nvSpPr>
+          <p:cNvPr id="4" name="Espace réservé du contenu 3">
+            <a:extLst>
+              <a:ext uri="{FF2B5EF4-FFF2-40B4-BE49-F238E27FC236}">
+                <a16:creationId xmlns:a16="http://schemas.microsoft.com/office/drawing/2014/main" id="{E1873115-3DA2-4AB7-8378-E026D68A2DD5}"/>
+              </a:ext>
+            </a:extLst>
+          </p:cNvPr>
+          <p:cNvSpPr>
+            <a:spLocks noGrp="1"/>
+          </p:cNvSpPr>
+          <p:nvPr>
+            <p:ph sz="half" idx="2"/>
+          </p:nvPr>
+        </p:nvSpPr>
+        <p:spPr/>
+        <p:txBody>
+          <a:bodyPr/>
+          <a:lstStyle/>
+          <a:p>
+            <a:endParaRPr lang="fr-FR"/>
+          </a:p>
+        </p:txBody>
+      </p:sp>
+    </p:spTree>
+    <p:extLst>
+      <p:ext uri="{BB962C8B-B14F-4D97-AF65-F5344CB8AC3E}">
+        <p14:creationId xmlns:p14="http://schemas.microsoft.com/office/powerpoint/2010/main" val="2941726865"/>
+      </p:ext>
+    </p:extLst>
+  </p:cSld>
+  <p:clrMapOvr>
+    <a:masterClrMapping/>
+  </p:clrMapOvr>
+</p:sld>
+</file>
+
+<file path=ppt/slides/slide12.xml><?xml version="1.0" encoding="utf-8"?>
+<p:sld xmlns:a="http://schemas.openxmlformats.org/drawingml/2006/main" xmlns:r="http://schemas.openxmlformats.org/officeDocument/2006/relationships" xmlns:p="http://schemas.openxmlformats.org/presentationml/2006/main">
+  <p:cSld>
+    <p:spTree>
+      <p:nvGrpSpPr>
+        <p:cNvPr id="1" name=""/>
+        <p:cNvGrpSpPr/>
+        <p:nvPr/>
+      </p:nvGrpSpPr>
+      <p:grpSpPr>
+        <a:xfrm>
+          <a:off x="0" y="0"/>
+          <a:ext cx="0" cy="0"/>
+          <a:chOff x="0" y="0"/>
+          <a:chExt cx="0" cy="0"/>
+        </a:xfrm>
+      </p:grpSpPr>
+      <p:sp>
+        <p:nvSpPr>
+          <p:cNvPr id="2" name="Titre 1">
+            <a:extLst>
+              <a:ext uri="{FF2B5EF4-FFF2-40B4-BE49-F238E27FC236}">
                 <a16:creationId xmlns:a16="http://schemas.microsoft.com/office/drawing/2014/main" id="{CDA6EA10-0E20-4580-B7DA-3A50A5E4C0DC}"/>
               </a:ext>
             </a:extLst>
@@ -13028,7 +14905,7 @@
 </p:sld>
 </file>
 
-<file path=ppt/slides/slide12.xml><?xml version="1.0" encoding="utf-8"?>
+<file path=ppt/slides/slide13.xml><?xml version="1.0" encoding="utf-8"?>
 <p:sld xmlns:a="http://schemas.openxmlformats.org/drawingml/2006/main" xmlns:r="http://schemas.openxmlformats.org/officeDocument/2006/relationships" xmlns:p="http://schemas.openxmlformats.org/presentationml/2006/main">
   <p:cSld>
     <p:spTree>
@@ -13464,7 +15341,7 @@
 </p:sld>
 </file>
 
-<file path=ppt/slides/slide13.xml><?xml version="1.0" encoding="utf-8"?>
+<file path=ppt/slides/slide14.xml><?xml version="1.0" encoding="utf-8"?>
 <p:sld xmlns:a="http://schemas.openxmlformats.org/drawingml/2006/main" xmlns:r="http://schemas.openxmlformats.org/officeDocument/2006/relationships" xmlns:p="http://schemas.openxmlformats.org/presentationml/2006/main">
   <p:cSld>
     <p:spTree>
@@ -13560,111 +15437,6 @@
     <p:extLst>
       <p:ext uri="{BB962C8B-B14F-4D97-AF65-F5344CB8AC3E}">
         <p14:creationId xmlns:p14="http://schemas.microsoft.com/office/powerpoint/2010/main" val="3909463577"/>
-      </p:ext>
-    </p:extLst>
-  </p:cSld>
-  <p:clrMapOvr>
-    <a:masterClrMapping/>
-  </p:clrMapOvr>
-</p:sld>
-</file>
-
-<file path=ppt/slides/slide14.xml><?xml version="1.0" encoding="utf-8"?>
-<p:sld xmlns:a="http://schemas.openxmlformats.org/drawingml/2006/main" xmlns:r="http://schemas.openxmlformats.org/officeDocument/2006/relationships" xmlns:p="http://schemas.openxmlformats.org/presentationml/2006/main">
-  <p:cSld>
-    <p:spTree>
-      <p:nvGrpSpPr>
-        <p:cNvPr id="1" name=""/>
-        <p:cNvGrpSpPr/>
-        <p:nvPr/>
-      </p:nvGrpSpPr>
-      <p:grpSpPr>
-        <a:xfrm>
-          <a:off x="0" y="0"/>
-          <a:ext cx="0" cy="0"/>
-          <a:chOff x="0" y="0"/>
-          <a:chExt cx="0" cy="0"/>
-        </a:xfrm>
-      </p:grpSpPr>
-      <p:sp>
-        <p:nvSpPr>
-          <p:cNvPr id="2" name="Titre 1">
-            <a:extLst>
-              <a:ext uri="{FF2B5EF4-FFF2-40B4-BE49-F238E27FC236}">
-                <a16:creationId xmlns:a16="http://schemas.microsoft.com/office/drawing/2014/main" id="{CB0F2A71-D1A5-41AD-81E9-552E64941F09}"/>
-              </a:ext>
-            </a:extLst>
-          </p:cNvPr>
-          <p:cNvSpPr>
-            <a:spLocks noGrp="1"/>
-          </p:cNvSpPr>
-          <p:nvPr>
-            <p:ph type="title"/>
-          </p:nvPr>
-        </p:nvSpPr>
-        <p:spPr/>
-        <p:txBody>
-          <a:bodyPr/>
-          <a:lstStyle/>
-          <a:p>
-            <a:endParaRPr lang="fr-FR"/>
-          </a:p>
-        </p:txBody>
-      </p:sp>
-      <p:sp>
-        <p:nvSpPr>
-          <p:cNvPr id="3" name="Espace réservé du contenu 2">
-            <a:extLst>
-              <a:ext uri="{FF2B5EF4-FFF2-40B4-BE49-F238E27FC236}">
-                <a16:creationId xmlns:a16="http://schemas.microsoft.com/office/drawing/2014/main" id="{4308E557-5902-4334-BDEA-32FFAFF02310}"/>
-              </a:ext>
-            </a:extLst>
-          </p:cNvPr>
-          <p:cNvSpPr>
-            <a:spLocks noGrp="1"/>
-          </p:cNvSpPr>
-          <p:nvPr>
-            <p:ph sz="half" idx="1"/>
-          </p:nvPr>
-        </p:nvSpPr>
-        <p:spPr/>
-        <p:txBody>
-          <a:bodyPr/>
-          <a:lstStyle/>
-          <a:p>
-            <a:endParaRPr lang="fr-FR"/>
-          </a:p>
-        </p:txBody>
-      </p:sp>
-      <p:sp>
-        <p:nvSpPr>
-          <p:cNvPr id="4" name="Espace réservé du contenu 3">
-            <a:extLst>
-              <a:ext uri="{FF2B5EF4-FFF2-40B4-BE49-F238E27FC236}">
-                <a16:creationId xmlns:a16="http://schemas.microsoft.com/office/drawing/2014/main" id="{5735753E-C623-428B-9D19-DE230DE897E9}"/>
-              </a:ext>
-            </a:extLst>
-          </p:cNvPr>
-          <p:cNvSpPr>
-            <a:spLocks noGrp="1"/>
-          </p:cNvSpPr>
-          <p:nvPr>
-            <p:ph sz="half" idx="2"/>
-          </p:nvPr>
-        </p:nvSpPr>
-        <p:spPr/>
-        <p:txBody>
-          <a:bodyPr/>
-          <a:lstStyle/>
-          <a:p>
-            <a:endParaRPr lang="fr-FR"/>
-          </a:p>
-        </p:txBody>
-      </p:sp>
-    </p:spTree>
-    <p:extLst>
-      <p:ext uri="{BB962C8B-B14F-4D97-AF65-F5344CB8AC3E}">
-        <p14:creationId xmlns:p14="http://schemas.microsoft.com/office/powerpoint/2010/main" val="261432503"/>
       </p:ext>
     </p:extLst>
   </p:cSld>
@@ -13696,6 +15468,111 @@
           <p:cNvPr id="2" name="Titre 1">
             <a:extLst>
               <a:ext uri="{FF2B5EF4-FFF2-40B4-BE49-F238E27FC236}">
+                <a16:creationId xmlns:a16="http://schemas.microsoft.com/office/drawing/2014/main" id="{CB0F2A71-D1A5-41AD-81E9-552E64941F09}"/>
+              </a:ext>
+            </a:extLst>
+          </p:cNvPr>
+          <p:cNvSpPr>
+            <a:spLocks noGrp="1"/>
+          </p:cNvSpPr>
+          <p:nvPr>
+            <p:ph type="title"/>
+          </p:nvPr>
+        </p:nvSpPr>
+        <p:spPr/>
+        <p:txBody>
+          <a:bodyPr/>
+          <a:lstStyle/>
+          <a:p>
+            <a:endParaRPr lang="fr-FR"/>
+          </a:p>
+        </p:txBody>
+      </p:sp>
+      <p:sp>
+        <p:nvSpPr>
+          <p:cNvPr id="3" name="Espace réservé du contenu 2">
+            <a:extLst>
+              <a:ext uri="{FF2B5EF4-FFF2-40B4-BE49-F238E27FC236}">
+                <a16:creationId xmlns:a16="http://schemas.microsoft.com/office/drawing/2014/main" id="{4308E557-5902-4334-BDEA-32FFAFF02310}"/>
+              </a:ext>
+            </a:extLst>
+          </p:cNvPr>
+          <p:cNvSpPr>
+            <a:spLocks noGrp="1"/>
+          </p:cNvSpPr>
+          <p:nvPr>
+            <p:ph sz="half" idx="1"/>
+          </p:nvPr>
+        </p:nvSpPr>
+        <p:spPr/>
+        <p:txBody>
+          <a:bodyPr/>
+          <a:lstStyle/>
+          <a:p>
+            <a:endParaRPr lang="fr-FR"/>
+          </a:p>
+        </p:txBody>
+      </p:sp>
+      <p:sp>
+        <p:nvSpPr>
+          <p:cNvPr id="4" name="Espace réservé du contenu 3">
+            <a:extLst>
+              <a:ext uri="{FF2B5EF4-FFF2-40B4-BE49-F238E27FC236}">
+                <a16:creationId xmlns:a16="http://schemas.microsoft.com/office/drawing/2014/main" id="{5735753E-C623-428B-9D19-DE230DE897E9}"/>
+              </a:ext>
+            </a:extLst>
+          </p:cNvPr>
+          <p:cNvSpPr>
+            <a:spLocks noGrp="1"/>
+          </p:cNvSpPr>
+          <p:nvPr>
+            <p:ph sz="half" idx="2"/>
+          </p:nvPr>
+        </p:nvSpPr>
+        <p:spPr/>
+        <p:txBody>
+          <a:bodyPr/>
+          <a:lstStyle/>
+          <a:p>
+            <a:endParaRPr lang="fr-FR"/>
+          </a:p>
+        </p:txBody>
+      </p:sp>
+    </p:spTree>
+    <p:extLst>
+      <p:ext uri="{BB962C8B-B14F-4D97-AF65-F5344CB8AC3E}">
+        <p14:creationId xmlns:p14="http://schemas.microsoft.com/office/powerpoint/2010/main" val="261432503"/>
+      </p:ext>
+    </p:extLst>
+  </p:cSld>
+  <p:clrMapOvr>
+    <a:masterClrMapping/>
+  </p:clrMapOvr>
+</p:sld>
+</file>
+
+<file path=ppt/slides/slide16.xml><?xml version="1.0" encoding="utf-8"?>
+<p:sld xmlns:a="http://schemas.openxmlformats.org/drawingml/2006/main" xmlns:r="http://schemas.openxmlformats.org/officeDocument/2006/relationships" xmlns:p="http://schemas.openxmlformats.org/presentationml/2006/main">
+  <p:cSld>
+    <p:spTree>
+      <p:nvGrpSpPr>
+        <p:cNvPr id="1" name=""/>
+        <p:cNvGrpSpPr/>
+        <p:nvPr/>
+      </p:nvGrpSpPr>
+      <p:grpSpPr>
+        <a:xfrm>
+          <a:off x="0" y="0"/>
+          <a:ext cx="0" cy="0"/>
+          <a:chOff x="0" y="0"/>
+          <a:chExt cx="0" cy="0"/>
+        </a:xfrm>
+      </p:grpSpPr>
+      <p:sp>
+        <p:nvSpPr>
+          <p:cNvPr id="2" name="Titre 1">
+            <a:extLst>
+              <a:ext uri="{FF2B5EF4-FFF2-40B4-BE49-F238E27FC236}">
                 <a16:creationId xmlns:a16="http://schemas.microsoft.com/office/drawing/2014/main" id="{D6B36F0C-7B67-4379-BC33-334BEBFBAE01}"/>
               </a:ext>
             </a:extLst>
@@ -13779,7 +15656,7 @@
 </p:sld>
 </file>
 
-<file path=ppt/slides/slide16.xml><?xml version="1.0" encoding="utf-8"?>
+<file path=ppt/slides/slide17.xml><?xml version="1.0" encoding="utf-8"?>
 <p:sld xmlns:a="http://schemas.openxmlformats.org/drawingml/2006/main" xmlns:r="http://schemas.openxmlformats.org/officeDocument/2006/relationships" xmlns:p="http://schemas.openxmlformats.org/presentationml/2006/main">
   <p:cSld>
     <p:spTree>
@@ -14113,7 +15990,7 @@
 </p:sld>
 </file>
 
-<file path=ppt/slides/slide17.xml><?xml version="1.0" encoding="utf-8"?>
+<file path=ppt/slides/slide18.xml><?xml version="1.0" encoding="utf-8"?>
 <p:sld xmlns:a="http://schemas.openxmlformats.org/drawingml/2006/main" xmlns:r="http://schemas.openxmlformats.org/officeDocument/2006/relationships" xmlns:p="http://schemas.openxmlformats.org/presentationml/2006/main">
   <p:cSld>
     <p:spTree>
@@ -14653,7 +16530,7 @@
 </p:sld>
 </file>
 
-<file path=ppt/slides/slide18.xml><?xml version="1.0" encoding="utf-8"?>
+<file path=ppt/slides/slide19.xml><?xml version="1.0" encoding="utf-8"?>
 <p:sld xmlns:a="http://schemas.openxmlformats.org/drawingml/2006/main" xmlns:r="http://schemas.openxmlformats.org/officeDocument/2006/relationships" xmlns:p="http://schemas.openxmlformats.org/presentationml/2006/main">
   <p:cSld>
     <p:spTree>
@@ -16031,7 +17908,7 @@
         </p:xfrm>
         <a:graphic>
           <a:graphicData uri="http://schemas.openxmlformats.org/drawingml/2006/diagram">
-            <dgm:relIds xmlns:dgm="http://schemas.openxmlformats.org/drawingml/2006/diagram" xmlns:r="http://schemas.openxmlformats.org/officeDocument/2006/relationships" r:dm="rId2" r:lo="rId3" r:qs="rId4" r:cs="rId5"/>
+            <dgm:relIds xmlns:dgm="http://schemas.openxmlformats.org/drawingml/2006/diagram" xmlns:r="http://schemas.openxmlformats.org/officeDocument/2006/relationships" r:dm="rId3" r:lo="rId4" r:qs="rId5" r:cs="rId6"/>
           </a:graphicData>
         </a:graphic>
       </p:graphicFrame>
@@ -16061,7 +17938,7 @@
         </p:xfrm>
         <a:graphic>
           <a:graphicData uri="http://schemas.openxmlformats.org/drawingml/2006/diagram">
-            <dgm:relIds xmlns:dgm="http://schemas.openxmlformats.org/drawingml/2006/diagram" xmlns:r="http://schemas.openxmlformats.org/officeDocument/2006/relationships" r:dm="rId7" r:lo="rId8" r:qs="rId9" r:cs="rId10"/>
+            <dgm:relIds xmlns:dgm="http://schemas.openxmlformats.org/drawingml/2006/diagram" xmlns:r="http://schemas.openxmlformats.org/officeDocument/2006/relationships" r:dm="rId8" r:lo="rId9" r:qs="rId10" r:cs="rId11"/>
           </a:graphicData>
         </a:graphic>
       </p:graphicFrame>
@@ -16091,7 +17968,7 @@
         </p:xfrm>
         <a:graphic>
           <a:graphicData uri="http://schemas.openxmlformats.org/drawingml/2006/diagram">
-            <dgm:relIds xmlns:dgm="http://schemas.openxmlformats.org/drawingml/2006/diagram" xmlns:r="http://schemas.openxmlformats.org/officeDocument/2006/relationships" r:dm="rId12" r:lo="rId13" r:qs="rId14" r:cs="rId15"/>
+            <dgm:relIds xmlns:dgm="http://schemas.openxmlformats.org/drawingml/2006/diagram" xmlns:r="http://schemas.openxmlformats.org/officeDocument/2006/relationships" r:dm="rId13" r:lo="rId14" r:qs="rId15" r:cs="rId16"/>
           </a:graphicData>
         </a:graphic>
       </p:graphicFrame>
@@ -16310,543 +18187,6 @@
       </p:sp>
       <p:sp>
         <p:nvSpPr>
-          <p:cNvPr id="3" name="Espace réservé du contenu 2">
-            <a:extLst>
-              <a:ext uri="{FF2B5EF4-FFF2-40B4-BE49-F238E27FC236}">
-                <a16:creationId xmlns:a16="http://schemas.microsoft.com/office/drawing/2014/main" id="{671D125C-5B7C-4BC9-A340-3406D2D30C0D}"/>
-              </a:ext>
-            </a:extLst>
-          </p:cNvPr>
-          <p:cNvSpPr>
-            <a:spLocks noGrp="1"/>
-          </p:cNvSpPr>
-          <p:nvPr>
-            <p:ph sz="half" idx="1"/>
-          </p:nvPr>
-        </p:nvSpPr>
-        <p:spPr>
-          <a:xfrm>
-            <a:off x="565149" y="1927995"/>
-            <a:ext cx="5136442" cy="4536525"/>
-          </a:xfrm>
-        </p:spPr>
-        <p:txBody>
-          <a:bodyPr>
-            <a:noAutofit/>
-          </a:bodyPr>
-          <a:lstStyle/>
-          <a:p>
-            <a:r>
-              <a:rPr lang="fr-FR" sz="1300" dirty="0"/>
-              <a:t>(V)MPFC-</a:t>
-            </a:r>
-            <a:r>
-              <a:rPr lang="fr-FR" sz="1300" dirty="0" err="1"/>
-              <a:t>hippocampus</a:t>
-            </a:r>
-            <a:r>
-              <a:rPr lang="fr-FR" sz="1300" dirty="0"/>
-              <a:t> for associative </a:t>
-            </a:r>
-            <a:r>
-              <a:rPr lang="fr-FR" sz="1300" dirty="0" err="1"/>
-              <a:t>learning</a:t>
-            </a:r>
-            <a:endParaRPr lang="fr-FR" sz="1300" dirty="0"/>
-          </a:p>
-          <a:p>
-            <a:pPr lvl="1"/>
-            <a:r>
-              <a:rPr lang="fr-FR" sz="1300" dirty="0" err="1"/>
-              <a:t>Vmpfc</a:t>
-            </a:r>
-            <a:r>
-              <a:rPr lang="fr-FR" sz="1300" dirty="0"/>
-              <a:t> </a:t>
-            </a:r>
-            <a:r>
-              <a:rPr lang="fr-FR" sz="1300" dirty="0" err="1"/>
-              <a:t>helps</a:t>
-            </a:r>
-            <a:r>
-              <a:rPr lang="fr-FR" sz="1300" dirty="0"/>
-              <a:t> (</a:t>
-            </a:r>
-            <a:r>
-              <a:rPr lang="fr-FR" sz="1300" dirty="0" err="1"/>
-              <a:t>bad</a:t>
-            </a:r>
-            <a:r>
-              <a:rPr lang="fr-FR" sz="1300" dirty="0"/>
-              <a:t> if </a:t>
-            </a:r>
-            <a:r>
-              <a:rPr lang="fr-FR" sz="1300" dirty="0" err="1"/>
-              <a:t>lesion</a:t>
-            </a:r>
-            <a:r>
-              <a:rPr lang="fr-FR" sz="1300" dirty="0"/>
-              <a:t> Spalding 2018), </a:t>
-            </a:r>
-            <a:r>
-              <a:rPr lang="fr-FR" sz="1300" dirty="0" err="1"/>
-              <a:t>sadacca</a:t>
-            </a:r>
-            <a:r>
-              <a:rPr lang="fr-FR" sz="1300" dirty="0"/>
-              <a:t> 2018</a:t>
-            </a:r>
-          </a:p>
-          <a:p>
-            <a:pPr lvl="1"/>
-            <a:r>
-              <a:rPr lang="fr-FR" sz="1300" dirty="0"/>
-              <a:t>Dopamine </a:t>
-            </a:r>
-            <a:r>
-              <a:rPr lang="fr-FR" sz="1300" dirty="0" err="1"/>
-              <a:t>helps</a:t>
-            </a:r>
-            <a:r>
-              <a:rPr lang="fr-FR" sz="1300" dirty="0"/>
-              <a:t> (Lee 2021 , Clos 2019)</a:t>
-            </a:r>
-          </a:p>
-          <a:p>
-            <a:pPr lvl="1"/>
-            <a:r>
-              <a:rPr lang="fr-FR" sz="1300" dirty="0" err="1"/>
-              <a:t>Role</a:t>
-            </a:r>
-            <a:r>
-              <a:rPr lang="fr-FR" sz="1300" dirty="0"/>
-              <a:t> for </a:t>
-            </a:r>
-            <a:r>
-              <a:rPr lang="fr-FR" sz="1300" dirty="0" err="1"/>
-              <a:t>midbrain</a:t>
-            </a:r>
-            <a:r>
-              <a:rPr lang="fr-FR" sz="1300" dirty="0"/>
-              <a:t> dopamine (</a:t>
-            </a:r>
-            <a:r>
-              <a:rPr lang="fr-FR" sz="1300" dirty="0" err="1"/>
-              <a:t>Shohamy</a:t>
-            </a:r>
-            <a:r>
-              <a:rPr lang="fr-FR" sz="1300" dirty="0"/>
-              <a:t> 2018,, 2016)?</a:t>
-            </a:r>
-          </a:p>
-          <a:p>
-            <a:pPr lvl="1"/>
-            <a:r>
-              <a:rPr lang="fr-FR" sz="1300" dirty="0" err="1"/>
-              <a:t>Kahnt</a:t>
-            </a:r>
-            <a:r>
-              <a:rPr lang="fr-FR" sz="1300" dirty="0"/>
-              <a:t> 2012 FC </a:t>
-            </a:r>
-            <a:r>
-              <a:rPr lang="fr-FR" sz="1300" dirty="0" err="1"/>
-              <a:t>striqtum</a:t>
-            </a:r>
-            <a:r>
-              <a:rPr lang="fr-FR" sz="1300" dirty="0"/>
-              <a:t> hippo </a:t>
-            </a:r>
-            <a:r>
-              <a:rPr lang="fr-FR" sz="1300" dirty="0" err="1"/>
-              <a:t>imp</a:t>
-            </a:r>
-            <a:r>
-              <a:rPr lang="fr-FR" sz="1300" dirty="0"/>
-              <a:t> for généralisation</a:t>
-            </a:r>
-          </a:p>
-          <a:p>
-            <a:pPr lvl="1"/>
-            <a:r>
-              <a:rPr lang="fr-FR" sz="1300" dirty="0" err="1"/>
-              <a:t>hPC-mpfc</a:t>
-            </a:r>
-            <a:r>
-              <a:rPr lang="fr-FR" sz="1300" dirty="0"/>
-              <a:t> </a:t>
-            </a:r>
-            <a:r>
-              <a:rPr lang="fr-FR" sz="1300" dirty="0" err="1"/>
-              <a:t>coupling</a:t>
-            </a:r>
-            <a:r>
-              <a:rPr lang="fr-FR" sz="1300" dirty="0"/>
-              <a:t> </a:t>
-            </a:r>
-            <a:r>
-              <a:rPr lang="fr-FR" sz="1300" dirty="0" err="1"/>
-              <a:t>during</a:t>
-            </a:r>
-            <a:r>
-              <a:rPr lang="fr-FR" sz="1300" dirty="0"/>
-              <a:t> BC </a:t>
-            </a:r>
-            <a:r>
-              <a:rPr lang="fr-FR" sz="1300" dirty="0" err="1"/>
-              <a:t>learning</a:t>
-            </a:r>
-            <a:r>
-              <a:rPr lang="fr-FR" sz="1300" dirty="0"/>
-              <a:t>, </a:t>
-            </a:r>
-            <a:r>
-              <a:rPr lang="fr-FR" sz="1300" dirty="0" err="1"/>
-              <a:t>Schlichting</a:t>
-            </a:r>
-            <a:r>
-              <a:rPr lang="fr-FR" sz="1300" dirty="0"/>
-              <a:t> 2016</a:t>
-            </a:r>
-          </a:p>
-          <a:p>
-            <a:pPr lvl="1"/>
-            <a:r>
-              <a:rPr lang="fr-FR" sz="1300" dirty="0"/>
-              <a:t>Jones 2012</a:t>
-            </a:r>
-          </a:p>
-          <a:p>
-            <a:r>
-              <a:rPr lang="fr-FR" sz="1300" dirty="0"/>
-              <a:t>Striatum – VTA for </a:t>
-            </a:r>
-            <a:r>
-              <a:rPr lang="fr-FR" sz="1300" dirty="0" err="1"/>
-              <a:t>reinforcement</a:t>
-            </a:r>
-            <a:r>
-              <a:rPr lang="fr-FR" sz="1300" dirty="0"/>
-              <a:t> </a:t>
-            </a:r>
-            <a:r>
-              <a:rPr lang="fr-FR" sz="1300" dirty="0" err="1"/>
-              <a:t>learning</a:t>
-            </a:r>
-            <a:endParaRPr lang="fr-FR" sz="1300" dirty="0"/>
-          </a:p>
-          <a:p>
-            <a:r>
-              <a:rPr lang="fr-FR" sz="1300" dirty="0" err="1"/>
-              <a:t>Anterior</a:t>
-            </a:r>
-            <a:r>
-              <a:rPr lang="fr-FR" sz="1300" dirty="0"/>
-              <a:t> vs </a:t>
-            </a:r>
-            <a:r>
-              <a:rPr lang="fr-FR" sz="1300" dirty="0" err="1"/>
-              <a:t>posterior</a:t>
-            </a:r>
-            <a:r>
-              <a:rPr lang="fr-FR" sz="1300" dirty="0"/>
-              <a:t> </a:t>
-            </a:r>
-            <a:r>
-              <a:rPr lang="fr-FR" sz="1300" dirty="0" err="1"/>
-              <a:t>hippocampus</a:t>
-            </a:r>
-            <a:r>
-              <a:rPr lang="fr-FR" sz="1300" dirty="0"/>
-              <a:t>?</a:t>
-            </a:r>
-          </a:p>
-          <a:p>
-            <a:pPr lvl="1"/>
-            <a:r>
-              <a:rPr lang="fr-FR" sz="1300" dirty="0" err="1"/>
-              <a:t>Anterior</a:t>
-            </a:r>
-            <a:r>
-              <a:rPr lang="fr-FR" sz="1300" dirty="0"/>
-              <a:t> H for asso, </a:t>
-            </a:r>
-            <a:r>
-              <a:rPr lang="fr-FR" sz="1300" dirty="0" err="1"/>
-              <a:t>giovanello</a:t>
-            </a:r>
-            <a:r>
-              <a:rPr lang="fr-FR" sz="1300" dirty="0"/>
-              <a:t> 2004</a:t>
-            </a:r>
-          </a:p>
-          <a:p>
-            <a:pPr lvl="1"/>
-            <a:r>
-              <a:rPr lang="fr-FR" sz="1300" dirty="0"/>
-              <a:t>Ant H </a:t>
-            </a:r>
-            <a:r>
-              <a:rPr lang="fr-FR" sz="1300" dirty="0" err="1"/>
-              <a:t>configural</a:t>
-            </a:r>
-            <a:r>
-              <a:rPr lang="fr-FR" sz="1300" dirty="0"/>
-              <a:t> </a:t>
-            </a:r>
-            <a:r>
-              <a:rPr lang="fr-FR" sz="1300" dirty="0" err="1"/>
-              <a:t>strategy</a:t>
-            </a:r>
-            <a:r>
-              <a:rPr lang="fr-FR" sz="1300" dirty="0"/>
-              <a:t> Duncan 2018</a:t>
-            </a:r>
-          </a:p>
-          <a:p>
-            <a:pPr lvl="1"/>
-            <a:r>
-              <a:rPr lang="fr-FR" sz="1300" dirty="0"/>
-              <a:t>Ant H généralisation, </a:t>
-            </a:r>
-            <a:r>
-              <a:rPr lang="fr-FR" sz="1300" dirty="0" err="1"/>
-              <a:t>Schlichting</a:t>
-            </a:r>
-            <a:r>
-              <a:rPr lang="fr-FR" sz="1300" dirty="0"/>
-              <a:t> 2015</a:t>
-            </a:r>
-          </a:p>
-          <a:p>
-            <a:pPr lvl="1"/>
-            <a:r>
-              <a:rPr lang="fr-FR" sz="1300" dirty="0"/>
-              <a:t>Ant H VTA </a:t>
-            </a:r>
-            <a:r>
-              <a:rPr lang="fr-FR" sz="1300" dirty="0" err="1"/>
-              <a:t>coupling</a:t>
-            </a:r>
-            <a:r>
-              <a:rPr lang="fr-FR" sz="1300" dirty="0"/>
-              <a:t> for </a:t>
-            </a:r>
-            <a:r>
-              <a:rPr lang="fr-FR" sz="1300" dirty="0" err="1"/>
-              <a:t>novelty</a:t>
-            </a:r>
-            <a:r>
-              <a:rPr lang="fr-FR" sz="1300" dirty="0"/>
-              <a:t> Cowan 2021</a:t>
-            </a:r>
-          </a:p>
-          <a:p>
-            <a:pPr lvl="1"/>
-            <a:r>
-              <a:rPr lang="fr-FR" sz="1300" dirty="0"/>
-              <a:t>Ant H rpz prototype vs </a:t>
-            </a:r>
-            <a:r>
-              <a:rPr lang="fr-FR" sz="1300" dirty="0" err="1"/>
-              <a:t>exemplar</a:t>
-            </a:r>
-            <a:r>
-              <a:rPr lang="fr-FR" sz="1300" dirty="0"/>
-              <a:t> Bowman 2018</a:t>
-            </a:r>
-          </a:p>
-          <a:p>
-            <a:pPr lvl="1"/>
-            <a:r>
-              <a:rPr lang="fr-FR" sz="1300" dirty="0"/>
-              <a:t>Ant H + </a:t>
-            </a:r>
-            <a:r>
-              <a:rPr lang="fr-FR" sz="1300" dirty="0" err="1"/>
-              <a:t>episodiv</a:t>
-            </a:r>
-            <a:r>
-              <a:rPr lang="fr-FR" sz="1300" dirty="0"/>
-              <a:t> vs post </a:t>
-            </a:r>
-            <a:r>
-              <a:rPr lang="fr-FR" sz="1300" dirty="0" err="1"/>
-              <a:t>retrieval</a:t>
-            </a:r>
-            <a:r>
-              <a:rPr lang="fr-FR" sz="1300" dirty="0"/>
-              <a:t>? Wang 2021</a:t>
-            </a:r>
-          </a:p>
-          <a:p>
-            <a:pPr lvl="1"/>
-            <a:r>
-              <a:rPr lang="fr-FR" sz="1300" dirty="0"/>
-              <a:t>Ant H = pattern </a:t>
-            </a:r>
-            <a:r>
-              <a:rPr lang="fr-FR" sz="1300" dirty="0" err="1"/>
-              <a:t>separation</a:t>
-            </a:r>
-            <a:r>
-              <a:rPr lang="fr-FR" sz="1300" dirty="0"/>
-              <a:t> of non </a:t>
-            </a:r>
-            <a:r>
-              <a:rPr lang="fr-FR" sz="1300" dirty="0" err="1"/>
-              <a:t>associated</a:t>
-            </a:r>
-            <a:r>
-              <a:rPr lang="fr-FR" sz="1300" dirty="0"/>
-              <a:t> memory (RSA) </a:t>
-            </a:r>
-            <a:r>
-              <a:rPr lang="fr-FR" sz="1300" dirty="0" err="1"/>
-              <a:t>Schlichting</a:t>
-            </a:r>
-            <a:r>
-              <a:rPr lang="fr-FR" sz="1300" dirty="0"/>
-              <a:t> 2015</a:t>
-            </a:r>
-          </a:p>
-        </p:txBody>
-      </p:sp>
-      <p:sp>
-        <p:nvSpPr>
-          <p:cNvPr id="4" name="Espace réservé du contenu 3">
-            <a:extLst>
-              <a:ext uri="{FF2B5EF4-FFF2-40B4-BE49-F238E27FC236}">
-                <a16:creationId xmlns:a16="http://schemas.microsoft.com/office/drawing/2014/main" id="{B8304830-2528-4664-8AAC-B53D3342E7AC}"/>
-              </a:ext>
-            </a:extLst>
-          </p:cNvPr>
-          <p:cNvSpPr>
-            <a:spLocks noGrp="1"/>
-          </p:cNvSpPr>
-          <p:nvPr>
-            <p:ph sz="half" idx="2"/>
-          </p:nvPr>
-        </p:nvSpPr>
-        <p:spPr/>
-        <p:txBody>
-          <a:bodyPr>
-            <a:normAutofit fontScale="55000" lnSpcReduction="20000"/>
-          </a:bodyPr>
-          <a:lstStyle/>
-          <a:p>
-            <a:r>
-              <a:rPr lang="en-US" sz="3800" b="0" i="0" dirty="0">
-                <a:solidFill>
-                  <a:srgbClr val="000000"/>
-                </a:solidFill>
-                <a:effectLst/>
-                <a:latin typeface="Calibri" panose="020F0502020204030204" pitchFamily="34" charset="0"/>
-              </a:rPr>
-              <a:t>preexisting semantic associations seem to facilitate associative learning, but not for people with hippocampal lesions (Ryan et al., 2016, </a:t>
-            </a:r>
-            <a:r>
-              <a:rPr lang="en-US" sz="3800" b="0" i="0" dirty="0" err="1">
-                <a:solidFill>
-                  <a:srgbClr val="000000"/>
-                </a:solidFill>
-                <a:effectLst/>
-                <a:latin typeface="Calibri" panose="020F0502020204030204" pitchFamily="34" charset="0"/>
-              </a:rPr>
-              <a:t>Pajkert</a:t>
-            </a:r>
-            <a:r>
-              <a:rPr lang="en-US" sz="3800" b="0" i="0" dirty="0">
-                <a:solidFill>
-                  <a:srgbClr val="000000"/>
-                </a:solidFill>
-                <a:effectLst/>
-                <a:latin typeface="Calibri" panose="020F0502020204030204" pitchFamily="34" charset="0"/>
-              </a:rPr>
-              <a:t> 2017)</a:t>
-            </a:r>
-          </a:p>
-          <a:p>
-            <a:endParaRPr lang="en-US" sz="3800" dirty="0">
-              <a:solidFill>
-                <a:srgbClr val="000000"/>
-              </a:solidFill>
-              <a:latin typeface="Calibri" panose="020F0502020204030204" pitchFamily="34" charset="0"/>
-            </a:endParaRPr>
-          </a:p>
-          <a:p>
-            <a:r>
-              <a:rPr lang="fr-FR" sz="3800" dirty="0"/>
-              <a:t>New = </a:t>
-            </a:r>
-            <a:r>
-              <a:rPr lang="fr-FR" sz="3800" dirty="0" err="1"/>
-              <a:t>semantic</a:t>
-            </a:r>
-            <a:r>
-              <a:rPr lang="fr-FR" sz="3800" dirty="0"/>
-              <a:t> </a:t>
-            </a:r>
-            <a:r>
-              <a:rPr lang="fr-FR" sz="3800" dirty="0" err="1"/>
-              <a:t>link</a:t>
-            </a:r>
-            <a:r>
-              <a:rPr lang="fr-FR" sz="3800" dirty="0"/>
-              <a:t> </a:t>
-            </a:r>
-            <a:r>
-              <a:rPr lang="fr-FR" sz="3800" dirty="0" err="1"/>
-              <a:t>between</a:t>
-            </a:r>
-            <a:r>
-              <a:rPr lang="fr-FR" sz="3800" dirty="0"/>
-              <a:t> A &amp; B</a:t>
-            </a:r>
-          </a:p>
-          <a:p>
-            <a:pPr lvl="1"/>
-            <a:r>
-              <a:rPr lang="fr-FR" sz="3800" dirty="0" err="1"/>
-              <a:t>Already</a:t>
-            </a:r>
-            <a:r>
-              <a:rPr lang="fr-FR" sz="3800" dirty="0"/>
-              <a:t> </a:t>
-            </a:r>
-            <a:r>
-              <a:rPr lang="fr-FR" sz="3800" dirty="0" err="1"/>
-              <a:t>existing</a:t>
-            </a:r>
-            <a:r>
-              <a:rPr lang="fr-FR" sz="3800" dirty="0"/>
-              <a:t> </a:t>
-            </a:r>
-            <a:r>
-              <a:rPr lang="fr-FR" sz="3800" dirty="0" err="1"/>
-              <a:t>link</a:t>
-            </a:r>
-            <a:r>
-              <a:rPr lang="fr-FR" sz="3800" dirty="0"/>
-              <a:t> in </a:t>
-            </a:r>
-            <a:r>
-              <a:rPr lang="fr-FR" sz="3800" dirty="0" err="1"/>
-              <a:t>hippocampus</a:t>
-            </a:r>
-            <a:r>
-              <a:rPr lang="fr-FR" sz="3800" dirty="0"/>
-              <a:t>?</a:t>
-            </a:r>
-            <a:br>
-              <a:rPr lang="en-US" dirty="0"/>
-            </a:br>
-            <a:endParaRPr lang="fr-FR" dirty="0"/>
-          </a:p>
-        </p:txBody>
-      </p:sp>
-      <p:sp>
-        <p:nvSpPr>
           <p:cNvPr id="7" name="Titre 1">
             <a:extLst>
               <a:ext uri="{FF2B5EF4-FFF2-40B4-BE49-F238E27FC236}">
@@ -16915,6 +18255,328 @@
               </a:rPr>
               <a:t> </a:t>
             </a:r>
+          </a:p>
+        </p:txBody>
+      </p:sp>
+      <p:sp>
+        <p:nvSpPr>
+          <p:cNvPr id="8" name="Espace réservé du contenu 7">
+            <a:extLst>
+              <a:ext uri="{FF2B5EF4-FFF2-40B4-BE49-F238E27FC236}">
+                <a16:creationId xmlns:a16="http://schemas.microsoft.com/office/drawing/2014/main" id="{99E0D7D2-5741-4721-B7DE-56A4255702CF}"/>
+              </a:ext>
+            </a:extLst>
+          </p:cNvPr>
+          <p:cNvSpPr>
+            <a:spLocks noGrp="1"/>
+          </p:cNvSpPr>
+          <p:nvPr>
+            <p:ph sz="half" idx="1"/>
+          </p:nvPr>
+        </p:nvSpPr>
+        <p:spPr/>
+        <p:txBody>
+          <a:bodyPr>
+            <a:normAutofit fontScale="70000" lnSpcReduction="20000"/>
+          </a:bodyPr>
+          <a:lstStyle/>
+          <a:p>
+            <a:pPr marL="285750" indent="-285750">
+              <a:buFontTx/>
+              <a:buChar char="-"/>
+            </a:pPr>
+            <a:r>
+              <a:rPr lang="fr-FR" dirty="0"/>
+              <a:t>State </a:t>
+            </a:r>
+            <a:r>
+              <a:rPr lang="fr-FR" dirty="0" err="1"/>
+              <a:t>representation</a:t>
+            </a:r>
+            <a:endParaRPr lang="fr-FR" dirty="0"/>
+          </a:p>
+          <a:p>
+            <a:pPr marL="742950" lvl="1" indent="-285750">
+              <a:buFontTx/>
+              <a:buChar char="-"/>
+            </a:pPr>
+            <a:r>
+              <a:rPr lang="fr-FR" dirty="0"/>
+              <a:t>OFC (</a:t>
+            </a:r>
+            <a:r>
+              <a:rPr lang="fr-FR" dirty="0" err="1"/>
+              <a:t>spalding</a:t>
+            </a:r>
+            <a:r>
+              <a:rPr lang="fr-FR" dirty="0"/>
+              <a:t> 18 </a:t>
+            </a:r>
+            <a:r>
+              <a:rPr lang="fr-FR" dirty="0" err="1"/>
+              <a:t>lesion</a:t>
+            </a:r>
+            <a:r>
+              <a:rPr lang="fr-FR" dirty="0"/>
+              <a:t>, Jones 12)</a:t>
+            </a:r>
+          </a:p>
+          <a:p>
+            <a:pPr marL="742950" lvl="1" indent="-285750">
+              <a:buFontTx/>
+              <a:buChar char="-"/>
+            </a:pPr>
+            <a:r>
+              <a:rPr lang="fr-FR" dirty="0"/>
+              <a:t>OFC-</a:t>
+            </a:r>
+            <a:r>
+              <a:rPr lang="fr-FR" dirty="0" err="1"/>
+              <a:t>hippocampus</a:t>
+            </a:r>
+            <a:r>
+              <a:rPr lang="fr-FR" dirty="0"/>
+              <a:t> (Bowman categ)</a:t>
+            </a:r>
+          </a:p>
+          <a:p>
+            <a:pPr marL="285750" indent="-285750">
+              <a:buFontTx/>
+              <a:buChar char="-"/>
+            </a:pPr>
+            <a:r>
+              <a:rPr lang="fr-FR" dirty="0"/>
+              <a:t>Value computation/</a:t>
+            </a:r>
+            <a:r>
+              <a:rPr lang="fr-FR" dirty="0" err="1"/>
+              <a:t>transfer</a:t>
+            </a:r>
+            <a:endParaRPr lang="fr-FR" dirty="0"/>
+          </a:p>
+          <a:p>
+            <a:pPr marL="742950" lvl="1" indent="-285750">
+              <a:buFontTx/>
+              <a:buChar char="-"/>
+            </a:pPr>
+            <a:r>
+              <a:rPr lang="fr-FR" dirty="0"/>
+              <a:t>Striatum &amp; VTA dopamine (RL)</a:t>
+            </a:r>
+          </a:p>
+          <a:p>
+            <a:pPr marL="285750" indent="-285750">
+              <a:buFontTx/>
+              <a:buChar char="-"/>
+            </a:pPr>
+            <a:r>
+              <a:rPr lang="fr-FR" dirty="0"/>
+              <a:t>Généralisation</a:t>
+            </a:r>
+          </a:p>
+          <a:p>
+            <a:pPr marL="742950" lvl="1" indent="-285750">
+              <a:buFontTx/>
+              <a:buChar char="-"/>
+            </a:pPr>
+            <a:r>
+              <a:rPr lang="fr-FR" dirty="0"/>
+              <a:t>OFC </a:t>
+            </a:r>
+            <a:r>
+              <a:rPr lang="fr-FR" dirty="0" err="1"/>
+              <a:t>hippocampus</a:t>
+            </a:r>
+            <a:r>
+              <a:rPr lang="fr-FR" dirty="0"/>
+              <a:t> (</a:t>
+            </a:r>
+            <a:r>
+              <a:rPr lang="fr-FR" dirty="0" err="1"/>
+              <a:t>Schlichting</a:t>
+            </a:r>
+            <a:r>
+              <a:rPr lang="fr-FR" dirty="0"/>
+              <a:t> 16)</a:t>
+            </a:r>
+          </a:p>
+          <a:p>
+            <a:pPr marL="742950" lvl="1" indent="-285750">
+              <a:buFontTx/>
+              <a:buChar char="-"/>
+            </a:pPr>
+            <a:r>
+              <a:rPr lang="fr-FR" dirty="0"/>
+              <a:t>VTA dopamine (</a:t>
+            </a:r>
+            <a:r>
+              <a:rPr lang="fr-FR" dirty="0" err="1"/>
+              <a:t>Kahnt</a:t>
+            </a:r>
+            <a:r>
+              <a:rPr lang="fr-FR" dirty="0"/>
+              <a:t> </a:t>
+            </a:r>
+            <a:r>
+              <a:rPr lang="fr-FR" dirty="0" err="1"/>
+              <a:t>Shohamy</a:t>
+            </a:r>
+            <a:r>
+              <a:rPr lang="fr-FR" dirty="0"/>
+              <a:t>)</a:t>
+            </a:r>
+          </a:p>
+          <a:p>
+            <a:pPr marL="742950" lvl="1" indent="-285750">
+              <a:buFontTx/>
+              <a:buChar char="-"/>
+            </a:pPr>
+            <a:r>
+              <a:rPr lang="fr-FR" dirty="0"/>
+              <a:t>Dopamine to EC? (Lee 21 clos 19)</a:t>
+            </a:r>
+          </a:p>
+          <a:p>
+            <a:pPr marL="285750" indent="-285750">
+              <a:buFontTx/>
+              <a:buChar char="-"/>
+            </a:pPr>
+            <a:r>
+              <a:rPr lang="fr-FR" dirty="0"/>
+              <a:t>(post H for généralisation vs </a:t>
+            </a:r>
+            <a:r>
+              <a:rPr lang="fr-FR" dirty="0" err="1"/>
+              <a:t>ant</a:t>
+            </a:r>
+            <a:r>
+              <a:rPr lang="fr-FR" dirty="0"/>
+              <a:t> Cowan21, wang21 but </a:t>
+            </a:r>
+            <a:r>
+              <a:rPr lang="fr-FR" dirty="0" err="1"/>
+              <a:t>schlichting</a:t>
+            </a:r>
+            <a:r>
+              <a:rPr lang="fr-FR" dirty="0"/>
+              <a:t> 15 </a:t>
+            </a:r>
+            <a:r>
+              <a:rPr lang="fr-FR" dirty="0" err="1"/>
+              <a:t>poppenk</a:t>
+            </a:r>
+            <a:r>
+              <a:rPr lang="fr-FR" dirty="0"/>
+              <a:t> 2013 milivojevic15 </a:t>
+            </a:r>
+            <a:r>
+              <a:rPr lang="fr-FR" dirty="0" err="1"/>
+              <a:t>separation</a:t>
+            </a:r>
+            <a:r>
+              <a:rPr lang="fr-FR" dirty="0"/>
+              <a:t>)</a:t>
+            </a:r>
+          </a:p>
+          <a:p>
+            <a:pPr marL="285750" indent="-285750">
+              <a:buFontTx/>
+              <a:buChar char="-"/>
+            </a:pPr>
+            <a:endParaRPr lang="fr-FR" dirty="0"/>
+          </a:p>
+          <a:p>
+            <a:pPr marL="742950" lvl="1" indent="-285750">
+              <a:buFontTx/>
+              <a:buChar char="-"/>
+            </a:pPr>
+            <a:endParaRPr lang="fr-FR" dirty="0"/>
+          </a:p>
+          <a:p>
+            <a:endParaRPr lang="fr-FR" dirty="0"/>
+          </a:p>
+        </p:txBody>
+      </p:sp>
+      <p:sp>
+        <p:nvSpPr>
+          <p:cNvPr id="10" name="Espace réservé du contenu 9">
+            <a:extLst>
+              <a:ext uri="{FF2B5EF4-FFF2-40B4-BE49-F238E27FC236}">
+                <a16:creationId xmlns:a16="http://schemas.microsoft.com/office/drawing/2014/main" id="{2986360A-4B88-4849-88D4-E91CDE373706}"/>
+              </a:ext>
+            </a:extLst>
+          </p:cNvPr>
+          <p:cNvSpPr>
+            <a:spLocks noGrp="1"/>
+          </p:cNvSpPr>
+          <p:nvPr>
+            <p:ph sz="half" idx="2"/>
+          </p:nvPr>
+        </p:nvSpPr>
+        <p:spPr/>
+        <p:txBody>
+          <a:bodyPr>
+            <a:normAutofit fontScale="70000" lnSpcReduction="20000"/>
+          </a:bodyPr>
+          <a:lstStyle/>
+          <a:p>
+            <a:pPr marL="285750" indent="-285750">
+              <a:buFontTx/>
+              <a:buChar char="-"/>
+            </a:pPr>
+            <a:r>
+              <a:rPr lang="fr-FR" dirty="0" err="1"/>
+              <a:t>Semantic</a:t>
+            </a:r>
+            <a:r>
+              <a:rPr lang="fr-FR" dirty="0"/>
+              <a:t> association (Ryan et al., 2016, </a:t>
+            </a:r>
+            <a:r>
+              <a:rPr lang="fr-FR" dirty="0" err="1"/>
+              <a:t>Pajkert</a:t>
+            </a:r>
+            <a:r>
+              <a:rPr lang="fr-FR" dirty="0"/>
+              <a:t> 2017)</a:t>
+            </a:r>
+          </a:p>
+          <a:p>
+            <a:pPr marL="742950" lvl="1" indent="-285750">
+              <a:buFontTx/>
+              <a:buChar char="-"/>
+            </a:pPr>
+            <a:r>
+              <a:rPr lang="fr-FR" dirty="0" err="1"/>
+              <a:t>facilitates</a:t>
+            </a:r>
+            <a:r>
+              <a:rPr lang="fr-FR" dirty="0"/>
+              <a:t> associative </a:t>
+            </a:r>
+            <a:r>
+              <a:rPr lang="fr-FR" dirty="0" err="1"/>
+              <a:t>learning</a:t>
+            </a:r>
+            <a:endParaRPr lang="fr-FR" dirty="0"/>
+          </a:p>
+          <a:p>
+            <a:pPr marL="742950" lvl="1" indent="-285750">
+              <a:buFontTx/>
+              <a:buChar char="-"/>
+            </a:pPr>
+            <a:r>
+              <a:rPr lang="fr-FR" dirty="0"/>
+              <a:t>Relies on </a:t>
+            </a:r>
+            <a:r>
+              <a:rPr lang="fr-FR" dirty="0" err="1"/>
+              <a:t>hippocampus</a:t>
+            </a:r>
+            <a:endParaRPr lang="fr-FR" dirty="0"/>
+          </a:p>
+          <a:p>
+            <a:endParaRPr lang="fr-FR" dirty="0"/>
           </a:p>
         </p:txBody>
       </p:sp>
@@ -17231,7 +18893,7 @@
           <p:nvPr/>
         </p:nvPicPr>
         <p:blipFill>
-          <a:blip r:embed="rId2">
+          <a:blip r:embed="rId3">
             <a:extLst>
               <a:ext uri="{28A0092B-C50C-407E-A947-70E740481C1C}">
                 <a14:useLocalDpi xmlns:a14="http://schemas.microsoft.com/office/drawing/2010/main" val="0"/>
@@ -17298,7 +18960,7 @@
             <p:nvPr/>
           </p:nvPicPr>
           <p:blipFill rotWithShape="1">
-            <a:blip r:embed="rId3"/>
+            <a:blip r:embed="rId4"/>
             <a:srcRect t="9640"/>
             <a:stretch/>
           </p:blipFill>
@@ -18837,6 +20499,340 @@
           <a:chExt cx="0" cy="0"/>
         </a:xfrm>
       </p:grpSpPr>
+      <p:pic>
+        <p:nvPicPr>
+          <p:cNvPr id="9" name="Image 8">
+            <a:extLst>
+              <a:ext uri="{FF2B5EF4-FFF2-40B4-BE49-F238E27FC236}">
+                <a16:creationId xmlns:a16="http://schemas.microsoft.com/office/drawing/2014/main" id="{EBA92942-A1D1-447B-B42D-48BC338F9B89}"/>
+              </a:ext>
+            </a:extLst>
+          </p:cNvPr>
+          <p:cNvPicPr>
+            <a:picLocks noChangeAspect="1"/>
+          </p:cNvPicPr>
+          <p:nvPr/>
+        </p:nvPicPr>
+        <p:blipFill rotWithShape="1">
+          <a:blip r:embed="rId2"/>
+          <a:srcRect l="61377" t="5678" b="14445"/>
+          <a:stretch/>
+        </p:blipFill>
+        <p:spPr>
+          <a:xfrm>
+            <a:off x="8516983" y="1927996"/>
+            <a:ext cx="3109868" cy="4843834"/>
+          </a:xfrm>
+          <a:prstGeom prst="rect">
+            <a:avLst/>
+          </a:prstGeom>
+        </p:spPr>
+      </p:pic>
+      <p:sp>
+        <p:nvSpPr>
+          <p:cNvPr id="2" name="Titre 1">
+            <a:extLst>
+              <a:ext uri="{FF2B5EF4-FFF2-40B4-BE49-F238E27FC236}">
+                <a16:creationId xmlns:a16="http://schemas.microsoft.com/office/drawing/2014/main" id="{0D7906A2-D678-43D3-B258-4780D44C7C6E}"/>
+              </a:ext>
+            </a:extLst>
+          </p:cNvPr>
+          <p:cNvSpPr>
+            <a:spLocks noGrp="1"/>
+          </p:cNvSpPr>
+          <p:nvPr>
+            <p:ph type="title"/>
+          </p:nvPr>
+        </p:nvSpPr>
+        <p:spPr>
+          <a:xfrm>
+            <a:off x="565149" y="1204721"/>
+            <a:ext cx="10912148" cy="1446550"/>
+          </a:xfrm>
+        </p:spPr>
+        <p:txBody>
+          <a:bodyPr>
+            <a:normAutofit/>
+          </a:bodyPr>
+          <a:lstStyle/>
+          <a:p>
+            <a:r>
+              <a:rPr lang="fr-FR" sz="3600" dirty="0" err="1"/>
+              <a:t>Reactivation</a:t>
+            </a:r>
+            <a:r>
+              <a:rPr lang="fr-FR" sz="3600" dirty="0"/>
+              <a:t> of </a:t>
+            </a:r>
+            <a:r>
+              <a:rPr lang="fr-FR" sz="3600" dirty="0" err="1"/>
+              <a:t>associated</a:t>
+            </a:r>
+            <a:r>
+              <a:rPr lang="fr-FR" sz="3600" dirty="0"/>
+              <a:t> stimuli </a:t>
+            </a:r>
+            <a:r>
+              <a:rPr lang="fr-FR" sz="3600" dirty="0" err="1"/>
+              <a:t>with</a:t>
+            </a:r>
+            <a:r>
+              <a:rPr lang="fr-FR" sz="3600" dirty="0"/>
+              <a:t> </a:t>
+            </a:r>
+            <a:r>
+              <a:rPr lang="fr-FR" sz="3600" dirty="0" err="1"/>
+              <a:t>learning</a:t>
+            </a:r>
+            <a:endParaRPr lang="fr-FR" sz="3600" dirty="0"/>
+          </a:p>
+        </p:txBody>
+      </p:sp>
+      <p:sp>
+        <p:nvSpPr>
+          <p:cNvPr id="11" name="Espace réservé du contenu 2">
+            <a:extLst>
+              <a:ext uri="{FF2B5EF4-FFF2-40B4-BE49-F238E27FC236}">
+                <a16:creationId xmlns:a16="http://schemas.microsoft.com/office/drawing/2014/main" id="{37F5FA14-6F37-46E5-A173-B2CE1A7E3EEB}"/>
+              </a:ext>
+            </a:extLst>
+          </p:cNvPr>
+          <p:cNvSpPr>
+            <a:spLocks noGrp="1"/>
+          </p:cNvSpPr>
+          <p:nvPr>
+            <p:ph sz="half" idx="1"/>
+          </p:nvPr>
+        </p:nvSpPr>
+        <p:spPr>
+          <a:xfrm>
+            <a:off x="565111" y="2691637"/>
+            <a:ext cx="5139003" cy="3189733"/>
+          </a:xfrm>
+        </p:spPr>
+        <p:txBody>
+          <a:bodyPr>
+            <a:normAutofit/>
+          </a:bodyPr>
+          <a:lstStyle/>
+          <a:p>
+            <a:r>
+              <a:rPr lang="en-US" sz="1800" b="0" i="0" dirty="0">
+                <a:solidFill>
+                  <a:srgbClr val="000000"/>
+                </a:solidFill>
+                <a:effectLst/>
+                <a:latin typeface="AdvPSA183"/>
+              </a:rPr>
+              <a:t>Greater </a:t>
+            </a:r>
+            <a:r>
+              <a:rPr lang="en-US" sz="1800" b="1" i="0" dirty="0">
+                <a:solidFill>
+                  <a:srgbClr val="000000"/>
+                </a:solidFill>
+                <a:effectLst/>
+                <a:latin typeface="AdvPSA183"/>
+              </a:rPr>
+              <a:t>learning-related hippocampal decreases </a:t>
+            </a:r>
+            <a:r>
+              <a:rPr lang="en-US" sz="1800" b="0" i="0" dirty="0">
+                <a:solidFill>
+                  <a:srgbClr val="000000"/>
+                </a:solidFill>
+                <a:effectLst/>
+                <a:latin typeface="AdvPSA183"/>
+              </a:rPr>
+              <a:t>(first - last parameter estimate) across encoding repetitions were associated with greater AC performance at test.</a:t>
+            </a:r>
+            <a:br>
+              <a:rPr lang="en-US" sz="1800" b="0" i="0" dirty="0">
+                <a:solidFill>
+                  <a:srgbClr val="000000"/>
+                </a:solidFill>
+                <a:effectLst/>
+                <a:latin typeface="AdvPSA183"/>
+              </a:rPr>
+            </a:br>
+            <a:endParaRPr lang="en-US" sz="1800" b="0" i="0" dirty="0">
+              <a:solidFill>
+                <a:srgbClr val="000000"/>
+              </a:solidFill>
+              <a:effectLst/>
+              <a:latin typeface="AdvPSA183"/>
+            </a:endParaRPr>
+          </a:p>
+          <a:p>
+            <a:r>
+              <a:rPr lang="en-US" sz="1800" b="0" i="0" dirty="0">
+                <a:solidFill>
+                  <a:srgbClr val="000000"/>
+                </a:solidFill>
+                <a:effectLst/>
+                <a:latin typeface="AdvPSA183"/>
+              </a:rPr>
+              <a:t>Greater </a:t>
+            </a:r>
+            <a:r>
+              <a:rPr lang="en-US" sz="1800" b="1" i="0" dirty="0">
+                <a:solidFill>
+                  <a:srgbClr val="000000"/>
+                </a:solidFill>
+                <a:effectLst/>
+                <a:latin typeface="AdvPSA183"/>
+              </a:rPr>
+              <a:t>activation increases in VMPFC </a:t>
+            </a:r>
+            <a:r>
+              <a:rPr lang="en-US" sz="1800" b="0" i="0" dirty="0">
+                <a:solidFill>
+                  <a:srgbClr val="000000"/>
+                </a:solidFill>
+                <a:effectLst/>
+                <a:latin typeface="AdvPSA183"/>
+              </a:rPr>
+              <a:t>(last-first parameter estimate) across encoding repetitions were associated with greater AC performance at test</a:t>
+            </a:r>
+            <a:br>
+              <a:rPr lang="en-US" dirty="0"/>
+            </a:br>
+            <a:endParaRPr lang="fr-FR" dirty="0"/>
+          </a:p>
+        </p:txBody>
+      </p:sp>
+      <p:sp>
+        <p:nvSpPr>
+          <p:cNvPr id="12" name="Titre 1">
+            <a:extLst>
+              <a:ext uri="{FF2B5EF4-FFF2-40B4-BE49-F238E27FC236}">
+                <a16:creationId xmlns:a16="http://schemas.microsoft.com/office/drawing/2014/main" id="{81EBC3AA-3742-4C43-A032-EB725B1EF27C}"/>
+              </a:ext>
+            </a:extLst>
+          </p:cNvPr>
+          <p:cNvSpPr txBox="1">
+            <a:spLocks/>
+          </p:cNvSpPr>
+          <p:nvPr/>
+        </p:nvSpPr>
+        <p:spPr>
+          <a:xfrm>
+            <a:off x="565149" y="393479"/>
+            <a:ext cx="11626851" cy="827987"/>
+          </a:xfrm>
+          <a:prstGeom prst="rect">
+            <a:avLst/>
+          </a:prstGeom>
+          <a:solidFill>
+            <a:schemeClr val="bg2"/>
+          </a:solidFill>
+        </p:spPr>
+        <p:txBody>
+          <a:bodyPr vert="horz" lIns="91440" tIns="45720" rIns="91440" bIns="45720" rtlCol="0" anchor="t">
+            <a:normAutofit/>
+          </a:bodyPr>
+          <a:lstStyle>
+            <a:lvl1pPr algn="l" defTabSz="914400" rtl="0" eaLnBrk="1" latinLnBrk="0" hangingPunct="1">
+              <a:lnSpc>
+                <a:spcPct val="100000"/>
+              </a:lnSpc>
+              <a:spcBef>
+                <a:spcPct val="0"/>
+              </a:spcBef>
+              <a:buNone/>
+              <a:defRPr sz="4400" kern="1200">
+                <a:solidFill>
+                  <a:schemeClr val="tx1"/>
+                </a:solidFill>
+                <a:latin typeface="+mj-lt"/>
+                <a:ea typeface="+mj-ea"/>
+                <a:cs typeface="+mj-cs"/>
+              </a:defRPr>
+            </a:lvl1pPr>
+          </a:lstStyle>
+          <a:p>
+            <a:r>
+              <a:rPr lang="fr-FR" sz="4800" dirty="0">
+                <a:solidFill>
+                  <a:schemeClr val="bg2">
+                    <a:lumMod val="90000"/>
+                  </a:schemeClr>
+                </a:solidFill>
+              </a:rPr>
+              <a:t>1. Background</a:t>
+            </a:r>
+            <a:r>
+              <a:rPr lang="fr-FR" dirty="0">
+                <a:solidFill>
+                  <a:schemeClr val="bg2">
+                    <a:lumMod val="90000"/>
+                  </a:schemeClr>
+                </a:solidFill>
+              </a:rPr>
+              <a:t> </a:t>
+            </a:r>
+          </a:p>
+        </p:txBody>
+      </p:sp>
+      <p:pic>
+        <p:nvPicPr>
+          <p:cNvPr id="10" name="Image 9">
+            <a:extLst>
+              <a:ext uri="{FF2B5EF4-FFF2-40B4-BE49-F238E27FC236}">
+                <a16:creationId xmlns:a16="http://schemas.microsoft.com/office/drawing/2014/main" id="{1457A95A-06A6-422B-BBFB-15B689CE9577}"/>
+              </a:ext>
+            </a:extLst>
+          </p:cNvPr>
+          <p:cNvPicPr>
+            <a:picLocks noChangeAspect="1"/>
+          </p:cNvPicPr>
+          <p:nvPr/>
+        </p:nvPicPr>
+        <p:blipFill rotWithShape="1">
+          <a:blip r:embed="rId2"/>
+          <a:srcRect l="2486" t="5678" r="76964" b="14445"/>
+          <a:stretch/>
+        </p:blipFill>
+        <p:spPr>
+          <a:xfrm>
+            <a:off x="6862354" y="1927996"/>
+            <a:ext cx="1654629" cy="4843834"/>
+          </a:xfrm>
+          <a:prstGeom prst="rect">
+            <a:avLst/>
+          </a:prstGeom>
+        </p:spPr>
+      </p:pic>
+    </p:spTree>
+    <p:extLst>
+      <p:ext uri="{BB962C8B-B14F-4D97-AF65-F5344CB8AC3E}">
+        <p14:creationId xmlns:p14="http://schemas.microsoft.com/office/powerpoint/2010/main" val="3417646888"/>
+      </p:ext>
+    </p:extLst>
+  </p:cSld>
+  <p:clrMapOvr>
+    <a:masterClrMapping/>
+  </p:clrMapOvr>
+</p:sld>
+</file>
+
+<file path=ppt/slides/slide8.xml><?xml version="1.0" encoding="utf-8"?>
+<p:sld xmlns:a="http://schemas.openxmlformats.org/drawingml/2006/main" xmlns:r="http://schemas.openxmlformats.org/officeDocument/2006/relationships" xmlns:p="http://schemas.openxmlformats.org/presentationml/2006/main">
+  <p:cSld>
+    <p:spTree>
+      <p:nvGrpSpPr>
+        <p:cNvPr id="1" name=""/>
+        <p:cNvGrpSpPr/>
+        <p:nvPr/>
+      </p:nvGrpSpPr>
+      <p:grpSpPr>
+        <a:xfrm>
+          <a:off x="0" y="0"/>
+          <a:ext cx="0" cy="0"/>
+          <a:chOff x="0" y="0"/>
+          <a:chExt cx="0" cy="0"/>
+        </a:xfrm>
+      </p:grpSpPr>
       <p:sp>
         <p:nvSpPr>
           <p:cNvPr id="10" name="Espace réservé du contenu 2">
@@ -19962,7 +21958,7 @@
 </p:sld>
 </file>
 
-<file path=ppt/slides/slide8.xml><?xml version="1.0" encoding="utf-8"?>
+<file path=ppt/slides/slide9.xml><?xml version="1.0" encoding="utf-8"?>
 <p:sld xmlns:a="http://schemas.openxmlformats.org/drawingml/2006/main" xmlns:r="http://schemas.openxmlformats.org/officeDocument/2006/relationships" xmlns:p="http://schemas.openxmlformats.org/presentationml/2006/main">
   <p:cSld>
     <p:spTree>
@@ -20153,1219 +22149,6 @@
     <p:extLst>
       <p:ext uri="{BB962C8B-B14F-4D97-AF65-F5344CB8AC3E}">
         <p14:creationId xmlns:p14="http://schemas.microsoft.com/office/powerpoint/2010/main" val="656989026"/>
-      </p:ext>
-    </p:extLst>
-  </p:cSld>
-  <p:clrMapOvr>
-    <a:masterClrMapping/>
-  </p:clrMapOvr>
-</p:sld>
-</file>
-
-<file path=ppt/slides/slide9.xml><?xml version="1.0" encoding="utf-8"?>
-<p:sld xmlns:a="http://schemas.openxmlformats.org/drawingml/2006/main" xmlns:r="http://schemas.openxmlformats.org/officeDocument/2006/relationships" xmlns:p="http://schemas.openxmlformats.org/presentationml/2006/main">
-  <p:cSld>
-    <p:spTree>
-      <p:nvGrpSpPr>
-        <p:cNvPr id="1" name=""/>
-        <p:cNvGrpSpPr/>
-        <p:nvPr/>
-      </p:nvGrpSpPr>
-      <p:grpSpPr>
-        <a:xfrm>
-          <a:off x="0" y="0"/>
-          <a:ext cx="0" cy="0"/>
-          <a:chOff x="0" y="0"/>
-          <a:chExt cx="0" cy="0"/>
-        </a:xfrm>
-      </p:grpSpPr>
-      <p:pic>
-        <p:nvPicPr>
-          <p:cNvPr id="6" name="Image 5">
-            <a:extLst>
-              <a:ext uri="{FF2B5EF4-FFF2-40B4-BE49-F238E27FC236}">
-                <a16:creationId xmlns:a16="http://schemas.microsoft.com/office/drawing/2014/main" id="{976286B6-9704-435D-918A-9C4B54BCF413}"/>
-              </a:ext>
-            </a:extLst>
-          </p:cNvPr>
-          <p:cNvPicPr>
-            <a:picLocks noChangeAspect="1"/>
-          </p:cNvPicPr>
-          <p:nvPr/>
-        </p:nvPicPr>
-        <p:blipFill rotWithShape="1">
-          <a:blip r:embed="rId2"/>
-          <a:srcRect l="25658" t="8130" r="6486" b="72806"/>
-          <a:stretch/>
-        </p:blipFill>
-        <p:spPr>
-          <a:xfrm>
-            <a:off x="4422202" y="1653988"/>
-            <a:ext cx="7290184" cy="1770035"/>
-          </a:xfrm>
-          <a:prstGeom prst="rect">
-            <a:avLst/>
-          </a:prstGeom>
-        </p:spPr>
-      </p:pic>
-      <p:sp>
-        <p:nvSpPr>
-          <p:cNvPr id="9" name="Rectangle 8">
-            <a:extLst>
-              <a:ext uri="{FF2B5EF4-FFF2-40B4-BE49-F238E27FC236}">
-                <a16:creationId xmlns:a16="http://schemas.microsoft.com/office/drawing/2014/main" id="{AA82BA66-F154-4D87-898E-0B57BF73B31E}"/>
-              </a:ext>
-            </a:extLst>
-          </p:cNvPr>
-          <p:cNvSpPr/>
-          <p:nvPr/>
-        </p:nvSpPr>
-        <p:spPr>
-          <a:xfrm>
-            <a:off x="7180014" y="4557994"/>
-            <a:ext cx="3172107" cy="278786"/>
-          </a:xfrm>
-          <a:prstGeom prst="rect">
-            <a:avLst/>
-          </a:prstGeom>
-          <a:solidFill>
-            <a:schemeClr val="bg1"/>
-          </a:solidFill>
-          <a:ln>
-            <a:solidFill>
-              <a:schemeClr val="bg1"/>
-            </a:solidFill>
-          </a:ln>
-        </p:spPr>
-        <p:style>
-          <a:lnRef idx="2">
-            <a:schemeClr val="accent1">
-              <a:shade val="50000"/>
-            </a:schemeClr>
-          </a:lnRef>
-          <a:fillRef idx="1">
-            <a:schemeClr val="accent1"/>
-          </a:fillRef>
-          <a:effectRef idx="0">
-            <a:schemeClr val="accent1"/>
-          </a:effectRef>
-          <a:fontRef idx="minor">
-            <a:schemeClr val="lt1"/>
-          </a:fontRef>
-        </p:style>
-        <p:txBody>
-          <a:bodyPr rtlCol="0" anchor="ctr"/>
-          <a:lstStyle/>
-          <a:p>
-            <a:pPr algn="ctr"/>
-            <a:endParaRPr lang="fr-FR"/>
-          </a:p>
-        </p:txBody>
-      </p:sp>
-      <p:sp>
-        <p:nvSpPr>
-          <p:cNvPr id="10" name="Rectangle 9">
-            <a:extLst>
-              <a:ext uri="{FF2B5EF4-FFF2-40B4-BE49-F238E27FC236}">
-                <a16:creationId xmlns:a16="http://schemas.microsoft.com/office/drawing/2014/main" id="{A67F8941-04A6-4D24-984E-C182727EB4C1}"/>
-              </a:ext>
-            </a:extLst>
-          </p:cNvPr>
-          <p:cNvSpPr/>
-          <p:nvPr/>
-        </p:nvSpPr>
-        <p:spPr>
-          <a:xfrm>
-            <a:off x="7757152" y="6148908"/>
-            <a:ext cx="3172107" cy="278786"/>
-          </a:xfrm>
-          <a:prstGeom prst="rect">
-            <a:avLst/>
-          </a:prstGeom>
-          <a:solidFill>
-            <a:schemeClr val="bg1"/>
-          </a:solidFill>
-          <a:ln>
-            <a:solidFill>
-              <a:schemeClr val="bg1"/>
-            </a:solidFill>
-          </a:ln>
-        </p:spPr>
-        <p:style>
-          <a:lnRef idx="2">
-            <a:schemeClr val="accent1">
-              <a:shade val="50000"/>
-            </a:schemeClr>
-          </a:lnRef>
-          <a:fillRef idx="1">
-            <a:schemeClr val="accent1"/>
-          </a:fillRef>
-          <a:effectRef idx="0">
-            <a:schemeClr val="accent1"/>
-          </a:effectRef>
-          <a:fontRef idx="minor">
-            <a:schemeClr val="lt1"/>
-          </a:fontRef>
-        </p:style>
-        <p:txBody>
-          <a:bodyPr rtlCol="0" anchor="ctr"/>
-          <a:lstStyle/>
-          <a:p>
-            <a:pPr algn="ctr"/>
-            <a:endParaRPr lang="fr-FR"/>
-          </a:p>
-        </p:txBody>
-      </p:sp>
-      <p:pic>
-        <p:nvPicPr>
-          <p:cNvPr id="15" name="Espace réservé du contenu 5">
-            <a:extLst>
-              <a:ext uri="{FF2B5EF4-FFF2-40B4-BE49-F238E27FC236}">
-                <a16:creationId xmlns:a16="http://schemas.microsoft.com/office/drawing/2014/main" id="{32755F0F-1693-43B0-A1CE-44C700A2AF30}"/>
-              </a:ext>
-            </a:extLst>
-          </p:cNvPr>
-          <p:cNvPicPr>
-            <a:picLocks noChangeAspect="1"/>
-          </p:cNvPicPr>
-          <p:nvPr/>
-        </p:nvPicPr>
-        <p:blipFill>
-          <a:blip r:embed="rId3">
-            <a:extLst>
-              <a:ext uri="{28A0092B-C50C-407E-A947-70E740481C1C}">
-                <a14:useLocalDpi xmlns:a14="http://schemas.microsoft.com/office/drawing/2010/main" val="0"/>
-              </a:ext>
-            </a:extLst>
-          </a:blip>
-          <a:stretch>
-            <a:fillRect/>
-          </a:stretch>
-        </p:blipFill>
-        <p:spPr>
-          <a:xfrm>
-            <a:off x="8393308" y="1734775"/>
-            <a:ext cx="1153357" cy="1153357"/>
-          </a:xfrm>
-          <a:prstGeom prst="rect">
-            <a:avLst/>
-          </a:prstGeom>
-        </p:spPr>
-      </p:pic>
-      <p:pic>
-        <p:nvPicPr>
-          <p:cNvPr id="16" name="Espace réservé du contenu 7" descr="Une image contenant neige, extérieur, ciel, nature&#10;&#10;Description générée automatiquement">
-            <a:extLst>
-              <a:ext uri="{FF2B5EF4-FFF2-40B4-BE49-F238E27FC236}">
-                <a16:creationId xmlns:a16="http://schemas.microsoft.com/office/drawing/2014/main" id="{68F611C8-FDA9-4A43-A799-2DF9D7558A52}"/>
-              </a:ext>
-            </a:extLst>
-          </p:cNvPr>
-          <p:cNvPicPr>
-            <a:picLocks noGrp="1" noChangeAspect="1"/>
-          </p:cNvPicPr>
-          <p:nvPr>
-            <p:ph sz="half" idx="2"/>
-          </p:nvPr>
-        </p:nvPicPr>
-        <p:blipFill>
-          <a:blip r:embed="rId4">
-            <a:extLst>
-              <a:ext uri="{28A0092B-C50C-407E-A947-70E740481C1C}">
-                <a14:useLocalDpi xmlns:a14="http://schemas.microsoft.com/office/drawing/2010/main" val="0"/>
-              </a:ext>
-            </a:extLst>
-          </a:blip>
-          <a:stretch>
-            <a:fillRect/>
-          </a:stretch>
-        </p:blipFill>
-        <p:spPr>
-          <a:xfrm>
-            <a:off x="4775254" y="1734022"/>
-            <a:ext cx="1153357" cy="1153357"/>
-          </a:xfrm>
-        </p:spPr>
-      </p:pic>
-      <p:sp>
-        <p:nvSpPr>
-          <p:cNvPr id="17" name="Titre 1">
-            <a:extLst>
-              <a:ext uri="{FF2B5EF4-FFF2-40B4-BE49-F238E27FC236}">
-                <a16:creationId xmlns:a16="http://schemas.microsoft.com/office/drawing/2014/main" id="{2CCE35E2-D4E1-49EF-9FEA-8F1EC40B37FD}"/>
-              </a:ext>
-            </a:extLst>
-          </p:cNvPr>
-          <p:cNvSpPr txBox="1">
-            <a:spLocks/>
-          </p:cNvSpPr>
-          <p:nvPr/>
-        </p:nvSpPr>
-        <p:spPr>
-          <a:xfrm>
-            <a:off x="565149" y="393479"/>
-            <a:ext cx="11626851" cy="827987"/>
-          </a:xfrm>
-          <a:prstGeom prst="rect">
-            <a:avLst/>
-          </a:prstGeom>
-          <a:solidFill>
-            <a:schemeClr val="bg2"/>
-          </a:solidFill>
-        </p:spPr>
-        <p:txBody>
-          <a:bodyPr vert="horz" lIns="91440" tIns="45720" rIns="91440" bIns="45720" rtlCol="0" anchor="t">
-            <a:normAutofit/>
-          </a:bodyPr>
-          <a:lstStyle>
-            <a:lvl1pPr algn="l" defTabSz="914400" rtl="0" eaLnBrk="1" latinLnBrk="0" hangingPunct="1">
-              <a:lnSpc>
-                <a:spcPct val="100000"/>
-              </a:lnSpc>
-              <a:spcBef>
-                <a:spcPct val="0"/>
-              </a:spcBef>
-              <a:buNone/>
-              <a:defRPr sz="4400" kern="1200">
-                <a:solidFill>
-                  <a:schemeClr val="tx1"/>
-                </a:solidFill>
-                <a:latin typeface="+mj-lt"/>
-                <a:ea typeface="+mj-ea"/>
-                <a:cs typeface="+mj-cs"/>
-              </a:defRPr>
-            </a:lvl1pPr>
-          </a:lstStyle>
-          <a:p>
-            <a:r>
-              <a:rPr lang="fr-FR" sz="4800" dirty="0">
-                <a:solidFill>
-                  <a:schemeClr val="bg2">
-                    <a:lumMod val="90000"/>
-                  </a:schemeClr>
-                </a:solidFill>
-              </a:rPr>
-              <a:t>2. </a:t>
-            </a:r>
-            <a:r>
-              <a:rPr lang="fr-FR" sz="4800" dirty="0" err="1">
-                <a:solidFill>
-                  <a:schemeClr val="bg2">
-                    <a:lumMod val="90000"/>
-                  </a:schemeClr>
-                </a:solidFill>
-              </a:rPr>
-              <a:t>Experiment</a:t>
-            </a:r>
-            <a:r>
-              <a:rPr lang="fr-FR" dirty="0">
-                <a:solidFill>
-                  <a:schemeClr val="bg2">
-                    <a:lumMod val="90000"/>
-                  </a:schemeClr>
-                </a:solidFill>
-              </a:rPr>
-              <a:t> </a:t>
-            </a:r>
-          </a:p>
-        </p:txBody>
-      </p:sp>
-      <p:pic>
-        <p:nvPicPr>
-          <p:cNvPr id="13" name="Image 12">
-            <a:extLst>
-              <a:ext uri="{FF2B5EF4-FFF2-40B4-BE49-F238E27FC236}">
-                <a16:creationId xmlns:a16="http://schemas.microsoft.com/office/drawing/2014/main" id="{32DCABFF-0459-453A-94EC-FCC32D049058}"/>
-              </a:ext>
-            </a:extLst>
-          </p:cNvPr>
-          <p:cNvPicPr>
-            <a:picLocks noChangeAspect="1"/>
-          </p:cNvPicPr>
-          <p:nvPr/>
-        </p:nvPicPr>
-        <p:blipFill rotWithShape="1">
-          <a:blip r:embed="rId2"/>
-          <a:srcRect l="25977" t="56355" r="22688" b="25281"/>
-          <a:stretch/>
-        </p:blipFill>
-        <p:spPr>
-          <a:xfrm>
-            <a:off x="4422200" y="5085659"/>
-            <a:ext cx="5515176" cy="1705106"/>
-          </a:xfrm>
-          <a:prstGeom prst="rect">
-            <a:avLst/>
-          </a:prstGeom>
-        </p:spPr>
-      </p:pic>
-      <p:pic>
-        <p:nvPicPr>
-          <p:cNvPr id="19" name="Espace réservé du contenu 7" descr="Une image contenant neige, extérieur, ciel, nature&#10;&#10;Description générée automatiquement">
-            <a:extLst>
-              <a:ext uri="{FF2B5EF4-FFF2-40B4-BE49-F238E27FC236}">
-                <a16:creationId xmlns:a16="http://schemas.microsoft.com/office/drawing/2014/main" id="{EEDD2214-FB1C-41AB-8ABC-D4545089EB52}"/>
-              </a:ext>
-            </a:extLst>
-          </p:cNvPr>
-          <p:cNvPicPr>
-            <a:picLocks noChangeAspect="1"/>
-          </p:cNvPicPr>
-          <p:nvPr/>
-        </p:nvPicPr>
-        <p:blipFill>
-          <a:blip r:embed="rId4">
-            <a:extLst>
-              <a:ext uri="{28A0092B-C50C-407E-A947-70E740481C1C}">
-                <a14:useLocalDpi xmlns:a14="http://schemas.microsoft.com/office/drawing/2010/main" val="0"/>
-              </a:ext>
-            </a:extLst>
-          </a:blip>
-          <a:stretch>
-            <a:fillRect/>
-          </a:stretch>
-        </p:blipFill>
-        <p:spPr>
-          <a:xfrm>
-            <a:off x="4796527" y="5242215"/>
-            <a:ext cx="1057301" cy="1057301"/>
-          </a:xfrm>
-          <a:prstGeom prst="rect">
-            <a:avLst/>
-          </a:prstGeom>
-        </p:spPr>
-      </p:pic>
-      <p:sp>
-        <p:nvSpPr>
-          <p:cNvPr id="20" name="Rectangle 19">
-            <a:extLst>
-              <a:ext uri="{FF2B5EF4-FFF2-40B4-BE49-F238E27FC236}">
-                <a16:creationId xmlns:a16="http://schemas.microsoft.com/office/drawing/2014/main" id="{26907984-5CC5-495C-BE47-086FDBE1AE6E}"/>
-              </a:ext>
-            </a:extLst>
-          </p:cNvPr>
-          <p:cNvSpPr/>
-          <p:nvPr/>
-        </p:nvSpPr>
-        <p:spPr>
-          <a:xfrm>
-            <a:off x="7107652" y="2943704"/>
-            <a:ext cx="674854" cy="243377"/>
-          </a:xfrm>
-          <a:prstGeom prst="rect">
-            <a:avLst/>
-          </a:prstGeom>
-          <a:solidFill>
-            <a:schemeClr val="bg1"/>
-          </a:solidFill>
-          <a:ln>
-            <a:solidFill>
-              <a:schemeClr val="bg1"/>
-            </a:solidFill>
-          </a:ln>
-        </p:spPr>
-        <p:style>
-          <a:lnRef idx="2">
-            <a:schemeClr val="accent1">
-              <a:shade val="50000"/>
-            </a:schemeClr>
-          </a:lnRef>
-          <a:fillRef idx="1">
-            <a:schemeClr val="accent1"/>
-          </a:fillRef>
-          <a:effectRef idx="0">
-            <a:schemeClr val="accent1"/>
-          </a:effectRef>
-          <a:fontRef idx="minor">
-            <a:schemeClr val="lt1"/>
-          </a:fontRef>
-        </p:style>
-        <p:txBody>
-          <a:bodyPr rtlCol="0" anchor="ctr"/>
-          <a:lstStyle/>
-          <a:p>
-            <a:pPr algn="ctr"/>
-            <a:endParaRPr lang="fr-FR"/>
-          </a:p>
-        </p:txBody>
-      </p:sp>
-      <p:pic>
-        <p:nvPicPr>
-          <p:cNvPr id="21" name="Image 20">
-            <a:extLst>
-              <a:ext uri="{FF2B5EF4-FFF2-40B4-BE49-F238E27FC236}">
-                <a16:creationId xmlns:a16="http://schemas.microsoft.com/office/drawing/2014/main" id="{DB74790F-60FD-4372-AB89-08C6934D43E7}"/>
-              </a:ext>
-            </a:extLst>
-          </p:cNvPr>
-          <p:cNvPicPr>
-            <a:picLocks noChangeAspect="1"/>
-          </p:cNvPicPr>
-          <p:nvPr/>
-        </p:nvPicPr>
-        <p:blipFill rotWithShape="1">
-          <a:blip r:embed="rId2"/>
-          <a:srcRect l="25658" t="8130" r="6486" b="72806"/>
-          <a:stretch/>
-        </p:blipFill>
-        <p:spPr>
-          <a:xfrm>
-            <a:off x="4422200" y="3385548"/>
-            <a:ext cx="7290184" cy="1770035"/>
-          </a:xfrm>
-          <a:prstGeom prst="rect">
-            <a:avLst/>
-          </a:prstGeom>
-        </p:spPr>
-      </p:pic>
-      <p:pic>
-        <p:nvPicPr>
-          <p:cNvPr id="18" name="Espace réservé du contenu 5">
-            <a:extLst>
-              <a:ext uri="{FF2B5EF4-FFF2-40B4-BE49-F238E27FC236}">
-                <a16:creationId xmlns:a16="http://schemas.microsoft.com/office/drawing/2014/main" id="{65CE61D0-1152-44D6-AD34-CE1B92FDCCF8}"/>
-              </a:ext>
-            </a:extLst>
-          </p:cNvPr>
-          <p:cNvPicPr>
-            <a:picLocks noChangeAspect="1"/>
-          </p:cNvPicPr>
-          <p:nvPr/>
-        </p:nvPicPr>
-        <p:blipFill>
-          <a:blip r:embed="rId3">
-            <a:extLst>
-              <a:ext uri="{28A0092B-C50C-407E-A947-70E740481C1C}">
-                <a14:useLocalDpi xmlns:a14="http://schemas.microsoft.com/office/drawing/2010/main" val="0"/>
-              </a:ext>
-            </a:extLst>
-          </a:blip>
-          <a:stretch>
-            <a:fillRect/>
-          </a:stretch>
-        </p:blipFill>
-        <p:spPr>
-          <a:xfrm>
-            <a:off x="4778564" y="3499384"/>
-            <a:ext cx="1075264" cy="1075264"/>
-          </a:xfrm>
-          <a:prstGeom prst="rect">
-            <a:avLst/>
-          </a:prstGeom>
-        </p:spPr>
-      </p:pic>
-      <p:pic>
-        <p:nvPicPr>
-          <p:cNvPr id="12" name="Image 11">
-            <a:extLst>
-              <a:ext uri="{FF2B5EF4-FFF2-40B4-BE49-F238E27FC236}">
-                <a16:creationId xmlns:a16="http://schemas.microsoft.com/office/drawing/2014/main" id="{203D4A66-4CB1-49A8-AC21-9B41CE03B9F9}"/>
-              </a:ext>
-            </a:extLst>
-          </p:cNvPr>
-          <p:cNvPicPr>
-            <a:picLocks noChangeAspect="1"/>
-          </p:cNvPicPr>
-          <p:nvPr/>
-        </p:nvPicPr>
-        <p:blipFill rotWithShape="1">
-          <a:blip r:embed="rId2"/>
-          <a:srcRect l="42570" t="45383" r="39157" b="50578"/>
-          <a:stretch/>
-        </p:blipFill>
-        <p:spPr>
-          <a:xfrm>
-            <a:off x="8014457" y="4676569"/>
-            <a:ext cx="1963271" cy="374839"/>
-          </a:xfrm>
-          <a:prstGeom prst="rect">
-            <a:avLst/>
-          </a:prstGeom>
-        </p:spPr>
-      </p:pic>
-      <p:pic>
-        <p:nvPicPr>
-          <p:cNvPr id="23" name="Image 22">
-            <a:extLst>
-              <a:ext uri="{FF2B5EF4-FFF2-40B4-BE49-F238E27FC236}">
-                <a16:creationId xmlns:a16="http://schemas.microsoft.com/office/drawing/2014/main" id="{21EB04EA-01E1-4381-AB7A-87756D135927}"/>
-              </a:ext>
-            </a:extLst>
-          </p:cNvPr>
-          <p:cNvPicPr>
-            <a:picLocks noChangeAspect="1"/>
-          </p:cNvPicPr>
-          <p:nvPr/>
-        </p:nvPicPr>
-        <p:blipFill rotWithShape="1">
-          <a:blip r:embed="rId2"/>
-          <a:srcRect l="25341" t="45521" r="60319" b="50362"/>
-          <a:stretch/>
-        </p:blipFill>
-        <p:spPr>
-          <a:xfrm>
-            <a:off x="4521068" y="4642220"/>
-            <a:ext cx="1540702" cy="382188"/>
-          </a:xfrm>
-          <a:prstGeom prst="rect">
-            <a:avLst/>
-          </a:prstGeom>
-        </p:spPr>
-      </p:pic>
-      <p:pic>
-        <p:nvPicPr>
-          <p:cNvPr id="24" name="Image 23" descr="Une image contenant pièce de monnaie&#10;&#10;Description générée automatiquement">
-            <a:extLst>
-              <a:ext uri="{FF2B5EF4-FFF2-40B4-BE49-F238E27FC236}">
-                <a16:creationId xmlns:a16="http://schemas.microsoft.com/office/drawing/2014/main" id="{9EDA45F4-D89D-45D6-9348-46B68CE1E99C}"/>
-              </a:ext>
-            </a:extLst>
-          </p:cNvPr>
-          <p:cNvPicPr>
-            <a:picLocks noChangeAspect="1"/>
-          </p:cNvPicPr>
-          <p:nvPr/>
-        </p:nvPicPr>
-        <p:blipFill>
-          <a:blip r:embed="rId5">
-            <a:extLst>
-              <a:ext uri="{28A0092B-C50C-407E-A947-70E740481C1C}">
-                <a14:useLocalDpi xmlns:a14="http://schemas.microsoft.com/office/drawing/2010/main" val="0"/>
-              </a:ext>
-            </a:extLst>
-          </a:blip>
-          <a:stretch>
-            <a:fillRect/>
-          </a:stretch>
-        </p:blipFill>
-        <p:spPr>
-          <a:xfrm>
-            <a:off x="8444059" y="3512831"/>
-            <a:ext cx="1075265" cy="1075265"/>
-          </a:xfrm>
-          <a:prstGeom prst="rect">
-            <a:avLst/>
-          </a:prstGeom>
-        </p:spPr>
-      </p:pic>
-      <p:pic>
-        <p:nvPicPr>
-          <p:cNvPr id="25" name="Image 24">
-            <a:extLst>
-              <a:ext uri="{FF2B5EF4-FFF2-40B4-BE49-F238E27FC236}">
-                <a16:creationId xmlns:a16="http://schemas.microsoft.com/office/drawing/2014/main" id="{BEB86812-D801-49D7-B88D-DB6C175A4F1C}"/>
-              </a:ext>
-            </a:extLst>
-          </p:cNvPr>
-          <p:cNvPicPr>
-            <a:picLocks noChangeAspect="1"/>
-          </p:cNvPicPr>
-          <p:nvPr/>
-        </p:nvPicPr>
-        <p:blipFill rotWithShape="1">
-          <a:blip r:embed="rId2"/>
-          <a:srcRect l="25341" t="45521" r="60319" b="50362"/>
-          <a:stretch/>
-        </p:blipFill>
-        <p:spPr>
-          <a:xfrm>
-            <a:off x="4503684" y="2951374"/>
-            <a:ext cx="1540702" cy="382188"/>
-          </a:xfrm>
-          <a:prstGeom prst="rect">
-            <a:avLst/>
-          </a:prstGeom>
-        </p:spPr>
-      </p:pic>
-      <p:pic>
-        <p:nvPicPr>
-          <p:cNvPr id="26" name="Image 25">
-            <a:extLst>
-              <a:ext uri="{FF2B5EF4-FFF2-40B4-BE49-F238E27FC236}">
-                <a16:creationId xmlns:a16="http://schemas.microsoft.com/office/drawing/2014/main" id="{E253EB10-5A25-4E33-BFDC-07F3EB97D9CD}"/>
-              </a:ext>
-            </a:extLst>
-          </p:cNvPr>
-          <p:cNvPicPr>
-            <a:picLocks noChangeAspect="1"/>
-          </p:cNvPicPr>
-          <p:nvPr/>
-        </p:nvPicPr>
-        <p:blipFill rotWithShape="1">
-          <a:blip r:embed="rId2"/>
-          <a:srcRect l="25341" t="45521" r="60319" b="50362"/>
-          <a:stretch/>
-        </p:blipFill>
-        <p:spPr>
-          <a:xfrm>
-            <a:off x="8108035" y="2938246"/>
-            <a:ext cx="1540702" cy="382188"/>
-          </a:xfrm>
-          <a:prstGeom prst="rect">
-            <a:avLst/>
-          </a:prstGeom>
-        </p:spPr>
-      </p:pic>
-      <p:sp>
-        <p:nvSpPr>
-          <p:cNvPr id="28" name="Espace réservé du contenu 27">
-            <a:extLst>
-              <a:ext uri="{FF2B5EF4-FFF2-40B4-BE49-F238E27FC236}">
-                <a16:creationId xmlns:a16="http://schemas.microsoft.com/office/drawing/2014/main" id="{7FD5BA5F-33FB-4660-B4DD-D883C6FB302C}"/>
-              </a:ext>
-            </a:extLst>
-          </p:cNvPr>
-          <p:cNvSpPr>
-            <a:spLocks noGrp="1"/>
-          </p:cNvSpPr>
-          <p:nvPr>
-            <p:ph sz="half" idx="1"/>
-          </p:nvPr>
-        </p:nvSpPr>
-        <p:spPr>
-          <a:xfrm>
-            <a:off x="2715047" y="2396142"/>
-            <a:ext cx="1760685" cy="4461858"/>
-          </a:xfrm>
-        </p:spPr>
-        <p:txBody>
-          <a:bodyPr>
-            <a:normAutofit/>
-          </a:bodyPr>
-          <a:lstStyle/>
-          <a:p>
-            <a:pPr marL="0" indent="0" algn="r">
-              <a:buNone/>
-            </a:pPr>
-            <a:r>
-              <a:rPr lang="fr-FR" b="1" dirty="0"/>
-              <a:t>Association </a:t>
-            </a:r>
-          </a:p>
-          <a:p>
-            <a:pPr algn="r"/>
-            <a:endParaRPr lang="fr-FR" b="1" dirty="0"/>
-          </a:p>
-          <a:p>
-            <a:pPr marL="0" indent="0" algn="r">
-              <a:buNone/>
-            </a:pPr>
-            <a:endParaRPr lang="fr-FR" sz="4400" b="1" dirty="0"/>
-          </a:p>
-          <a:p>
-            <a:pPr marL="0" indent="0" algn="r">
-              <a:buNone/>
-            </a:pPr>
-            <a:r>
-              <a:rPr lang="fr-FR" b="1" dirty="0" err="1"/>
-              <a:t>Reward</a:t>
-            </a:r>
-            <a:endParaRPr lang="fr-FR" b="1" dirty="0"/>
-          </a:p>
-          <a:p>
-            <a:pPr algn="r"/>
-            <a:endParaRPr lang="fr-FR" b="1" dirty="0"/>
-          </a:p>
-          <a:p>
-            <a:pPr algn="r"/>
-            <a:endParaRPr lang="fr-FR" sz="4000" b="1" dirty="0"/>
-          </a:p>
-          <a:p>
-            <a:pPr marL="0" indent="0" algn="r">
-              <a:buNone/>
-            </a:pPr>
-            <a:r>
-              <a:rPr lang="fr-FR" b="1" dirty="0" err="1"/>
-              <a:t>Decision</a:t>
-            </a:r>
-            <a:r>
-              <a:rPr lang="fr-FR" b="1" dirty="0"/>
-              <a:t> </a:t>
-            </a:r>
-          </a:p>
-        </p:txBody>
-      </p:sp>
-      <p:sp>
-        <p:nvSpPr>
-          <p:cNvPr id="29" name="Rectangle 28">
-            <a:extLst>
-              <a:ext uri="{FF2B5EF4-FFF2-40B4-BE49-F238E27FC236}">
-                <a16:creationId xmlns:a16="http://schemas.microsoft.com/office/drawing/2014/main" id="{0E51E5EB-0B26-405B-8FDB-EDAF44C86871}"/>
-              </a:ext>
-            </a:extLst>
-          </p:cNvPr>
-          <p:cNvSpPr/>
-          <p:nvPr/>
-        </p:nvSpPr>
-        <p:spPr>
-          <a:xfrm>
-            <a:off x="7107652" y="4653623"/>
-            <a:ext cx="674854" cy="310269"/>
-          </a:xfrm>
-          <a:prstGeom prst="rect">
-            <a:avLst/>
-          </a:prstGeom>
-          <a:solidFill>
-            <a:schemeClr val="bg1"/>
-          </a:solidFill>
-          <a:ln>
-            <a:solidFill>
-              <a:schemeClr val="bg1"/>
-            </a:solidFill>
-          </a:ln>
-        </p:spPr>
-        <p:style>
-          <a:lnRef idx="2">
-            <a:schemeClr val="accent1">
-              <a:shade val="50000"/>
-            </a:schemeClr>
-          </a:lnRef>
-          <a:fillRef idx="1">
-            <a:schemeClr val="accent1"/>
-          </a:fillRef>
-          <a:effectRef idx="0">
-            <a:schemeClr val="accent1"/>
-          </a:effectRef>
-          <a:fontRef idx="minor">
-            <a:schemeClr val="lt1"/>
-          </a:fontRef>
-        </p:style>
-        <p:txBody>
-          <a:bodyPr rtlCol="0" anchor="ctr"/>
-          <a:lstStyle/>
-          <a:p>
-            <a:pPr algn="ctr"/>
-            <a:endParaRPr lang="fr-FR"/>
-          </a:p>
-        </p:txBody>
-      </p:sp>
-      <p:sp>
-        <p:nvSpPr>
-          <p:cNvPr id="30" name="Titre 1">
-            <a:extLst>
-              <a:ext uri="{FF2B5EF4-FFF2-40B4-BE49-F238E27FC236}">
-                <a16:creationId xmlns:a16="http://schemas.microsoft.com/office/drawing/2014/main" id="{38BCCCBD-ED28-4795-BD51-25794A39C832}"/>
-              </a:ext>
-            </a:extLst>
-          </p:cNvPr>
-          <p:cNvSpPr>
-            <a:spLocks noGrp="1"/>
-          </p:cNvSpPr>
-          <p:nvPr>
-            <p:ph type="title"/>
-          </p:nvPr>
-        </p:nvSpPr>
-        <p:spPr>
-          <a:xfrm>
-            <a:off x="565150" y="1204913"/>
-            <a:ext cx="8267700" cy="758707"/>
-          </a:xfrm>
-        </p:spPr>
-        <p:txBody>
-          <a:bodyPr>
-            <a:normAutofit/>
-          </a:bodyPr>
-          <a:lstStyle/>
-          <a:p>
-            <a:r>
-              <a:rPr lang="fr-FR" sz="3600" dirty="0">
-                <a:solidFill>
-                  <a:schemeClr val="tx2">
-                    <a:lumMod val="75000"/>
-                    <a:lumOff val="25000"/>
-                  </a:schemeClr>
-                </a:solidFill>
-              </a:rPr>
-              <a:t>2.1 Design</a:t>
-            </a:r>
-          </a:p>
-        </p:txBody>
-      </p:sp>
-      <p:sp>
-        <p:nvSpPr>
-          <p:cNvPr id="32" name="Espace réservé du contenu 2">
-            <a:extLst>
-              <a:ext uri="{FF2B5EF4-FFF2-40B4-BE49-F238E27FC236}">
-                <a16:creationId xmlns:a16="http://schemas.microsoft.com/office/drawing/2014/main" id="{143C07E0-BC57-4042-95B7-88575080E5C3}"/>
-              </a:ext>
-            </a:extLst>
-          </p:cNvPr>
-          <p:cNvSpPr txBox="1">
-            <a:spLocks/>
-          </p:cNvSpPr>
-          <p:nvPr/>
-        </p:nvSpPr>
-        <p:spPr>
-          <a:xfrm>
-            <a:off x="540883" y="2707284"/>
-            <a:ext cx="2066781" cy="3189733"/>
-          </a:xfrm>
-          <a:prstGeom prst="rect">
-            <a:avLst/>
-          </a:prstGeom>
-        </p:spPr>
-        <p:txBody>
-          <a:bodyPr vert="horz" lIns="91440" tIns="45720" rIns="91440" bIns="45720" rtlCol="0">
-            <a:normAutofit/>
-          </a:bodyPr>
-          <a:lstStyle>
-            <a:lvl1pPr marL="228600" indent="-228600" algn="l" defTabSz="914400" rtl="0" eaLnBrk="1" latinLnBrk="0" hangingPunct="1">
-              <a:lnSpc>
-                <a:spcPct val="100000"/>
-              </a:lnSpc>
-              <a:spcBef>
-                <a:spcPts val="1000"/>
-              </a:spcBef>
-              <a:buFont typeface="System Font Regular"/>
-              <a:buChar char="–"/>
-              <a:defRPr sz="2400" b="0" i="0" kern="1200">
-                <a:solidFill>
-                  <a:schemeClr val="tx1"/>
-                </a:solidFill>
-                <a:latin typeface="+mn-lt"/>
-                <a:ea typeface="+mn-ea"/>
-                <a:cs typeface="+mn-cs"/>
-              </a:defRPr>
-            </a:lvl1pPr>
-            <a:lvl2pPr marL="685800" indent="-228600" algn="l" defTabSz="914400" rtl="0" eaLnBrk="1" latinLnBrk="0" hangingPunct="1">
-              <a:lnSpc>
-                <a:spcPct val="100000"/>
-              </a:lnSpc>
-              <a:spcBef>
-                <a:spcPts val="500"/>
-              </a:spcBef>
-              <a:buFont typeface="System Font Regular"/>
-              <a:buChar char="–"/>
-              <a:defRPr sz="2000" b="0" i="0" kern="1200">
-                <a:solidFill>
-                  <a:schemeClr val="tx1"/>
-                </a:solidFill>
-                <a:latin typeface="+mn-lt"/>
-                <a:ea typeface="+mn-ea"/>
-                <a:cs typeface="+mn-cs"/>
-              </a:defRPr>
-            </a:lvl2pPr>
-            <a:lvl3pPr marL="1143000" indent="-228600" algn="l" defTabSz="914400" rtl="0" eaLnBrk="1" latinLnBrk="0" hangingPunct="1">
-              <a:lnSpc>
-                <a:spcPct val="100000"/>
-              </a:lnSpc>
-              <a:spcBef>
-                <a:spcPts val="500"/>
-              </a:spcBef>
-              <a:buFont typeface="System Font Regular"/>
-              <a:buChar char="–"/>
-              <a:defRPr sz="1800" b="0" i="0" kern="1200">
-                <a:solidFill>
-                  <a:schemeClr val="tx1"/>
-                </a:solidFill>
-                <a:latin typeface="+mn-lt"/>
-                <a:ea typeface="+mn-ea"/>
-                <a:cs typeface="+mn-cs"/>
-              </a:defRPr>
-            </a:lvl3pPr>
-            <a:lvl4pPr marL="1600200" indent="-228600" algn="l" defTabSz="914400" rtl="0" eaLnBrk="1" latinLnBrk="0" hangingPunct="1">
-              <a:lnSpc>
-                <a:spcPct val="100000"/>
-              </a:lnSpc>
-              <a:spcBef>
-                <a:spcPts val="500"/>
-              </a:spcBef>
-              <a:buFont typeface="System Font Regular"/>
-              <a:buChar char="–"/>
-              <a:defRPr sz="1600" b="0" i="0" kern="1200">
-                <a:solidFill>
-                  <a:schemeClr val="tx1"/>
-                </a:solidFill>
-                <a:latin typeface="+mn-lt"/>
-                <a:ea typeface="+mn-ea"/>
-                <a:cs typeface="+mn-cs"/>
-              </a:defRPr>
-            </a:lvl4pPr>
-            <a:lvl5pPr marL="2057400" indent="-228600" algn="l" defTabSz="914400" rtl="0" eaLnBrk="1" latinLnBrk="0" hangingPunct="1">
-              <a:lnSpc>
-                <a:spcPct val="100000"/>
-              </a:lnSpc>
-              <a:spcBef>
-                <a:spcPts val="500"/>
-              </a:spcBef>
-              <a:buFont typeface="System Font Regular"/>
-              <a:buChar char="–"/>
-              <a:defRPr sz="1600" b="0" i="0" kern="1200">
-                <a:solidFill>
-                  <a:schemeClr val="tx1"/>
-                </a:solidFill>
-                <a:latin typeface="+mn-lt"/>
-                <a:ea typeface="+mn-ea"/>
-                <a:cs typeface="+mn-cs"/>
-              </a:defRPr>
-            </a:lvl5pPr>
-            <a:lvl6pPr marL="2514600" indent="-228600" algn="l" defTabSz="914400" rtl="0" eaLnBrk="1" latinLnBrk="0" hangingPunct="1">
-              <a:lnSpc>
-                <a:spcPct val="90000"/>
-              </a:lnSpc>
-              <a:spcBef>
-                <a:spcPts val="500"/>
-              </a:spcBef>
-              <a:buFont typeface="Arial" panose="020B0604020202020204" pitchFamily="34" charset="0"/>
-              <a:buChar char="•"/>
-              <a:defRPr sz="1800" kern="1200">
-                <a:solidFill>
-                  <a:schemeClr val="tx1"/>
-                </a:solidFill>
-                <a:latin typeface="+mn-lt"/>
-                <a:ea typeface="+mn-ea"/>
-                <a:cs typeface="+mn-cs"/>
-              </a:defRPr>
-            </a:lvl6pPr>
-            <a:lvl7pPr marL="2971800" indent="-228600" algn="l" defTabSz="914400" rtl="0" eaLnBrk="1" latinLnBrk="0" hangingPunct="1">
-              <a:lnSpc>
-                <a:spcPct val="90000"/>
-              </a:lnSpc>
-              <a:spcBef>
-                <a:spcPts val="500"/>
-              </a:spcBef>
-              <a:buFont typeface="Arial" panose="020B0604020202020204" pitchFamily="34" charset="0"/>
-              <a:buChar char="•"/>
-              <a:defRPr sz="1800" kern="1200">
-                <a:solidFill>
-                  <a:schemeClr val="tx1"/>
-                </a:solidFill>
-                <a:latin typeface="+mn-lt"/>
-                <a:ea typeface="+mn-ea"/>
-                <a:cs typeface="+mn-cs"/>
-              </a:defRPr>
-            </a:lvl7pPr>
-            <a:lvl8pPr marL="3429000" indent="-228600" algn="l" defTabSz="914400" rtl="0" eaLnBrk="1" latinLnBrk="0" hangingPunct="1">
-              <a:lnSpc>
-                <a:spcPct val="90000"/>
-              </a:lnSpc>
-              <a:spcBef>
-                <a:spcPts val="500"/>
-              </a:spcBef>
-              <a:buFont typeface="Arial" panose="020B0604020202020204" pitchFamily="34" charset="0"/>
-              <a:buChar char="•"/>
-              <a:defRPr sz="1800" kern="1200">
-                <a:solidFill>
-                  <a:schemeClr val="tx1"/>
-                </a:solidFill>
-                <a:latin typeface="+mn-lt"/>
-                <a:ea typeface="+mn-ea"/>
-                <a:cs typeface="+mn-cs"/>
-              </a:defRPr>
-            </a:lvl8pPr>
-            <a:lvl9pPr marL="3886200" indent="-228600" algn="l" defTabSz="914400" rtl="0" eaLnBrk="1" latinLnBrk="0" hangingPunct="1">
-              <a:lnSpc>
-                <a:spcPct val="90000"/>
-              </a:lnSpc>
-              <a:spcBef>
-                <a:spcPts val="500"/>
-              </a:spcBef>
-              <a:buFont typeface="Arial" panose="020B0604020202020204" pitchFamily="34" charset="0"/>
-              <a:buChar char="•"/>
-              <a:defRPr sz="1800" kern="1200">
-                <a:solidFill>
-                  <a:schemeClr val="tx1"/>
-                </a:solidFill>
-                <a:latin typeface="+mn-lt"/>
-                <a:ea typeface="+mn-ea"/>
-                <a:cs typeface="+mn-cs"/>
-              </a:defRPr>
-            </a:lvl9pPr>
-          </a:lstStyle>
-          <a:p>
-            <a:r>
-              <a:rPr lang="fr-FR" dirty="0" err="1"/>
-              <a:t>Localizer</a:t>
-            </a:r>
-            <a:endParaRPr lang="fr-FR" dirty="0"/>
-          </a:p>
-          <a:p>
-            <a:endParaRPr lang="fr-FR" dirty="0"/>
-          </a:p>
-          <a:p>
-            <a:r>
-              <a:rPr lang="fr-FR" dirty="0" err="1"/>
-              <a:t>Distractor</a:t>
-            </a:r>
-            <a:r>
-              <a:rPr lang="fr-FR" dirty="0"/>
-              <a:t> </a:t>
-            </a:r>
-            <a:r>
-              <a:rPr lang="fr-FR" sz="1800" dirty="0"/>
-              <a:t>(</a:t>
-            </a:r>
-            <a:r>
-              <a:rPr lang="fr-FR" sz="1800" dirty="0" err="1"/>
-              <a:t>avoid</a:t>
-            </a:r>
-            <a:r>
-              <a:rPr lang="fr-FR" sz="1800" dirty="0"/>
-              <a:t> </a:t>
-            </a:r>
-            <a:r>
-              <a:rPr lang="fr-FR" sz="1800" dirty="0" err="1"/>
-              <a:t>recency</a:t>
-            </a:r>
-            <a:r>
-              <a:rPr lang="fr-FR" sz="1800" dirty="0"/>
-              <a:t> </a:t>
-            </a:r>
-            <a:r>
-              <a:rPr lang="fr-FR" sz="1800" dirty="0" err="1"/>
-              <a:t>effects</a:t>
-            </a:r>
-            <a:r>
-              <a:rPr lang="fr-FR" sz="1800" dirty="0"/>
-              <a:t>)</a:t>
-            </a:r>
-          </a:p>
-          <a:p>
-            <a:endParaRPr lang="fr-FR" dirty="0"/>
-          </a:p>
-          <a:p>
-            <a:r>
-              <a:rPr lang="fr-FR" dirty="0"/>
-              <a:t>Memory</a:t>
-            </a:r>
-          </a:p>
-          <a:p>
-            <a:endParaRPr lang="fr-FR" dirty="0"/>
-          </a:p>
-          <a:p>
-            <a:endParaRPr lang="fr-FR" dirty="0"/>
-          </a:p>
-        </p:txBody>
-      </p:sp>
-      <p:cxnSp>
-        <p:nvCxnSpPr>
-          <p:cNvPr id="34" name="Connecteur droit avec flèche 33">
-            <a:extLst>
-              <a:ext uri="{FF2B5EF4-FFF2-40B4-BE49-F238E27FC236}">
-                <a16:creationId xmlns:a16="http://schemas.microsoft.com/office/drawing/2014/main" id="{D14F94B0-9146-48DA-A9BA-F3CCB782FEC2}"/>
-              </a:ext>
-            </a:extLst>
-          </p:cNvPr>
-          <p:cNvCxnSpPr>
-            <a:cxnSpLocks/>
-            <a:stCxn id="32" idx="0"/>
-          </p:cNvCxnSpPr>
-          <p:nvPr/>
-        </p:nvCxnSpPr>
-        <p:spPr>
-          <a:xfrm flipV="1">
-            <a:off x="1574274" y="1382591"/>
-            <a:ext cx="2847926" cy="1324693"/>
-          </a:xfrm>
-          <a:prstGeom prst="straightConnector1">
-            <a:avLst/>
-          </a:prstGeom>
-          <a:ln w="57150">
-            <a:tailEnd type="triangle"/>
-          </a:ln>
-        </p:spPr>
-        <p:style>
-          <a:lnRef idx="1">
-            <a:schemeClr val="accent1"/>
-          </a:lnRef>
-          <a:fillRef idx="0">
-            <a:schemeClr val="accent1"/>
-          </a:fillRef>
-          <a:effectRef idx="0">
-            <a:schemeClr val="accent1"/>
-          </a:effectRef>
-          <a:fontRef idx="minor">
-            <a:schemeClr val="tx1"/>
-          </a:fontRef>
-        </p:style>
-      </p:cxnSp>
-      <p:cxnSp>
-        <p:nvCxnSpPr>
-          <p:cNvPr id="35" name="Connecteur droit avec flèche 34">
-            <a:extLst>
-              <a:ext uri="{FF2B5EF4-FFF2-40B4-BE49-F238E27FC236}">
-                <a16:creationId xmlns:a16="http://schemas.microsoft.com/office/drawing/2014/main" id="{BCB0C5F9-2E57-4537-BFBC-E478B9E62478}"/>
-              </a:ext>
-            </a:extLst>
-          </p:cNvPr>
-          <p:cNvCxnSpPr>
-            <a:cxnSpLocks/>
-          </p:cNvCxnSpPr>
-          <p:nvPr/>
-        </p:nvCxnSpPr>
-        <p:spPr>
-          <a:xfrm>
-            <a:off x="1654952" y="4486224"/>
-            <a:ext cx="2491723" cy="565184"/>
-          </a:xfrm>
-          <a:prstGeom prst="straightConnector1">
-            <a:avLst/>
-          </a:prstGeom>
-          <a:ln w="57150">
-            <a:tailEnd type="triangle"/>
-          </a:ln>
-        </p:spPr>
-        <p:style>
-          <a:lnRef idx="1">
-            <a:schemeClr val="accent1"/>
-          </a:lnRef>
-          <a:fillRef idx="0">
-            <a:schemeClr val="accent1"/>
-          </a:fillRef>
-          <a:effectRef idx="0">
-            <a:schemeClr val="accent1"/>
-          </a:effectRef>
-          <a:fontRef idx="minor">
-            <a:schemeClr val="tx1"/>
-          </a:fontRef>
-        </p:style>
-      </p:cxnSp>
-      <p:cxnSp>
-        <p:nvCxnSpPr>
-          <p:cNvPr id="38" name="Connecteur droit avec flèche 37">
-            <a:extLst>
-              <a:ext uri="{FF2B5EF4-FFF2-40B4-BE49-F238E27FC236}">
-                <a16:creationId xmlns:a16="http://schemas.microsoft.com/office/drawing/2014/main" id="{6B858130-94BE-4B48-A68F-5F6E5425BAE0}"/>
-              </a:ext>
-            </a:extLst>
-          </p:cNvPr>
-          <p:cNvCxnSpPr>
-            <a:cxnSpLocks/>
-            <a:stCxn id="32" idx="2"/>
-          </p:cNvCxnSpPr>
-          <p:nvPr/>
-        </p:nvCxnSpPr>
-        <p:spPr>
-          <a:xfrm>
-            <a:off x="1574274" y="5897017"/>
-            <a:ext cx="2394707" cy="743664"/>
-          </a:xfrm>
-          <a:prstGeom prst="straightConnector1">
-            <a:avLst/>
-          </a:prstGeom>
-          <a:ln w="57150">
-            <a:tailEnd type="triangle"/>
-          </a:ln>
-        </p:spPr>
-        <p:style>
-          <a:lnRef idx="1">
-            <a:schemeClr val="accent1"/>
-          </a:lnRef>
-          <a:fillRef idx="0">
-            <a:schemeClr val="accent1"/>
-          </a:fillRef>
-          <a:effectRef idx="0">
-            <a:schemeClr val="accent1"/>
-          </a:effectRef>
-          <a:fontRef idx="minor">
-            <a:schemeClr val="tx1"/>
-          </a:fontRef>
-        </p:style>
-      </p:cxnSp>
-    </p:spTree>
-    <p:extLst>
-      <p:ext uri="{BB962C8B-B14F-4D97-AF65-F5344CB8AC3E}">
-        <p14:creationId xmlns:p14="http://schemas.microsoft.com/office/powerpoint/2010/main" val="2463946576"/>
       </p:ext>
     </p:extLst>
   </p:cSld>
@@ -21574,4 +22357,299 @@
     </a:ext>
   </a:extLst>
 </a:theme>
+</file>
+
+<file path=ppt/theme/theme2.xml><?xml version="1.0" encoding="utf-8"?>
+<a:theme xmlns:a="http://schemas.openxmlformats.org/drawingml/2006/main" name="Thème Office">
+  <a:themeElements>
+    <a:clrScheme name="Office">
+      <a:dk1>
+        <a:sysClr val="windowText" lastClr="000000"/>
+      </a:dk1>
+      <a:lt1>
+        <a:sysClr val="window" lastClr="FFFFFF"/>
+      </a:lt1>
+      <a:dk2>
+        <a:srgbClr val="44546A"/>
+      </a:dk2>
+      <a:lt2>
+        <a:srgbClr val="E7E6E6"/>
+      </a:lt2>
+      <a:accent1>
+        <a:srgbClr val="4472C4"/>
+      </a:accent1>
+      <a:accent2>
+        <a:srgbClr val="ED7D31"/>
+      </a:accent2>
+      <a:accent3>
+        <a:srgbClr val="A5A5A5"/>
+      </a:accent3>
+      <a:accent4>
+        <a:srgbClr val="FFC000"/>
+      </a:accent4>
+      <a:accent5>
+        <a:srgbClr val="5B9BD5"/>
+      </a:accent5>
+      <a:accent6>
+        <a:srgbClr val="70AD47"/>
+      </a:accent6>
+      <a:hlink>
+        <a:srgbClr val="0563C1"/>
+      </a:hlink>
+      <a:folHlink>
+        <a:srgbClr val="954F72"/>
+      </a:folHlink>
+    </a:clrScheme>
+    <a:fontScheme name="Office">
+      <a:majorFont>
+        <a:latin typeface="Calibri Light" panose="020F0302020204030204"/>
+        <a:ea typeface=""/>
+        <a:cs typeface=""/>
+        <a:font script="Jpan" typeface="游ゴシック Light"/>
+        <a:font script="Hang" typeface="맑은 고딕"/>
+        <a:font script="Hans" typeface="等线 Light"/>
+        <a:font script="Hant" typeface="新細明體"/>
+        <a:font script="Arab" typeface="Times New Roman"/>
+        <a:font script="Hebr" typeface="Times New Roman"/>
+        <a:font script="Thai" typeface="Angsana New"/>
+        <a:font script="Ethi" typeface="Nyala"/>
+        <a:font script="Beng" typeface="Vrinda"/>
+        <a:font script="Gujr" typeface="Shruti"/>
+        <a:font script="Khmr" typeface="MoolBoran"/>
+        <a:font script="Knda" typeface="Tunga"/>
+        <a:font script="Guru" typeface="Raavi"/>
+        <a:font script="Cans" typeface="Euphemia"/>
+        <a:font script="Cher" typeface="Plantagenet Cherokee"/>
+        <a:font script="Yiii" typeface="Microsoft Yi Baiti"/>
+        <a:font script="Tibt" typeface="Microsoft Himalaya"/>
+        <a:font script="Thaa" typeface="MV Boli"/>
+        <a:font script="Deva" typeface="Mangal"/>
+        <a:font script="Telu" typeface="Gautami"/>
+        <a:font script="Taml" typeface="Latha"/>
+        <a:font script="Syrc" typeface="Estrangelo Edessa"/>
+        <a:font script="Orya" typeface="Kalinga"/>
+        <a:font script="Mlym" typeface="Kartika"/>
+        <a:font script="Laoo" typeface="DokChampa"/>
+        <a:font script="Sinh" typeface="Iskoola Pota"/>
+        <a:font script="Mong" typeface="Mongolian Baiti"/>
+        <a:font script="Viet" typeface="Times New Roman"/>
+        <a:font script="Uigh" typeface="Microsoft Uighur"/>
+        <a:font script="Geor" typeface="Sylfaen"/>
+        <a:font script="Armn" typeface="Arial"/>
+        <a:font script="Bugi" typeface="Leelawadee UI"/>
+        <a:font script="Bopo" typeface="Microsoft JhengHei"/>
+        <a:font script="Java" typeface="Javanese Text"/>
+        <a:font script="Lisu" typeface="Segoe UI"/>
+        <a:font script="Mymr" typeface="Myanmar Text"/>
+        <a:font script="Nkoo" typeface="Ebrima"/>
+        <a:font script="Olck" typeface="Nirmala UI"/>
+        <a:font script="Osma" typeface="Ebrima"/>
+        <a:font script="Phag" typeface="Phagspa"/>
+        <a:font script="Syrn" typeface="Estrangelo Edessa"/>
+        <a:font script="Syrj" typeface="Estrangelo Edessa"/>
+        <a:font script="Syre" typeface="Estrangelo Edessa"/>
+        <a:font script="Sora" typeface="Nirmala UI"/>
+        <a:font script="Tale" typeface="Microsoft Tai Le"/>
+        <a:font script="Talu" typeface="Microsoft New Tai Lue"/>
+        <a:font script="Tfng" typeface="Ebrima"/>
+      </a:majorFont>
+      <a:minorFont>
+        <a:latin typeface="Calibri" panose="020F0502020204030204"/>
+        <a:ea typeface=""/>
+        <a:cs typeface=""/>
+        <a:font script="Jpan" typeface="游ゴシック"/>
+        <a:font script="Hang" typeface="맑은 고딕"/>
+        <a:font script="Hans" typeface="等线"/>
+        <a:font script="Hant" typeface="新細明體"/>
+        <a:font script="Arab" typeface="Arial"/>
+        <a:font script="Hebr" typeface="Arial"/>
+        <a:font script="Thai" typeface="Cordia New"/>
+        <a:font script="Ethi" typeface="Nyala"/>
+        <a:font script="Beng" typeface="Vrinda"/>
+        <a:font script="Gujr" typeface="Shruti"/>
+        <a:font script="Khmr" typeface="DaunPenh"/>
+        <a:font script="Knda" typeface="Tunga"/>
+        <a:font script="Guru" typeface="Raavi"/>
+        <a:font script="Cans" typeface="Euphemia"/>
+        <a:font script="Cher" typeface="Plantagenet Cherokee"/>
+        <a:font script="Yiii" typeface="Microsoft Yi Baiti"/>
+        <a:font script="Tibt" typeface="Microsoft Himalaya"/>
+        <a:font script="Thaa" typeface="MV Boli"/>
+        <a:font script="Deva" typeface="Mangal"/>
+        <a:font script="Telu" typeface="Gautami"/>
+        <a:font script="Taml" typeface="Latha"/>
+        <a:font script="Syrc" typeface="Estrangelo Edessa"/>
+        <a:font script="Orya" typeface="Kalinga"/>
+        <a:font script="Mlym" typeface="Kartika"/>
+        <a:font script="Laoo" typeface="DokChampa"/>
+        <a:font script="Sinh" typeface="Iskoola Pota"/>
+        <a:font script="Mong" typeface="Mongolian Baiti"/>
+        <a:font script="Viet" typeface="Arial"/>
+        <a:font script="Uigh" typeface="Microsoft Uighur"/>
+        <a:font script="Geor" typeface="Sylfaen"/>
+        <a:font script="Armn" typeface="Arial"/>
+        <a:font script="Bugi" typeface="Leelawadee UI"/>
+        <a:font script="Bopo" typeface="Microsoft JhengHei"/>
+        <a:font script="Java" typeface="Javanese Text"/>
+        <a:font script="Lisu" typeface="Segoe UI"/>
+        <a:font script="Mymr" typeface="Myanmar Text"/>
+        <a:font script="Nkoo" typeface="Ebrima"/>
+        <a:font script="Olck" typeface="Nirmala UI"/>
+        <a:font script="Osma" typeface="Ebrima"/>
+        <a:font script="Phag" typeface="Phagspa"/>
+        <a:font script="Syrn" typeface="Estrangelo Edessa"/>
+        <a:font script="Syrj" typeface="Estrangelo Edessa"/>
+        <a:font script="Syre" typeface="Estrangelo Edessa"/>
+        <a:font script="Sora" typeface="Nirmala UI"/>
+        <a:font script="Tale" typeface="Microsoft Tai Le"/>
+        <a:font script="Talu" typeface="Microsoft New Tai Lue"/>
+        <a:font script="Tfng" typeface="Ebrima"/>
+      </a:minorFont>
+    </a:fontScheme>
+    <a:fmtScheme name="Office">
+      <a:fillStyleLst>
+        <a:solidFill>
+          <a:schemeClr val="phClr"/>
+        </a:solidFill>
+        <a:gradFill rotWithShape="1">
+          <a:gsLst>
+            <a:gs pos="0">
+              <a:schemeClr val="phClr">
+                <a:lumMod val="110000"/>
+                <a:satMod val="105000"/>
+                <a:tint val="67000"/>
+              </a:schemeClr>
+            </a:gs>
+            <a:gs pos="50000">
+              <a:schemeClr val="phClr">
+                <a:lumMod val="105000"/>
+                <a:satMod val="103000"/>
+                <a:tint val="73000"/>
+              </a:schemeClr>
+            </a:gs>
+            <a:gs pos="100000">
+              <a:schemeClr val="phClr">
+                <a:lumMod val="105000"/>
+                <a:satMod val="109000"/>
+                <a:tint val="81000"/>
+              </a:schemeClr>
+            </a:gs>
+          </a:gsLst>
+          <a:lin ang="5400000" scaled="0"/>
+        </a:gradFill>
+        <a:gradFill rotWithShape="1">
+          <a:gsLst>
+            <a:gs pos="0">
+              <a:schemeClr val="phClr">
+                <a:satMod val="103000"/>
+                <a:lumMod val="102000"/>
+                <a:tint val="94000"/>
+              </a:schemeClr>
+            </a:gs>
+            <a:gs pos="50000">
+              <a:schemeClr val="phClr">
+                <a:satMod val="110000"/>
+                <a:lumMod val="100000"/>
+                <a:shade val="100000"/>
+              </a:schemeClr>
+            </a:gs>
+            <a:gs pos="100000">
+              <a:schemeClr val="phClr">
+                <a:lumMod val="99000"/>
+                <a:satMod val="120000"/>
+                <a:shade val="78000"/>
+              </a:schemeClr>
+            </a:gs>
+          </a:gsLst>
+          <a:lin ang="5400000" scaled="0"/>
+        </a:gradFill>
+      </a:fillStyleLst>
+      <a:lnStyleLst>
+        <a:ln w="6350" cap="flat" cmpd="sng" algn="ctr">
+          <a:solidFill>
+            <a:schemeClr val="phClr"/>
+          </a:solidFill>
+          <a:prstDash val="solid"/>
+          <a:miter lim="800000"/>
+        </a:ln>
+        <a:ln w="12700" cap="flat" cmpd="sng" algn="ctr">
+          <a:solidFill>
+            <a:schemeClr val="phClr"/>
+          </a:solidFill>
+          <a:prstDash val="solid"/>
+          <a:miter lim="800000"/>
+        </a:ln>
+        <a:ln w="19050" cap="flat" cmpd="sng" algn="ctr">
+          <a:solidFill>
+            <a:schemeClr val="phClr"/>
+          </a:solidFill>
+          <a:prstDash val="solid"/>
+          <a:miter lim="800000"/>
+        </a:ln>
+      </a:lnStyleLst>
+      <a:effectStyleLst>
+        <a:effectStyle>
+          <a:effectLst/>
+        </a:effectStyle>
+        <a:effectStyle>
+          <a:effectLst/>
+        </a:effectStyle>
+        <a:effectStyle>
+          <a:effectLst>
+            <a:outerShdw blurRad="57150" dist="19050" dir="5400000" algn="ctr" rotWithShape="0">
+              <a:srgbClr val="000000">
+                <a:alpha val="63000"/>
+              </a:srgbClr>
+            </a:outerShdw>
+          </a:effectLst>
+        </a:effectStyle>
+      </a:effectStyleLst>
+      <a:bgFillStyleLst>
+        <a:solidFill>
+          <a:schemeClr val="phClr"/>
+        </a:solidFill>
+        <a:solidFill>
+          <a:schemeClr val="phClr">
+            <a:tint val="95000"/>
+            <a:satMod val="170000"/>
+          </a:schemeClr>
+        </a:solidFill>
+        <a:gradFill rotWithShape="1">
+          <a:gsLst>
+            <a:gs pos="0">
+              <a:schemeClr val="phClr">
+                <a:tint val="93000"/>
+                <a:satMod val="150000"/>
+                <a:shade val="98000"/>
+                <a:lumMod val="102000"/>
+              </a:schemeClr>
+            </a:gs>
+            <a:gs pos="50000">
+              <a:schemeClr val="phClr">
+                <a:tint val="98000"/>
+                <a:satMod val="130000"/>
+                <a:shade val="90000"/>
+                <a:lumMod val="103000"/>
+              </a:schemeClr>
+            </a:gs>
+            <a:gs pos="100000">
+              <a:schemeClr val="phClr">
+                <a:shade val="63000"/>
+                <a:satMod val="120000"/>
+              </a:schemeClr>
+            </a:gs>
+          </a:gsLst>
+          <a:lin ang="5400000" scaled="0"/>
+        </a:gradFill>
+      </a:bgFillStyleLst>
+    </a:fmtScheme>
+  </a:themeElements>
+  <a:objectDefaults/>
+  <a:extraClrSchemeLst/>
+  <a:extLst>
+    <a:ext uri="{05A4C25C-085E-4340-85A3-A5531E510DB2}">
+      <thm15:themeFamily xmlns:thm15="http://schemas.microsoft.com/office/thememl/2012/main" name="Office Theme" id="{62F939B6-93AF-4DB8-9C6B-D6C7DFDC589F}" vid="{4A3C46E8-61CC-4603-A589-7422A47A8E4A}"/>
+    </a:ext>
+  </a:extLst>
+</a:theme>
 </file>